--- a/PPT1 - Ligacao a internet.pptx
+++ b/PPT1 - Ligacao a internet.pptx
@@ -7,9 +7,12 @@
   <p:sldIdLst>
     <p:sldId id="256" r:id="rId2"/>
     <p:sldId id="257" r:id="rId3"/>
-    <p:sldId id="258" r:id="rId4"/>
-    <p:sldId id="260" r:id="rId5"/>
-    <p:sldId id="259" r:id="rId6"/>
+    <p:sldId id="266" r:id="rId4"/>
+    <p:sldId id="263" r:id="rId5"/>
+    <p:sldId id="258" r:id="rId6"/>
+    <p:sldId id="260" r:id="rId7"/>
+    <p:sldId id="264" r:id="rId8"/>
+    <p:sldId id="262" r:id="rId9"/>
   </p:sldIdLst>
   <p:sldSz cx="12192000" cy="6858000"/>
   <p:notesSz cx="6858000" cy="9144000"/>
@@ -247,7 +250,7 @@
           <a:p>
             <a:fld id="{A8056B92-FCDB-4810-8779-64E0CAC2F787}" type="datetimeFigureOut">
               <a:rPr lang="pt-PT" smtClean="0"/>
-              <a:t>16/04/2018</a:t>
+              <a:t>19/04/2018</a:t>
             </a:fld>
             <a:endParaRPr lang="pt-PT"/>
           </a:p>
@@ -417,7 +420,7 @@
           <a:p>
             <a:fld id="{A8056B92-FCDB-4810-8779-64E0CAC2F787}" type="datetimeFigureOut">
               <a:rPr lang="pt-PT" smtClean="0"/>
-              <a:t>16/04/2018</a:t>
+              <a:t>19/04/2018</a:t>
             </a:fld>
             <a:endParaRPr lang="pt-PT"/>
           </a:p>
@@ -597,7 +600,7 @@
           <a:p>
             <a:fld id="{A8056B92-FCDB-4810-8779-64E0CAC2F787}" type="datetimeFigureOut">
               <a:rPr lang="pt-PT" smtClean="0"/>
-              <a:t>16/04/2018</a:t>
+              <a:t>19/04/2018</a:t>
             </a:fld>
             <a:endParaRPr lang="pt-PT"/>
           </a:p>
@@ -767,7 +770,7 @@
           <a:p>
             <a:fld id="{A8056B92-FCDB-4810-8779-64E0CAC2F787}" type="datetimeFigureOut">
               <a:rPr lang="pt-PT" smtClean="0"/>
-              <a:t>16/04/2018</a:t>
+              <a:t>19/04/2018</a:t>
             </a:fld>
             <a:endParaRPr lang="pt-PT"/>
           </a:p>
@@ -1013,7 +1016,7 @@
           <a:p>
             <a:fld id="{A8056B92-FCDB-4810-8779-64E0CAC2F787}" type="datetimeFigureOut">
               <a:rPr lang="pt-PT" smtClean="0"/>
-              <a:t>16/04/2018</a:t>
+              <a:t>19/04/2018</a:t>
             </a:fld>
             <a:endParaRPr lang="pt-PT"/>
           </a:p>
@@ -1245,7 +1248,7 @@
           <a:p>
             <a:fld id="{A8056B92-FCDB-4810-8779-64E0CAC2F787}" type="datetimeFigureOut">
               <a:rPr lang="pt-PT" smtClean="0"/>
-              <a:t>16/04/2018</a:t>
+              <a:t>19/04/2018</a:t>
             </a:fld>
             <a:endParaRPr lang="pt-PT"/>
           </a:p>
@@ -1612,7 +1615,7 @@
           <a:p>
             <a:fld id="{A8056B92-FCDB-4810-8779-64E0CAC2F787}" type="datetimeFigureOut">
               <a:rPr lang="pt-PT" smtClean="0"/>
-              <a:t>16/04/2018</a:t>
+              <a:t>19/04/2018</a:t>
             </a:fld>
             <a:endParaRPr lang="pt-PT"/>
           </a:p>
@@ -1730,7 +1733,7 @@
           <a:p>
             <a:fld id="{A8056B92-FCDB-4810-8779-64E0CAC2F787}" type="datetimeFigureOut">
               <a:rPr lang="pt-PT" smtClean="0"/>
-              <a:t>16/04/2018</a:t>
+              <a:t>19/04/2018</a:t>
             </a:fld>
             <a:endParaRPr lang="pt-PT"/>
           </a:p>
@@ -1825,7 +1828,7 @@
           <a:p>
             <a:fld id="{A8056B92-FCDB-4810-8779-64E0CAC2F787}" type="datetimeFigureOut">
               <a:rPr lang="pt-PT" smtClean="0"/>
-              <a:t>16/04/2018</a:t>
+              <a:t>19/04/2018</a:t>
             </a:fld>
             <a:endParaRPr lang="pt-PT"/>
           </a:p>
@@ -2102,7 +2105,7 @@
           <a:p>
             <a:fld id="{A8056B92-FCDB-4810-8779-64E0CAC2F787}" type="datetimeFigureOut">
               <a:rPr lang="pt-PT" smtClean="0"/>
-              <a:t>16/04/2018</a:t>
+              <a:t>19/04/2018</a:t>
             </a:fld>
             <a:endParaRPr lang="pt-PT"/>
           </a:p>
@@ -2359,7 +2362,7 @@
           <a:p>
             <a:fld id="{A8056B92-FCDB-4810-8779-64E0CAC2F787}" type="datetimeFigureOut">
               <a:rPr lang="pt-PT" smtClean="0"/>
-              <a:t>16/04/2018</a:t>
+              <a:t>19/04/2018</a:t>
             </a:fld>
             <a:endParaRPr lang="pt-PT"/>
           </a:p>
@@ -2572,7 +2575,7 @@
           <a:p>
             <a:fld id="{A8056B92-FCDB-4810-8779-64E0CAC2F787}" type="datetimeFigureOut">
               <a:rPr lang="pt-PT" smtClean="0"/>
-              <a:t>16/04/2018</a:t>
+              <a:t>19/04/2018</a:t>
             </a:fld>
             <a:endParaRPr lang="pt-PT"/>
           </a:p>
@@ -3034,7 +3037,9 @@
           <a:lstStyle/>
           <a:p>
             <a:r>
-              <a:rPr lang="pt-PT" dirty="0"/>
+              <a:rPr lang="pt-PT" dirty="0">
+                <a:latin typeface="Consolas" panose="020B0609020204030204" pitchFamily="49" charset="0"/>
+              </a:rPr>
               <a:t>Semana 1</a:t>
             </a:r>
           </a:p>
@@ -3183,8 +3188,8 @@
         </p:nvSpPr>
         <p:spPr>
           <a:xfrm>
-            <a:off x="6798365" y="4577935"/>
-            <a:ext cx="5393635" cy="1200329"/>
+            <a:off x="6599583" y="4577935"/>
+            <a:ext cx="5592417" cy="1200329"/>
           </a:xfrm>
           <a:prstGeom prst="rect">
             <a:avLst/>
@@ -3204,6 +3209,7 @@
                     <a:lumOff val="40000"/>
                   </a:schemeClr>
                 </a:solidFill>
+                <a:latin typeface="Consolas" panose="020B0609020204030204" pitchFamily="49" charset="0"/>
               </a:rPr>
               <a:t>By</a:t>
             </a:r>
@@ -3215,6 +3221,7 @@
                     <a:lumOff val="40000"/>
                   </a:schemeClr>
                 </a:solidFill>
+                <a:latin typeface="Consolas" panose="020B0609020204030204" pitchFamily="49" charset="0"/>
               </a:rPr>
               <a:t> </a:t>
             </a:r>
@@ -3226,6 +3233,7 @@
                     <a:lumOff val="40000"/>
                   </a:schemeClr>
                 </a:solidFill>
+                <a:latin typeface="Consolas" panose="020B0609020204030204" pitchFamily="49" charset="0"/>
               </a:rPr>
               <a:t>en:User:Kbrose</a:t>
             </a:r>
@@ -3237,6 +3245,7 @@
                     <a:lumOff val="40000"/>
                   </a:schemeClr>
                 </a:solidFill>
+                <a:latin typeface="Consolas" panose="020B0609020204030204" pitchFamily="49" charset="0"/>
               </a:rPr>
               <a:t> - Prior </a:t>
             </a:r>
@@ -3248,6 +3257,7 @@
                     <a:lumOff val="40000"/>
                   </a:schemeClr>
                 </a:solidFill>
+                <a:latin typeface="Consolas" panose="020B0609020204030204" pitchFamily="49" charset="0"/>
               </a:rPr>
               <a:t>Wikipedia</a:t>
             </a:r>
@@ -3259,6 +3269,7 @@
                     <a:lumOff val="40000"/>
                   </a:schemeClr>
                 </a:solidFill>
+                <a:latin typeface="Consolas" panose="020B0609020204030204" pitchFamily="49" charset="0"/>
               </a:rPr>
               <a:t> artwork </a:t>
             </a:r>
@@ -3270,6 +3281,7 @@
                     <a:lumOff val="40000"/>
                   </a:schemeClr>
                 </a:solidFill>
+                <a:latin typeface="Consolas" panose="020B0609020204030204" pitchFamily="49" charset="0"/>
               </a:rPr>
               <a:t>by</a:t>
             </a:r>
@@ -3281,6 +3293,7 @@
                     <a:lumOff val="40000"/>
                   </a:schemeClr>
                 </a:solidFill>
+                <a:latin typeface="Consolas" panose="020B0609020204030204" pitchFamily="49" charset="0"/>
               </a:rPr>
               <a:t> </a:t>
             </a:r>
@@ -3292,6 +3305,7 @@
                     <a:lumOff val="40000"/>
                   </a:schemeClr>
                 </a:solidFill>
+                <a:latin typeface="Consolas" panose="020B0609020204030204" pitchFamily="49" charset="0"/>
               </a:rPr>
               <a:t>en:User:Cburnett</a:t>
             </a:r>
@@ -3303,6 +3317,7 @@
                     <a:lumOff val="40000"/>
                   </a:schemeClr>
                 </a:solidFill>
+                <a:latin typeface="Consolas" panose="020B0609020204030204" pitchFamily="49" charset="0"/>
               </a:rPr>
               <a:t>, CC BY-SA 3.0, </a:t>
             </a:r>
@@ -3314,6 +3329,7 @@
                     <a:lumOff val="40000"/>
                   </a:schemeClr>
                 </a:solidFill>
+                <a:latin typeface="Consolas" panose="020B0609020204030204" pitchFamily="49" charset="0"/>
                 <a:hlinkClick r:id="rId3"/>
               </a:rPr>
               <a:t>https://commons.wikimedia.org/w/index.php?curid=1831900</a:t>
@@ -3325,6 +3341,7 @@
                   <a:lumOff val="40000"/>
                 </a:schemeClr>
               </a:solidFill>
+              <a:latin typeface="Consolas" panose="020B0609020204030204" pitchFamily="49" charset="0"/>
             </a:endParaRPr>
           </a:p>
         </p:txBody>
@@ -3343,8 +3360,8 @@
         </p:nvSpPr>
         <p:spPr>
           <a:xfrm>
-            <a:off x="573156" y="1690688"/>
-            <a:ext cx="6378438" cy="4801314"/>
+            <a:off x="397565" y="1505160"/>
+            <a:ext cx="6554029" cy="5355312"/>
           </a:xfrm>
           <a:prstGeom prst="rect">
             <a:avLst/>
@@ -3362,7 +3379,9 @@
               <a:buChar char="•"/>
             </a:pPr>
             <a:r>
-              <a:rPr lang="pt-PT" dirty="0"/>
+              <a:rPr lang="pt-PT" dirty="0">
+                <a:latin typeface="Consolas" panose="020B0609020204030204" pitchFamily="49" charset="0"/>
+              </a:rPr>
               <a:t>Vamos nos abstrair de toda a complexidade do modelo TCP/IP</a:t>
             </a:r>
           </a:p>
@@ -3372,27 +3391,39 @@
               <a:buChar char="•"/>
             </a:pPr>
             <a:r>
-              <a:rPr lang="pt-PT" dirty="0"/>
+              <a:rPr lang="pt-PT" dirty="0">
+                <a:latin typeface="Consolas" panose="020B0609020204030204" pitchFamily="49" charset="0"/>
+              </a:rPr>
               <a:t>Vamos concentrar-nos na parte </a:t>
             </a:r>
             <a:r>
-              <a:rPr lang="pt-PT" i="1" dirty="0"/>
+              <a:rPr lang="pt-PT" i="1" dirty="0">
+                <a:latin typeface="Consolas" panose="020B0609020204030204" pitchFamily="49" charset="0"/>
+              </a:rPr>
               <a:t>“</a:t>
             </a:r>
             <a:r>
-              <a:rPr lang="pt-PT" i="1" dirty="0" err="1"/>
+              <a:rPr lang="pt-PT" i="1" dirty="0" err="1">
+                <a:latin typeface="Consolas" panose="020B0609020204030204" pitchFamily="49" charset="0"/>
+              </a:rPr>
               <a:t>peer</a:t>
             </a:r>
             <a:r>
-              <a:rPr lang="pt-PT" i="1" dirty="0"/>
+              <a:rPr lang="pt-PT" i="1" dirty="0">
+                <a:latin typeface="Consolas" panose="020B0609020204030204" pitchFamily="49" charset="0"/>
+              </a:rPr>
               <a:t>-to-</a:t>
             </a:r>
             <a:r>
-              <a:rPr lang="pt-PT" i="1" dirty="0" err="1"/>
+              <a:rPr lang="pt-PT" i="1" dirty="0" err="1">
+                <a:latin typeface="Consolas" panose="020B0609020204030204" pitchFamily="49" charset="0"/>
+              </a:rPr>
               <a:t>peer</a:t>
             </a:r>
             <a:r>
-              <a:rPr lang="pt-PT" i="1" dirty="0"/>
+              <a:rPr lang="pt-PT" i="1" dirty="0">
+                <a:latin typeface="Consolas" panose="020B0609020204030204" pitchFamily="49" charset="0"/>
+              </a:rPr>
               <a:t>”</a:t>
             </a:r>
           </a:p>
@@ -3402,23 +3433,30 @@
               <a:buChar char="•"/>
             </a:pPr>
             <a:r>
-              <a:rPr lang="pt-PT" dirty="0"/>
+              <a:rPr lang="pt-PT" dirty="0">
+                <a:latin typeface="Consolas" panose="020B0609020204030204" pitchFamily="49" charset="0"/>
+              </a:rPr>
               <a:t>Classe URL </a:t>
             </a:r>
           </a:p>
           <a:p>
             <a:r>
-              <a:rPr lang="pt-PT" dirty="0"/>
+              <a:rPr lang="pt-PT" dirty="0">
+                <a:latin typeface="Consolas" panose="020B0609020204030204" pitchFamily="49" charset="0"/>
+              </a:rPr>
               <a:t>(</a:t>
             </a:r>
             <a:r>
               <a:rPr lang="pt-PT" dirty="0">
+                <a:latin typeface="Consolas" panose="020B0609020204030204" pitchFamily="49" charset="0"/>
                 <a:hlinkClick r:id="rId4"/>
               </a:rPr>
               <a:t>https://docs.oracle.com/javase/7/docs/api/java/net/URL.html</a:t>
             </a:r>
             <a:r>
-              <a:rPr lang="pt-PT" dirty="0"/>
+              <a:rPr lang="pt-PT" dirty="0">
+                <a:latin typeface="Consolas" panose="020B0609020204030204" pitchFamily="49" charset="0"/>
+              </a:rPr>
               <a:t>)</a:t>
             </a:r>
           </a:p>
@@ -3427,54 +3465,81 @@
               <a:buFont typeface="Arial" panose="020B0604020202020204" pitchFamily="34" charset="0"/>
               <a:buChar char="•"/>
             </a:pPr>
-            <a:endParaRPr lang="pt-PT" dirty="0"/>
+            <a:endParaRPr lang="pt-PT" dirty="0">
+              <a:latin typeface="Consolas" panose="020B0609020204030204" pitchFamily="49" charset="0"/>
+            </a:endParaRPr>
           </a:p>
           <a:p>
             <a:pPr marL="285750" indent="-285750">
               <a:buFont typeface="Arial" panose="020B0604020202020204" pitchFamily="34" charset="0"/>
               <a:buChar char="•"/>
             </a:pPr>
-            <a:endParaRPr lang="pt-PT" dirty="0"/>
-          </a:p>
-          <a:p>
-            <a:endParaRPr lang="pt-PT" dirty="0"/>
-          </a:p>
-          <a:p>
-            <a:endParaRPr lang="pt-PT" dirty="0"/>
-          </a:p>
-          <a:p>
-            <a:endParaRPr lang="pt-PT" dirty="0"/>
-          </a:p>
-          <a:p>
-            <a:endParaRPr lang="pt-PT" dirty="0"/>
-          </a:p>
-          <a:p>
-            <a:endParaRPr lang="pt-PT" dirty="0"/>
-          </a:p>
-          <a:p>
-            <a:endParaRPr lang="pt-PT" dirty="0"/>
-          </a:p>
-          <a:p>
-            <a:endParaRPr lang="pt-PT" dirty="0"/>
-          </a:p>
-          <a:p>
-            <a:endParaRPr lang="pt-PT" dirty="0"/>
-          </a:p>
-          <a:p>
-            <a:endParaRPr lang="pt-PT" dirty="0"/>
-          </a:p>
-          <a:p>
-            <a:r>
-              <a:rPr lang="pt-PT" dirty="0"/>
+            <a:endParaRPr lang="pt-PT" dirty="0">
+              <a:latin typeface="Consolas" panose="020B0609020204030204" pitchFamily="49" charset="0"/>
+            </a:endParaRPr>
+          </a:p>
+          <a:p>
+            <a:endParaRPr lang="pt-PT" dirty="0">
+              <a:latin typeface="Consolas" panose="020B0609020204030204" pitchFamily="49" charset="0"/>
+            </a:endParaRPr>
+          </a:p>
+          <a:p>
+            <a:endParaRPr lang="pt-PT" dirty="0">
+              <a:latin typeface="Consolas" panose="020B0609020204030204" pitchFamily="49" charset="0"/>
+            </a:endParaRPr>
+          </a:p>
+          <a:p>
+            <a:endParaRPr lang="pt-PT" dirty="0">
+              <a:latin typeface="Consolas" panose="020B0609020204030204" pitchFamily="49" charset="0"/>
+            </a:endParaRPr>
+          </a:p>
+          <a:p>
+            <a:endParaRPr lang="pt-PT" dirty="0">
+              <a:latin typeface="Consolas" panose="020B0609020204030204" pitchFamily="49" charset="0"/>
+            </a:endParaRPr>
+          </a:p>
+          <a:p>
+            <a:endParaRPr lang="pt-PT" dirty="0">
+              <a:latin typeface="Consolas" panose="020B0609020204030204" pitchFamily="49" charset="0"/>
+            </a:endParaRPr>
+          </a:p>
+          <a:p>
+            <a:endParaRPr lang="pt-PT" dirty="0">
+              <a:latin typeface="Consolas" panose="020B0609020204030204" pitchFamily="49" charset="0"/>
+            </a:endParaRPr>
+          </a:p>
+          <a:p>
+            <a:endParaRPr lang="pt-PT" dirty="0">
+              <a:latin typeface="Consolas" panose="020B0609020204030204" pitchFamily="49" charset="0"/>
+            </a:endParaRPr>
+          </a:p>
+          <a:p>
+            <a:endParaRPr lang="pt-PT" dirty="0">
+              <a:latin typeface="Consolas" panose="020B0609020204030204" pitchFamily="49" charset="0"/>
+            </a:endParaRPr>
+          </a:p>
+          <a:p>
+            <a:endParaRPr lang="pt-PT" dirty="0">
+              <a:latin typeface="Consolas" panose="020B0609020204030204" pitchFamily="49" charset="0"/>
+            </a:endParaRPr>
+          </a:p>
+          <a:p>
+            <a:r>
+              <a:rPr lang="pt-PT" dirty="0">
+                <a:latin typeface="Consolas" panose="020B0609020204030204" pitchFamily="49" charset="0"/>
+              </a:rPr>
               <a:t>Mais informação sobre como a internet funciona em: </a:t>
             </a:r>
             <a:r>
               <a:rPr lang="pt-PT" dirty="0">
+                <a:latin typeface="Consolas" panose="020B0609020204030204" pitchFamily="49" charset="0"/>
                 <a:hlinkClick r:id="rId5"/>
               </a:rPr>
               <a:t>http://www.net-intro.com/</a:t>
             </a:r>
-            <a:endParaRPr lang="pt-PT" dirty="0"/>
+            <a:endParaRPr lang="pt-PT" dirty="0">
+              <a:latin typeface="Consolas" panose="020B0609020204030204" pitchFamily="49" charset="0"/>
+            </a:endParaRPr>
           </a:p>
         </p:txBody>
       </p:sp>
@@ -3500,7 +3565,7 @@
         </p:blipFill>
         <p:spPr>
           <a:xfrm>
-            <a:off x="682902" y="2949339"/>
+            <a:off x="573156" y="3296479"/>
             <a:ext cx="5295900" cy="2828925"/>
           </a:xfrm>
           <a:prstGeom prst="rect">
@@ -3522,6 +3587,3969 @@
 </file>
 
 <file path=ppt/slides/slide3.xml><?xml version="1.0" encoding="utf-8"?>
+<p:sld xmlns:a="http://schemas.openxmlformats.org/drawingml/2006/main" xmlns:r="http://schemas.openxmlformats.org/officeDocument/2006/relationships" xmlns:p="http://schemas.openxmlformats.org/presentationml/2006/main">
+  <p:cSld>
+    <p:spTree>
+      <p:nvGrpSpPr>
+        <p:cNvPr id="1" name=""/>
+        <p:cNvGrpSpPr/>
+        <p:nvPr/>
+      </p:nvGrpSpPr>
+      <p:grpSpPr>
+        <a:xfrm>
+          <a:off x="0" y="0"/>
+          <a:ext cx="0" cy="0"/>
+          <a:chOff x="0" y="0"/>
+          <a:chExt cx="0" cy="0"/>
+        </a:xfrm>
+      </p:grpSpPr>
+      <p:sp>
+        <p:nvSpPr>
+          <p:cNvPr id="2" name="Título 1">
+            <a:extLst>
+              <a:ext uri="{FF2B5EF4-FFF2-40B4-BE49-F238E27FC236}">
+                <a16:creationId xmlns:a16="http://schemas.microsoft.com/office/drawing/2014/main" id="{68084EA3-29C4-41B7-8242-BC0D7B82525A}"/>
+              </a:ext>
+            </a:extLst>
+          </p:cNvPr>
+          <p:cNvSpPr>
+            <a:spLocks noGrp="1"/>
+          </p:cNvSpPr>
+          <p:nvPr>
+            <p:ph type="title"/>
+          </p:nvPr>
+        </p:nvSpPr>
+        <p:spPr/>
+        <p:txBody>
+          <a:bodyPr/>
+          <a:lstStyle/>
+          <a:p>
+            <a:r>
+              <a:rPr lang="pt-PT" b="1" dirty="0">
+                <a:solidFill>
+                  <a:schemeClr val="accent4">
+                    <a:lumMod val="60000"/>
+                    <a:lumOff val="40000"/>
+                  </a:schemeClr>
+                </a:solidFill>
+              </a:rPr>
+              <a:t>HTTP</a:t>
+            </a:r>
+          </a:p>
+        </p:txBody>
+      </p:sp>
+      <p:sp>
+        <p:nvSpPr>
+          <p:cNvPr id="3" name="Marcador de Posição de Conteúdo 2">
+            <a:extLst>
+              <a:ext uri="{FF2B5EF4-FFF2-40B4-BE49-F238E27FC236}">
+                <a16:creationId xmlns:a16="http://schemas.microsoft.com/office/drawing/2014/main" id="{90EA3F8F-AF5E-470B-8328-E9086464833E}"/>
+              </a:ext>
+            </a:extLst>
+          </p:cNvPr>
+          <p:cNvSpPr>
+            <a:spLocks noGrp="1"/>
+          </p:cNvSpPr>
+          <p:nvPr>
+            <p:ph idx="1"/>
+          </p:nvPr>
+        </p:nvSpPr>
+        <p:spPr>
+          <a:xfrm>
+            <a:off x="838200" y="1825625"/>
+            <a:ext cx="10515600" cy="4351338"/>
+          </a:xfrm>
+        </p:spPr>
+        <p:txBody>
+          <a:bodyPr/>
+          <a:lstStyle/>
+          <a:p>
+            <a:r>
+              <a:rPr lang="pt-PT" sz="1800" dirty="0" err="1">
+                <a:latin typeface="Consolas" panose="020B0609020204030204" pitchFamily="49" charset="0"/>
+              </a:rPr>
+              <a:t>Hypertext</a:t>
+            </a:r>
+            <a:r>
+              <a:rPr lang="pt-PT" sz="1800" dirty="0">
+                <a:latin typeface="Consolas" panose="020B0609020204030204" pitchFamily="49" charset="0"/>
+              </a:rPr>
+              <a:t> </a:t>
+            </a:r>
+            <a:r>
+              <a:rPr lang="pt-PT" sz="1800" dirty="0" err="1">
+                <a:latin typeface="Consolas" panose="020B0609020204030204" pitchFamily="49" charset="0"/>
+              </a:rPr>
+              <a:t>Transfer</a:t>
+            </a:r>
+            <a:r>
+              <a:rPr lang="pt-PT" sz="1800" dirty="0">
+                <a:latin typeface="Consolas" panose="020B0609020204030204" pitchFamily="49" charset="0"/>
+              </a:rPr>
+              <a:t> </a:t>
+            </a:r>
+            <a:r>
+              <a:rPr lang="pt-PT" sz="1800" dirty="0" err="1">
+                <a:latin typeface="Consolas" panose="020B0609020204030204" pitchFamily="49" charset="0"/>
+              </a:rPr>
+              <a:t>Protocol</a:t>
+            </a:r>
+            <a:endParaRPr lang="pt-PT" sz="1800" dirty="0">
+              <a:latin typeface="Consolas" panose="020B0609020204030204" pitchFamily="49" charset="0"/>
+            </a:endParaRPr>
+          </a:p>
+          <a:p>
+            <a:r>
+              <a:rPr lang="pt-PT" sz="1800" dirty="0">
+                <a:latin typeface="Consolas" panose="020B0609020204030204" pitchFamily="49" charset="0"/>
+              </a:rPr>
+              <a:t>Camada aplicacional</a:t>
+            </a:r>
+          </a:p>
+          <a:p>
+            <a:r>
+              <a:rPr lang="pt-PT" sz="1800" dirty="0">
+                <a:latin typeface="Consolas" panose="020B0609020204030204" pitchFamily="49" charset="0"/>
+              </a:rPr>
+              <a:t>Classes:</a:t>
+            </a:r>
+          </a:p>
+          <a:p>
+            <a:pPr lvl="1"/>
+            <a:r>
+              <a:rPr lang="pt-PT" sz="1800" dirty="0" err="1">
+                <a:latin typeface="Consolas" panose="020B0609020204030204" pitchFamily="49" charset="0"/>
+              </a:rPr>
+              <a:t>Url</a:t>
+            </a:r>
+            <a:r>
+              <a:rPr lang="pt-PT" sz="1800" dirty="0">
+                <a:latin typeface="Consolas" panose="020B0609020204030204" pitchFamily="49" charset="0"/>
+              </a:rPr>
+              <a:t>/</a:t>
+            </a:r>
+            <a:r>
+              <a:rPr lang="pt-PT" sz="1800" dirty="0" err="1">
+                <a:latin typeface="Consolas" panose="020B0609020204030204" pitchFamily="49" charset="0"/>
+              </a:rPr>
+              <a:t>UrlConnection</a:t>
+            </a:r>
+            <a:endParaRPr lang="pt-PT" sz="1800" dirty="0">
+              <a:latin typeface="Consolas" panose="020B0609020204030204" pitchFamily="49" charset="0"/>
+            </a:endParaRPr>
+          </a:p>
+          <a:p>
+            <a:pPr lvl="1"/>
+            <a:r>
+              <a:rPr lang="pt-PT" sz="1800" dirty="0" err="1">
+                <a:latin typeface="Consolas" panose="020B0609020204030204" pitchFamily="49" charset="0"/>
+              </a:rPr>
+              <a:t>HttpComponents</a:t>
+            </a:r>
+            <a:r>
+              <a:rPr lang="pt-PT" sz="1800" dirty="0">
+                <a:latin typeface="Consolas" panose="020B0609020204030204" pitchFamily="49" charset="0"/>
+              </a:rPr>
+              <a:t> (Apache)</a:t>
+            </a:r>
+          </a:p>
+          <a:p>
+            <a:pPr lvl="1"/>
+            <a:r>
+              <a:rPr lang="pt-PT" sz="1800" dirty="0" err="1">
+                <a:latin typeface="Consolas" panose="020B0609020204030204" pitchFamily="49" charset="0"/>
+              </a:rPr>
+              <a:t>Socket</a:t>
+            </a:r>
+            <a:endParaRPr lang="pt-PT" sz="1800" dirty="0">
+              <a:latin typeface="Consolas" panose="020B0609020204030204" pitchFamily="49" charset="0"/>
+            </a:endParaRPr>
+          </a:p>
+        </p:txBody>
+      </p:sp>
+      <p:pic>
+        <p:nvPicPr>
+          <p:cNvPr id="4" name="Imagem 3">
+            <a:extLst>
+              <a:ext uri="{FF2B5EF4-FFF2-40B4-BE49-F238E27FC236}">
+                <a16:creationId xmlns:a16="http://schemas.microsoft.com/office/drawing/2014/main" id="{0D76E792-8546-450D-B269-9A6A5D341862}"/>
+              </a:ext>
+            </a:extLst>
+          </p:cNvPr>
+          <p:cNvPicPr>
+            <a:picLocks noChangeAspect="1"/>
+          </p:cNvPicPr>
+          <p:nvPr/>
+        </p:nvPicPr>
+        <p:blipFill>
+          <a:blip r:embed="rId2"/>
+          <a:stretch>
+            <a:fillRect/>
+          </a:stretch>
+        </p:blipFill>
+        <p:spPr>
+          <a:xfrm>
+            <a:off x="5086350" y="1825625"/>
+            <a:ext cx="6667500" cy="3714750"/>
+          </a:xfrm>
+          <a:prstGeom prst="rect">
+            <a:avLst/>
+          </a:prstGeom>
+        </p:spPr>
+      </p:pic>
+    </p:spTree>
+    <p:extLst>
+      <p:ext uri="{BB962C8B-B14F-4D97-AF65-F5344CB8AC3E}">
+        <p14:creationId xmlns:p14="http://schemas.microsoft.com/office/powerpoint/2010/main" val="2722982317"/>
+      </p:ext>
+    </p:extLst>
+  </p:cSld>
+  <p:clrMapOvr>
+    <a:masterClrMapping/>
+  </p:clrMapOvr>
+</p:sld>
+</file>
+
+<file path=ppt/slides/slide4.xml><?xml version="1.0" encoding="utf-8"?>
+<p:sld xmlns:a="http://schemas.openxmlformats.org/drawingml/2006/main" xmlns:r="http://schemas.openxmlformats.org/officeDocument/2006/relationships" xmlns:p="http://schemas.openxmlformats.org/presentationml/2006/main">
+  <p:cSld>
+    <p:spTree>
+      <p:nvGrpSpPr>
+        <p:cNvPr id="1" name=""/>
+        <p:cNvGrpSpPr/>
+        <p:nvPr/>
+      </p:nvGrpSpPr>
+      <p:grpSpPr>
+        <a:xfrm>
+          <a:off x="0" y="0"/>
+          <a:ext cx="0" cy="0"/>
+          <a:chOff x="0" y="0"/>
+          <a:chExt cx="0" cy="0"/>
+        </a:xfrm>
+      </p:grpSpPr>
+      <p:sp>
+        <p:nvSpPr>
+          <p:cNvPr id="2" name="Título 1">
+            <a:extLst>
+              <a:ext uri="{FF2B5EF4-FFF2-40B4-BE49-F238E27FC236}">
+                <a16:creationId xmlns:a16="http://schemas.microsoft.com/office/drawing/2014/main" id="{68084EA3-29C4-41B7-8242-BC0D7B82525A}"/>
+              </a:ext>
+            </a:extLst>
+          </p:cNvPr>
+          <p:cNvSpPr>
+            <a:spLocks noGrp="1"/>
+          </p:cNvSpPr>
+          <p:nvPr>
+            <p:ph type="title"/>
+          </p:nvPr>
+        </p:nvSpPr>
+        <p:spPr/>
+        <p:txBody>
+          <a:bodyPr/>
+          <a:lstStyle/>
+          <a:p>
+            <a:r>
+              <a:rPr lang="pt-PT" b="1" dirty="0">
+                <a:solidFill>
+                  <a:schemeClr val="accent4">
+                    <a:lumMod val="60000"/>
+                    <a:lumOff val="40000"/>
+                  </a:schemeClr>
+                </a:solidFill>
+              </a:rPr>
+              <a:t>HTML</a:t>
+            </a:r>
+          </a:p>
+        </p:txBody>
+      </p:sp>
+      <p:sp>
+        <p:nvSpPr>
+          <p:cNvPr id="3" name="Marcador de Posição de Conteúdo 2">
+            <a:extLst>
+              <a:ext uri="{FF2B5EF4-FFF2-40B4-BE49-F238E27FC236}">
+                <a16:creationId xmlns:a16="http://schemas.microsoft.com/office/drawing/2014/main" id="{90EA3F8F-AF5E-470B-8328-E9086464833E}"/>
+              </a:ext>
+            </a:extLst>
+          </p:cNvPr>
+          <p:cNvSpPr>
+            <a:spLocks noGrp="1"/>
+          </p:cNvSpPr>
+          <p:nvPr>
+            <p:ph idx="1"/>
+          </p:nvPr>
+        </p:nvSpPr>
+        <p:spPr>
+          <a:xfrm>
+            <a:off x="477751" y="1683031"/>
+            <a:ext cx="3919330" cy="2799384"/>
+          </a:xfrm>
+        </p:spPr>
+        <p:txBody>
+          <a:bodyPr>
+            <a:normAutofit/>
+          </a:bodyPr>
+          <a:lstStyle/>
+          <a:p>
+            <a:r>
+              <a:rPr lang="pt-PT" sz="1800" dirty="0" err="1">
+                <a:latin typeface="Consolas" panose="020B0609020204030204" pitchFamily="49" charset="0"/>
+              </a:rPr>
+              <a:t>HyperText</a:t>
+            </a:r>
+            <a:r>
+              <a:rPr lang="pt-PT" sz="1800" dirty="0">
+                <a:latin typeface="Consolas" panose="020B0609020204030204" pitchFamily="49" charset="0"/>
+              </a:rPr>
+              <a:t> </a:t>
+            </a:r>
+            <a:r>
+              <a:rPr lang="pt-PT" sz="1800" dirty="0" err="1">
+                <a:latin typeface="Consolas" panose="020B0609020204030204" pitchFamily="49" charset="0"/>
+              </a:rPr>
+              <a:t>Markup</a:t>
+            </a:r>
+            <a:r>
+              <a:rPr lang="pt-PT" sz="1800" dirty="0">
+                <a:latin typeface="Consolas" panose="020B0609020204030204" pitchFamily="49" charset="0"/>
+              </a:rPr>
+              <a:t> </a:t>
+            </a:r>
+            <a:r>
+              <a:rPr lang="pt-PT" sz="1800" dirty="0" err="1">
+                <a:latin typeface="Consolas" panose="020B0609020204030204" pitchFamily="49" charset="0"/>
+              </a:rPr>
+              <a:t>Language</a:t>
+            </a:r>
+            <a:endParaRPr lang="pt-PT" sz="1800" dirty="0">
+              <a:latin typeface="Consolas" panose="020B0609020204030204" pitchFamily="49" charset="0"/>
+            </a:endParaRPr>
+          </a:p>
+          <a:p>
+            <a:r>
+              <a:rPr lang="pt-PT" sz="1800" dirty="0">
+                <a:latin typeface="Consolas" panose="020B0609020204030204" pitchFamily="49" charset="0"/>
+              </a:rPr>
+              <a:t>Representação estruturada de media e conteúdos</a:t>
+            </a:r>
+          </a:p>
+          <a:p>
+            <a:r>
+              <a:rPr lang="pt-PT" sz="1800" dirty="0" err="1">
+                <a:latin typeface="Consolas" panose="020B0609020204030204" pitchFamily="49" charset="0"/>
+              </a:rPr>
+              <a:t>Tags</a:t>
+            </a:r>
+            <a:endParaRPr lang="pt-PT" sz="1800" dirty="0">
+              <a:latin typeface="Consolas" panose="020B0609020204030204" pitchFamily="49" charset="0"/>
+            </a:endParaRPr>
+          </a:p>
+        </p:txBody>
+      </p:sp>
+      <p:pic>
+        <p:nvPicPr>
+          <p:cNvPr id="6" name="Imagem 5">
+            <a:extLst>
+              <a:ext uri="{FF2B5EF4-FFF2-40B4-BE49-F238E27FC236}">
+                <a16:creationId xmlns:a16="http://schemas.microsoft.com/office/drawing/2014/main" id="{93DC3DF2-6C2C-4B44-BABE-C30EAAA47CAC}"/>
+              </a:ext>
+            </a:extLst>
+          </p:cNvPr>
+          <p:cNvPicPr>
+            <a:picLocks noChangeAspect="1"/>
+          </p:cNvPicPr>
+          <p:nvPr/>
+        </p:nvPicPr>
+        <p:blipFill>
+          <a:blip r:embed="rId2"/>
+          <a:stretch>
+            <a:fillRect/>
+          </a:stretch>
+        </p:blipFill>
+        <p:spPr>
+          <a:xfrm>
+            <a:off x="358481" y="3429000"/>
+            <a:ext cx="4038600" cy="2941022"/>
+          </a:xfrm>
+          <a:prstGeom prst="rect">
+            <a:avLst/>
+          </a:prstGeom>
+        </p:spPr>
+      </p:pic>
+      <p:sp>
+        <p:nvSpPr>
+          <p:cNvPr id="7" name="Rectangle 1">
+            <a:extLst>
+              <a:ext uri="{FF2B5EF4-FFF2-40B4-BE49-F238E27FC236}">
+                <a16:creationId xmlns:a16="http://schemas.microsoft.com/office/drawing/2014/main" id="{32111724-E78C-45B1-BD01-F474BB6B3D45}"/>
+              </a:ext>
+            </a:extLst>
+          </p:cNvPr>
+          <p:cNvSpPr>
+            <a:spLocks noChangeArrowheads="1"/>
+          </p:cNvSpPr>
+          <p:nvPr/>
+        </p:nvSpPr>
+        <p:spPr bwMode="auto">
+          <a:xfrm>
+            <a:off x="4397081" y="-68111"/>
+            <a:ext cx="7774573" cy="6994222"/>
+          </a:xfrm>
+          <a:prstGeom prst="rect">
+            <a:avLst/>
+          </a:prstGeom>
+          <a:noFill/>
+          <a:ln>
+            <a:noFill/>
+          </a:ln>
+          <a:effectLst/>
+        </p:spPr>
+        <p:txBody>
+          <a:bodyPr vert="horz" wrap="square" lIns="91440" tIns="45720" rIns="91440" bIns="45720" numCol="1" anchor="ctr" anchorCtr="0" compatLnSpc="1">
+            <a:prstTxWarp prst="textNoShape">
+              <a:avLst/>
+            </a:prstTxWarp>
+            <a:spAutoFit/>
+          </a:bodyPr>
+          <a:lstStyle/>
+          <a:p>
+            <a:pPr lvl="0" defTabSz="914400" eaLnBrk="0" fontAlgn="base" hangingPunct="0">
+              <a:spcBef>
+                <a:spcPct val="0"/>
+              </a:spcBef>
+              <a:spcAft>
+                <a:spcPct val="0"/>
+              </a:spcAft>
+            </a:pPr>
+            <a:r>
+              <a:rPr kumimoji="0" lang="pt-PT" altLang="pt-PT" sz="1150" b="0" i="0" u="none" strike="noStrike" cap="none" normalizeH="0" baseline="0" dirty="0">
+                <a:ln>
+                  <a:noFill/>
+                </a:ln>
+                <a:solidFill>
+                  <a:srgbClr val="E8BF6A"/>
+                </a:solidFill>
+                <a:effectLst/>
+                <a:latin typeface="Consolas" panose="020B0609020204030204" pitchFamily="49" charset="0"/>
+                <a:ea typeface="Source Code Pro"/>
+              </a:rPr>
+              <a:t>&lt;!DOCTYPE </a:t>
+            </a:r>
+            <a:r>
+              <a:rPr kumimoji="0" lang="pt-PT" altLang="pt-PT" sz="1150" b="0" i="0" u="none" strike="noStrike" cap="none" normalizeH="0" baseline="0" dirty="0" err="1">
+                <a:ln>
+                  <a:noFill/>
+                </a:ln>
+                <a:solidFill>
+                  <a:srgbClr val="BABABA"/>
+                </a:solidFill>
+                <a:effectLst/>
+                <a:latin typeface="Consolas" panose="020B0609020204030204" pitchFamily="49" charset="0"/>
+                <a:ea typeface="Source Code Pro"/>
+              </a:rPr>
+              <a:t>html</a:t>
+            </a:r>
+            <a:r>
+              <a:rPr kumimoji="0" lang="pt-PT" altLang="pt-PT" sz="1150" b="0" i="0" u="none" strike="noStrike" cap="none" normalizeH="0" baseline="0" dirty="0">
+                <a:ln>
+                  <a:noFill/>
+                </a:ln>
+                <a:solidFill>
+                  <a:srgbClr val="E8BF6A"/>
+                </a:solidFill>
+                <a:effectLst/>
+                <a:latin typeface="Consolas" panose="020B0609020204030204" pitchFamily="49" charset="0"/>
+                <a:ea typeface="Source Code Pro"/>
+              </a:rPr>
+              <a:t>&gt;</a:t>
+            </a:r>
+            <a:br>
+              <a:rPr kumimoji="0" lang="pt-PT" altLang="pt-PT" sz="1150" b="0" i="0" u="none" strike="noStrike" cap="none" normalizeH="0" baseline="0" dirty="0">
+                <a:ln>
+                  <a:noFill/>
+                </a:ln>
+                <a:solidFill>
+                  <a:srgbClr val="E8BF6A"/>
+                </a:solidFill>
+                <a:effectLst/>
+                <a:latin typeface="Consolas" panose="020B0609020204030204" pitchFamily="49" charset="0"/>
+                <a:ea typeface="Source Code Pro"/>
+              </a:rPr>
+            </a:br>
+            <a:r>
+              <a:rPr kumimoji="0" lang="pt-PT" altLang="pt-PT" sz="1150" b="0" i="0" u="none" strike="noStrike" cap="none" normalizeH="0" baseline="0" dirty="0">
+                <a:ln>
+                  <a:noFill/>
+                </a:ln>
+                <a:solidFill>
+                  <a:srgbClr val="E8BF6A"/>
+                </a:solidFill>
+                <a:effectLst/>
+                <a:latin typeface="Consolas" panose="020B0609020204030204" pitchFamily="49" charset="0"/>
+                <a:ea typeface="Source Code Pro"/>
+              </a:rPr>
+              <a:t>&lt;</a:t>
+            </a:r>
+            <a:r>
+              <a:rPr kumimoji="0" lang="pt-PT" altLang="pt-PT" sz="1150" b="0" i="0" u="none" strike="noStrike" cap="none" normalizeH="0" baseline="0" dirty="0" err="1">
+                <a:ln>
+                  <a:noFill/>
+                </a:ln>
+                <a:solidFill>
+                  <a:srgbClr val="E8BF6A"/>
+                </a:solidFill>
+                <a:effectLst/>
+                <a:latin typeface="Consolas" panose="020B0609020204030204" pitchFamily="49" charset="0"/>
+                <a:ea typeface="Source Code Pro"/>
+              </a:rPr>
+              <a:t>html</a:t>
+            </a:r>
+            <a:r>
+              <a:rPr kumimoji="0" lang="pt-PT" altLang="pt-PT" sz="1150" b="0" i="0" u="none" strike="noStrike" cap="none" normalizeH="0" baseline="0" dirty="0">
+                <a:ln>
+                  <a:noFill/>
+                </a:ln>
+                <a:solidFill>
+                  <a:srgbClr val="E8BF6A"/>
+                </a:solidFill>
+                <a:effectLst/>
+                <a:latin typeface="Consolas" panose="020B0609020204030204" pitchFamily="49" charset="0"/>
+                <a:ea typeface="Source Code Pro"/>
+              </a:rPr>
+              <a:t>&gt;</a:t>
+            </a:r>
+            <a:br>
+              <a:rPr kumimoji="0" lang="pt-PT" altLang="pt-PT" sz="1150" b="0" i="0" u="none" strike="noStrike" cap="none" normalizeH="0" baseline="0" dirty="0">
+                <a:ln>
+                  <a:noFill/>
+                </a:ln>
+                <a:solidFill>
+                  <a:srgbClr val="E8BF6A"/>
+                </a:solidFill>
+                <a:effectLst/>
+                <a:latin typeface="Consolas" panose="020B0609020204030204" pitchFamily="49" charset="0"/>
+                <a:ea typeface="Source Code Pro"/>
+              </a:rPr>
+            </a:br>
+            <a:r>
+              <a:rPr kumimoji="0" lang="pt-PT" altLang="pt-PT" sz="1150" b="0" i="0" u="none" strike="noStrike" cap="none" normalizeH="0" baseline="0" dirty="0">
+                <a:ln>
+                  <a:noFill/>
+                </a:ln>
+                <a:solidFill>
+                  <a:srgbClr val="E8BF6A"/>
+                </a:solidFill>
+                <a:effectLst/>
+                <a:latin typeface="Consolas" panose="020B0609020204030204" pitchFamily="49" charset="0"/>
+                <a:ea typeface="Source Code Pro"/>
+              </a:rPr>
+              <a:t>&lt;</a:t>
+            </a:r>
+            <a:r>
+              <a:rPr kumimoji="0" lang="pt-PT" altLang="pt-PT" sz="1150" b="0" i="0" u="none" strike="noStrike" cap="none" normalizeH="0" baseline="0" dirty="0" err="1">
+                <a:ln>
+                  <a:noFill/>
+                </a:ln>
+                <a:solidFill>
+                  <a:srgbClr val="E8BF6A"/>
+                </a:solidFill>
+                <a:effectLst/>
+                <a:latin typeface="Consolas" panose="020B0609020204030204" pitchFamily="49" charset="0"/>
+                <a:ea typeface="Source Code Pro"/>
+              </a:rPr>
+              <a:t>head</a:t>
+            </a:r>
+            <a:r>
+              <a:rPr kumimoji="0" lang="pt-PT" altLang="pt-PT" sz="1150" b="0" i="0" u="none" strike="noStrike" cap="none" normalizeH="0" baseline="0" dirty="0">
+                <a:ln>
+                  <a:noFill/>
+                </a:ln>
+                <a:solidFill>
+                  <a:srgbClr val="E8BF6A"/>
+                </a:solidFill>
+                <a:effectLst/>
+                <a:latin typeface="Consolas" panose="020B0609020204030204" pitchFamily="49" charset="0"/>
+                <a:ea typeface="Source Code Pro"/>
+              </a:rPr>
+              <a:t>&gt;</a:t>
+            </a:r>
+            <a:br>
+              <a:rPr kumimoji="0" lang="pt-PT" altLang="pt-PT" sz="1150" b="0" i="0" u="none" strike="noStrike" cap="none" normalizeH="0" baseline="0" dirty="0">
+                <a:ln>
+                  <a:noFill/>
+                </a:ln>
+                <a:solidFill>
+                  <a:srgbClr val="E8BF6A"/>
+                </a:solidFill>
+                <a:effectLst/>
+                <a:latin typeface="Consolas" panose="020B0609020204030204" pitchFamily="49" charset="0"/>
+                <a:ea typeface="Source Code Pro"/>
+              </a:rPr>
+            </a:br>
+            <a:r>
+              <a:rPr kumimoji="0" lang="pt-PT" altLang="pt-PT" sz="1150" b="0" i="0" u="none" strike="noStrike" cap="none" normalizeH="0" baseline="0" dirty="0">
+                <a:ln>
+                  <a:noFill/>
+                </a:ln>
+                <a:solidFill>
+                  <a:srgbClr val="E8BF6A"/>
+                </a:solidFill>
+                <a:effectLst/>
+                <a:latin typeface="Consolas" panose="020B0609020204030204" pitchFamily="49" charset="0"/>
+                <a:ea typeface="Source Code Pro"/>
+              </a:rPr>
+              <a:t>   &lt;</a:t>
+            </a:r>
+            <a:r>
+              <a:rPr kumimoji="0" lang="pt-PT" altLang="pt-PT" sz="1150" b="0" i="0" u="none" strike="noStrike" cap="none" normalizeH="0" baseline="0" dirty="0" err="1">
+                <a:ln>
+                  <a:noFill/>
+                </a:ln>
+                <a:solidFill>
+                  <a:srgbClr val="E8BF6A"/>
+                </a:solidFill>
+                <a:effectLst/>
+                <a:latin typeface="Consolas" panose="020B0609020204030204" pitchFamily="49" charset="0"/>
+                <a:ea typeface="Source Code Pro"/>
+              </a:rPr>
+              <a:t>title</a:t>
+            </a:r>
+            <a:r>
+              <a:rPr kumimoji="0" lang="pt-PT" altLang="pt-PT" sz="1150" b="0" i="0" u="none" strike="noStrike" cap="none" normalizeH="0" baseline="0" dirty="0">
+                <a:ln>
+                  <a:noFill/>
+                </a:ln>
+                <a:solidFill>
+                  <a:srgbClr val="E8BF6A"/>
+                </a:solidFill>
+                <a:effectLst/>
+                <a:latin typeface="Consolas" panose="020B0609020204030204" pitchFamily="49" charset="0"/>
+                <a:ea typeface="Source Code Pro"/>
+              </a:rPr>
+              <a:t>&gt;</a:t>
+            </a:r>
+            <a:r>
+              <a:rPr kumimoji="0" lang="pt-PT" altLang="pt-PT" sz="1150" b="0" i="0" u="none" strike="noStrike" cap="none" normalizeH="0" baseline="0" dirty="0" err="1">
+                <a:ln>
+                  <a:noFill/>
+                </a:ln>
+                <a:solidFill>
+                  <a:srgbClr val="A9B7C6"/>
+                </a:solidFill>
+                <a:effectLst/>
+                <a:latin typeface="Consolas" panose="020B0609020204030204" pitchFamily="49" charset="0"/>
+                <a:ea typeface="Source Code Pro"/>
+              </a:rPr>
+              <a:t>Example</a:t>
+            </a:r>
+            <a:r>
+              <a:rPr kumimoji="0" lang="pt-PT" altLang="pt-PT" sz="1150" b="0" i="0" u="none" strike="noStrike" cap="none" normalizeH="0" baseline="0" dirty="0">
+                <a:ln>
+                  <a:noFill/>
+                </a:ln>
+                <a:solidFill>
+                  <a:srgbClr val="A9B7C6"/>
+                </a:solidFill>
+                <a:effectLst/>
+                <a:latin typeface="Consolas" panose="020B0609020204030204" pitchFamily="49" charset="0"/>
+                <a:ea typeface="Source Code Pro"/>
+              </a:rPr>
+              <a:t> </a:t>
+            </a:r>
+            <a:r>
+              <a:rPr kumimoji="0" lang="pt-PT" altLang="pt-PT" sz="1150" b="0" i="0" u="none" strike="noStrike" cap="none" normalizeH="0" baseline="0" dirty="0" err="1">
+                <a:ln>
+                  <a:noFill/>
+                </a:ln>
+                <a:solidFill>
+                  <a:srgbClr val="A9B7C6"/>
+                </a:solidFill>
+                <a:effectLst/>
+                <a:latin typeface="Consolas" panose="020B0609020204030204" pitchFamily="49" charset="0"/>
+                <a:ea typeface="Source Code Pro"/>
+              </a:rPr>
+              <a:t>page</a:t>
+            </a:r>
+            <a:r>
+              <a:rPr kumimoji="0" lang="pt-PT" altLang="pt-PT" sz="1150" b="0" i="0" u="none" strike="noStrike" cap="none" normalizeH="0" baseline="0" dirty="0">
+                <a:ln>
+                  <a:noFill/>
+                </a:ln>
+                <a:solidFill>
+                  <a:srgbClr val="E8BF6A"/>
+                </a:solidFill>
+                <a:effectLst/>
+                <a:latin typeface="Consolas" panose="020B0609020204030204" pitchFamily="49" charset="0"/>
+                <a:ea typeface="Source Code Pro"/>
+              </a:rPr>
+              <a:t>&lt;/</a:t>
+            </a:r>
+            <a:r>
+              <a:rPr kumimoji="0" lang="pt-PT" altLang="pt-PT" sz="1150" b="0" i="0" u="none" strike="noStrike" cap="none" normalizeH="0" baseline="0" dirty="0" err="1">
+                <a:ln>
+                  <a:noFill/>
+                </a:ln>
+                <a:solidFill>
+                  <a:srgbClr val="E8BF6A"/>
+                </a:solidFill>
+                <a:effectLst/>
+                <a:latin typeface="Consolas" panose="020B0609020204030204" pitchFamily="49" charset="0"/>
+                <a:ea typeface="Source Code Pro"/>
+              </a:rPr>
+              <a:t>title</a:t>
+            </a:r>
+            <a:r>
+              <a:rPr kumimoji="0" lang="pt-PT" altLang="pt-PT" sz="1150" b="0" i="0" u="none" strike="noStrike" cap="none" normalizeH="0" baseline="0" dirty="0">
+                <a:ln>
+                  <a:noFill/>
+                </a:ln>
+                <a:solidFill>
+                  <a:srgbClr val="E8BF6A"/>
+                </a:solidFill>
+                <a:effectLst/>
+                <a:latin typeface="Consolas" panose="020B0609020204030204" pitchFamily="49" charset="0"/>
+                <a:ea typeface="Source Code Pro"/>
+              </a:rPr>
+              <a:t>&gt;</a:t>
+            </a:r>
+            <a:br>
+              <a:rPr kumimoji="0" lang="pt-PT" altLang="pt-PT" sz="1150" b="0" i="0" u="none" strike="noStrike" cap="none" normalizeH="0" baseline="0" dirty="0">
+                <a:ln>
+                  <a:noFill/>
+                </a:ln>
+                <a:solidFill>
+                  <a:srgbClr val="E8BF6A"/>
+                </a:solidFill>
+                <a:effectLst/>
+                <a:latin typeface="Consolas" panose="020B0609020204030204" pitchFamily="49" charset="0"/>
+                <a:ea typeface="Source Code Pro"/>
+              </a:rPr>
+            </a:br>
+            <a:r>
+              <a:rPr kumimoji="0" lang="pt-PT" altLang="pt-PT" sz="1150" b="0" i="0" u="none" strike="noStrike" cap="none" normalizeH="0" baseline="0" dirty="0">
+                <a:ln>
+                  <a:noFill/>
+                </a:ln>
+                <a:solidFill>
+                  <a:srgbClr val="E8BF6A"/>
+                </a:solidFill>
+                <a:effectLst/>
+                <a:latin typeface="Consolas" panose="020B0609020204030204" pitchFamily="49" charset="0"/>
+                <a:ea typeface="Source Code Pro"/>
+              </a:rPr>
+              <a:t>   &lt;meta </a:t>
+            </a:r>
+            <a:r>
+              <a:rPr kumimoji="0" lang="pt-PT" altLang="pt-PT" sz="1150" b="0" i="0" u="none" strike="noStrike" cap="none" normalizeH="0" baseline="0" dirty="0" err="1">
+                <a:ln>
+                  <a:noFill/>
+                </a:ln>
+                <a:solidFill>
+                  <a:srgbClr val="BABABA"/>
+                </a:solidFill>
+                <a:effectLst/>
+                <a:latin typeface="Consolas" panose="020B0609020204030204" pitchFamily="49" charset="0"/>
+                <a:ea typeface="Source Code Pro"/>
+              </a:rPr>
+              <a:t>charset</a:t>
+            </a:r>
+            <a:r>
+              <a:rPr kumimoji="0" lang="pt-PT" altLang="pt-PT" sz="1150" b="0" i="0" u="none" strike="noStrike" cap="none" normalizeH="0" baseline="0" dirty="0">
+                <a:ln>
+                  <a:noFill/>
+                </a:ln>
+                <a:solidFill>
+                  <a:srgbClr val="BABABA"/>
+                </a:solidFill>
+                <a:effectLst/>
+                <a:latin typeface="Consolas" panose="020B0609020204030204" pitchFamily="49" charset="0"/>
+                <a:ea typeface="Source Code Pro"/>
+              </a:rPr>
+              <a:t>=</a:t>
+            </a:r>
+            <a:r>
+              <a:rPr kumimoji="0" lang="pt-PT" altLang="pt-PT" sz="1150" b="0" i="0" u="none" strike="noStrike" cap="none" normalizeH="0" baseline="0" dirty="0">
+                <a:ln>
+                  <a:noFill/>
+                </a:ln>
+                <a:solidFill>
+                  <a:srgbClr val="A5C261"/>
+                </a:solidFill>
+                <a:effectLst/>
+                <a:latin typeface="Consolas" panose="020B0609020204030204" pitchFamily="49" charset="0"/>
+                <a:ea typeface="Source Code Pro"/>
+              </a:rPr>
+              <a:t>"utf-8"</a:t>
+            </a:r>
+            <a:r>
+              <a:rPr kumimoji="0" lang="pt-PT" altLang="pt-PT" sz="1150" b="0" i="0" u="none" strike="noStrike" cap="none" normalizeH="0" baseline="0" dirty="0">
+                <a:ln>
+                  <a:noFill/>
+                </a:ln>
+                <a:solidFill>
+                  <a:srgbClr val="E8BF6A"/>
+                </a:solidFill>
+                <a:effectLst/>
+                <a:latin typeface="Consolas" panose="020B0609020204030204" pitchFamily="49" charset="0"/>
+                <a:ea typeface="Source Code Pro"/>
+              </a:rPr>
+              <a:t>&gt;</a:t>
+            </a:r>
+            <a:br>
+              <a:rPr kumimoji="0" lang="pt-PT" altLang="pt-PT" sz="1150" b="0" i="0" u="none" strike="noStrike" cap="none" normalizeH="0" baseline="0" dirty="0">
+                <a:ln>
+                  <a:noFill/>
+                </a:ln>
+                <a:solidFill>
+                  <a:srgbClr val="E8BF6A"/>
+                </a:solidFill>
+                <a:effectLst/>
+                <a:latin typeface="Consolas" panose="020B0609020204030204" pitchFamily="49" charset="0"/>
+                <a:ea typeface="Source Code Pro"/>
+              </a:rPr>
+            </a:br>
+            <a:r>
+              <a:rPr kumimoji="0" lang="pt-PT" altLang="pt-PT" sz="1150" b="0" i="0" u="none" strike="noStrike" cap="none" normalizeH="0" baseline="0" dirty="0">
+                <a:ln>
+                  <a:noFill/>
+                </a:ln>
+                <a:solidFill>
+                  <a:srgbClr val="E8BF6A"/>
+                </a:solidFill>
+                <a:effectLst/>
+                <a:latin typeface="Consolas" panose="020B0609020204030204" pitchFamily="49" charset="0"/>
+                <a:ea typeface="Source Code Pro"/>
+              </a:rPr>
+              <a:t>   &lt;link </a:t>
+            </a:r>
+            <a:r>
+              <a:rPr kumimoji="0" lang="pt-PT" altLang="pt-PT" sz="1150" b="0" i="0" u="none" strike="noStrike" cap="none" normalizeH="0" baseline="0" dirty="0" err="1">
+                <a:ln>
+                  <a:noFill/>
+                </a:ln>
+                <a:solidFill>
+                  <a:srgbClr val="BABABA"/>
+                </a:solidFill>
+                <a:effectLst/>
+                <a:latin typeface="Consolas" panose="020B0609020204030204" pitchFamily="49" charset="0"/>
+                <a:ea typeface="Source Code Pro"/>
+              </a:rPr>
+              <a:t>rel</a:t>
+            </a:r>
+            <a:r>
+              <a:rPr kumimoji="0" lang="pt-PT" altLang="pt-PT" sz="1150" b="0" i="0" u="none" strike="noStrike" cap="none" normalizeH="0" baseline="0" dirty="0">
+                <a:ln>
+                  <a:noFill/>
+                </a:ln>
+                <a:solidFill>
+                  <a:srgbClr val="BABABA"/>
+                </a:solidFill>
+                <a:effectLst/>
+                <a:latin typeface="Consolas" panose="020B0609020204030204" pitchFamily="49" charset="0"/>
+                <a:ea typeface="Source Code Pro"/>
+              </a:rPr>
+              <a:t>=</a:t>
+            </a:r>
+            <a:r>
+              <a:rPr kumimoji="0" lang="pt-PT" altLang="pt-PT" sz="1150" b="0" i="0" u="none" strike="noStrike" cap="none" normalizeH="0" baseline="0" dirty="0">
+                <a:ln>
+                  <a:noFill/>
+                </a:ln>
+                <a:solidFill>
+                  <a:srgbClr val="A5C261"/>
+                </a:solidFill>
+                <a:effectLst/>
+                <a:latin typeface="Consolas" panose="020B0609020204030204" pitchFamily="49" charset="0"/>
+                <a:ea typeface="Source Code Pro"/>
+              </a:rPr>
+              <a:t>"</a:t>
+            </a:r>
+            <a:r>
+              <a:rPr kumimoji="0" lang="pt-PT" altLang="pt-PT" sz="1150" b="0" i="0" u="none" strike="noStrike" cap="none" normalizeH="0" baseline="0" dirty="0" err="1">
+                <a:ln>
+                  <a:noFill/>
+                </a:ln>
+                <a:solidFill>
+                  <a:srgbClr val="A5C261"/>
+                </a:solidFill>
+                <a:effectLst/>
+                <a:latin typeface="Consolas" panose="020B0609020204030204" pitchFamily="49" charset="0"/>
+                <a:ea typeface="Source Code Pro"/>
+              </a:rPr>
+              <a:t>stylesheet</a:t>
+            </a:r>
+            <a:r>
+              <a:rPr kumimoji="0" lang="pt-PT" altLang="pt-PT" sz="1150" b="0" i="0" u="none" strike="noStrike" cap="none" normalizeH="0" baseline="0" dirty="0">
+                <a:ln>
+                  <a:noFill/>
+                </a:ln>
+                <a:solidFill>
+                  <a:srgbClr val="A5C261"/>
+                </a:solidFill>
+                <a:effectLst/>
+                <a:latin typeface="Consolas" panose="020B0609020204030204" pitchFamily="49" charset="0"/>
+                <a:ea typeface="Source Code Pro"/>
+              </a:rPr>
+              <a:t>" </a:t>
+            </a:r>
+            <a:r>
+              <a:rPr kumimoji="0" lang="pt-PT" altLang="pt-PT" sz="1150" b="0" i="0" u="none" strike="noStrike" cap="none" normalizeH="0" baseline="0" dirty="0" err="1">
+                <a:ln>
+                  <a:noFill/>
+                </a:ln>
+                <a:solidFill>
+                  <a:srgbClr val="BABABA"/>
+                </a:solidFill>
+                <a:effectLst/>
+                <a:latin typeface="Consolas" panose="020B0609020204030204" pitchFamily="49" charset="0"/>
+                <a:ea typeface="Source Code Pro"/>
+              </a:rPr>
+              <a:t>href</a:t>
+            </a:r>
+            <a:r>
+              <a:rPr kumimoji="0" lang="pt-PT" altLang="pt-PT" sz="1150" b="0" i="0" u="none" strike="noStrike" cap="none" normalizeH="0" baseline="0" dirty="0">
+                <a:ln>
+                  <a:noFill/>
+                </a:ln>
+                <a:solidFill>
+                  <a:srgbClr val="BABABA"/>
+                </a:solidFill>
+                <a:effectLst/>
+                <a:latin typeface="Consolas" panose="020B0609020204030204" pitchFamily="49" charset="0"/>
+                <a:ea typeface="Source Code Pro"/>
+              </a:rPr>
+              <a:t>=</a:t>
+            </a:r>
+            <a:r>
+              <a:rPr kumimoji="0" lang="pt-PT" altLang="pt-PT" sz="1150" b="0" i="0" u="none" strike="noStrike" cap="none" normalizeH="0" baseline="0" dirty="0">
+                <a:ln>
+                  <a:noFill/>
+                </a:ln>
+                <a:solidFill>
+                  <a:srgbClr val="A5C261"/>
+                </a:solidFill>
+                <a:effectLst/>
+                <a:latin typeface="Consolas" panose="020B0609020204030204" pitchFamily="49" charset="0"/>
+                <a:ea typeface="Source Code Pro"/>
+              </a:rPr>
+              <a:t>"https://www.w3schools.com/w3css/4/w3.css"</a:t>
+            </a:r>
+            <a:r>
+              <a:rPr kumimoji="0" lang="pt-PT" altLang="pt-PT" sz="1150" b="0" i="0" u="none" strike="noStrike" cap="none" normalizeH="0" baseline="0" dirty="0">
+                <a:ln>
+                  <a:noFill/>
+                </a:ln>
+                <a:solidFill>
+                  <a:srgbClr val="E8BF6A"/>
+                </a:solidFill>
+                <a:effectLst/>
+                <a:latin typeface="Consolas" panose="020B0609020204030204" pitchFamily="49" charset="0"/>
+                <a:ea typeface="Source Code Pro"/>
+              </a:rPr>
+              <a:t>&gt;</a:t>
+            </a:r>
+            <a:br>
+              <a:rPr kumimoji="0" lang="pt-PT" altLang="pt-PT" sz="1150" b="0" i="0" u="none" strike="noStrike" cap="none" normalizeH="0" baseline="0" dirty="0">
+                <a:ln>
+                  <a:noFill/>
+                </a:ln>
+                <a:solidFill>
+                  <a:srgbClr val="E8BF6A"/>
+                </a:solidFill>
+                <a:effectLst/>
+                <a:latin typeface="Consolas" panose="020B0609020204030204" pitchFamily="49" charset="0"/>
+                <a:ea typeface="Source Code Pro"/>
+              </a:rPr>
+            </a:br>
+            <a:r>
+              <a:rPr kumimoji="0" lang="pt-PT" altLang="pt-PT" sz="1150" b="0" i="0" u="none" strike="noStrike" cap="none" normalizeH="0" baseline="0" dirty="0">
+                <a:ln>
+                  <a:noFill/>
+                </a:ln>
+                <a:solidFill>
+                  <a:srgbClr val="E8BF6A"/>
+                </a:solidFill>
+                <a:effectLst/>
+                <a:latin typeface="Consolas" panose="020B0609020204030204" pitchFamily="49" charset="0"/>
+                <a:ea typeface="Source Code Pro"/>
+              </a:rPr>
+              <a:t>   &lt;script </a:t>
+            </a:r>
+            <a:r>
+              <a:rPr kumimoji="0" lang="pt-PT" altLang="pt-PT" sz="1150" b="0" i="0" u="none" strike="noStrike" cap="none" normalizeH="0" baseline="0" dirty="0" err="1">
+                <a:ln>
+                  <a:noFill/>
+                </a:ln>
+                <a:solidFill>
+                  <a:srgbClr val="BABABA"/>
+                </a:solidFill>
+                <a:effectLst/>
+                <a:latin typeface="Consolas" panose="020B0609020204030204" pitchFamily="49" charset="0"/>
+                <a:ea typeface="Source Code Pro"/>
+              </a:rPr>
+              <a:t>src</a:t>
+            </a:r>
+            <a:r>
+              <a:rPr kumimoji="0" lang="pt-PT" altLang="pt-PT" sz="1150" b="0" i="0" u="none" strike="noStrike" cap="none" normalizeH="0" baseline="0" dirty="0">
+                <a:ln>
+                  <a:noFill/>
+                </a:ln>
+                <a:solidFill>
+                  <a:srgbClr val="BABABA"/>
+                </a:solidFill>
+                <a:effectLst/>
+                <a:latin typeface="Consolas" panose="020B0609020204030204" pitchFamily="49" charset="0"/>
+                <a:ea typeface="Source Code Pro"/>
+              </a:rPr>
+              <a:t>=</a:t>
+            </a:r>
+            <a:r>
+              <a:rPr kumimoji="0" lang="pt-PT" altLang="pt-PT" sz="1150" b="0" i="0" u="none" strike="noStrike" cap="none" normalizeH="0" baseline="0" dirty="0">
+                <a:ln>
+                  <a:noFill/>
+                </a:ln>
+                <a:solidFill>
+                  <a:srgbClr val="A5C261"/>
+                </a:solidFill>
+                <a:effectLst/>
+                <a:latin typeface="Consolas" panose="020B0609020204030204" pitchFamily="49" charset="0"/>
+                <a:ea typeface="Source Code Pro"/>
+              </a:rPr>
+              <a:t>'https://ajax.googleapis.com/ajax/libs/jquery/3.3.1/jquery.min.js'</a:t>
+            </a:r>
+            <a:r>
+              <a:rPr kumimoji="0" lang="pt-PT" altLang="pt-PT" sz="1150" b="0" i="0" u="none" strike="noStrike" cap="none" normalizeH="0" baseline="0" dirty="0">
+                <a:ln>
+                  <a:noFill/>
+                </a:ln>
+                <a:solidFill>
+                  <a:srgbClr val="E8BF6A"/>
+                </a:solidFill>
+                <a:effectLst/>
+                <a:latin typeface="Consolas" panose="020B0609020204030204" pitchFamily="49" charset="0"/>
+                <a:ea typeface="Source Code Pro"/>
+              </a:rPr>
+              <a:t>&gt;&lt;/script&gt;</a:t>
+            </a:r>
+            <a:endParaRPr lang="pt-PT" altLang="pt-PT" sz="1150" dirty="0">
+              <a:solidFill>
+                <a:srgbClr val="E8BF6A"/>
+              </a:solidFill>
+              <a:latin typeface="Consolas" panose="020B0609020204030204" pitchFamily="49" charset="0"/>
+              <a:ea typeface="Source Code Pro"/>
+            </a:endParaRPr>
+          </a:p>
+          <a:p>
+            <a:pPr lvl="0" defTabSz="914400" eaLnBrk="0" fontAlgn="base" hangingPunct="0">
+              <a:spcBef>
+                <a:spcPct val="0"/>
+              </a:spcBef>
+              <a:spcAft>
+                <a:spcPct val="0"/>
+              </a:spcAft>
+            </a:pPr>
+            <a:r>
+              <a:rPr kumimoji="0" lang="pt-PT" altLang="pt-PT" sz="1150" b="0" i="0" u="none" strike="noStrike" cap="none" normalizeH="0" baseline="0" dirty="0">
+                <a:ln>
+                  <a:noFill/>
+                </a:ln>
+                <a:solidFill>
+                  <a:srgbClr val="E8BF6A"/>
+                </a:solidFill>
+                <a:effectLst/>
+                <a:latin typeface="Consolas" panose="020B0609020204030204" pitchFamily="49" charset="0"/>
+                <a:ea typeface="Source Code Pro"/>
+              </a:rPr>
+              <a:t>&lt;/</a:t>
+            </a:r>
+            <a:r>
+              <a:rPr kumimoji="0" lang="pt-PT" altLang="pt-PT" sz="1150" b="0" i="0" u="none" strike="noStrike" cap="none" normalizeH="0" baseline="0" dirty="0" err="1">
+                <a:ln>
+                  <a:noFill/>
+                </a:ln>
+                <a:solidFill>
+                  <a:srgbClr val="E8BF6A"/>
+                </a:solidFill>
+                <a:effectLst/>
+                <a:latin typeface="Consolas" panose="020B0609020204030204" pitchFamily="49" charset="0"/>
+                <a:ea typeface="Source Code Pro"/>
+              </a:rPr>
+              <a:t>head</a:t>
+            </a:r>
+            <a:r>
+              <a:rPr kumimoji="0" lang="pt-PT" altLang="pt-PT" sz="1150" b="0" i="0" u="none" strike="noStrike" cap="none" normalizeH="0" baseline="0" dirty="0">
+                <a:ln>
+                  <a:noFill/>
+                </a:ln>
+                <a:solidFill>
+                  <a:srgbClr val="E8BF6A"/>
+                </a:solidFill>
+                <a:effectLst/>
+                <a:latin typeface="Consolas" panose="020B0609020204030204" pitchFamily="49" charset="0"/>
+                <a:ea typeface="Source Code Pro"/>
+              </a:rPr>
+              <a:t>&gt;</a:t>
+            </a:r>
+          </a:p>
+          <a:p>
+            <a:pPr lvl="0" defTabSz="914400" eaLnBrk="0" fontAlgn="base" hangingPunct="0">
+              <a:spcBef>
+                <a:spcPct val="0"/>
+              </a:spcBef>
+              <a:spcAft>
+                <a:spcPct val="0"/>
+              </a:spcAft>
+            </a:pPr>
+            <a:r>
+              <a:rPr lang="pt-PT" altLang="pt-PT" sz="1150" dirty="0">
+                <a:solidFill>
+                  <a:srgbClr val="E8BF6A"/>
+                </a:solidFill>
+                <a:latin typeface="Consolas" panose="020B0609020204030204" pitchFamily="49" charset="0"/>
+                <a:ea typeface="Source Code Pro"/>
+              </a:rPr>
+              <a:t>&lt;</a:t>
+            </a:r>
+            <a:r>
+              <a:rPr kumimoji="0" lang="pt-PT" altLang="pt-PT" sz="1150" b="0" i="0" u="none" strike="noStrike" cap="none" normalizeH="0" baseline="0" dirty="0">
+                <a:ln>
+                  <a:noFill/>
+                </a:ln>
+                <a:solidFill>
+                  <a:srgbClr val="E8BF6A"/>
+                </a:solidFill>
+                <a:effectLst/>
+                <a:latin typeface="Consolas" panose="020B0609020204030204" pitchFamily="49" charset="0"/>
+                <a:ea typeface="Source Code Pro"/>
+              </a:rPr>
+              <a:t>body&gt;</a:t>
+            </a:r>
+            <a:br>
+              <a:rPr kumimoji="0" lang="pt-PT" altLang="pt-PT" sz="1150" b="0" i="0" u="none" strike="noStrike" cap="none" normalizeH="0" baseline="0" dirty="0">
+                <a:ln>
+                  <a:noFill/>
+                </a:ln>
+                <a:solidFill>
+                  <a:srgbClr val="E8BF6A"/>
+                </a:solidFill>
+                <a:effectLst/>
+                <a:latin typeface="Consolas" panose="020B0609020204030204" pitchFamily="49" charset="0"/>
+                <a:ea typeface="Source Code Pro"/>
+              </a:rPr>
+            </a:br>
+            <a:r>
+              <a:rPr lang="pt-PT" altLang="pt-PT" sz="1150" dirty="0">
+                <a:solidFill>
+                  <a:srgbClr val="E8BF6A"/>
+                </a:solidFill>
+                <a:latin typeface="Consolas" panose="020B0609020204030204" pitchFamily="49" charset="0"/>
+                <a:ea typeface="Source Code Pro"/>
+              </a:rPr>
+              <a:t>   </a:t>
+            </a:r>
+            <a:r>
+              <a:rPr kumimoji="0" lang="pt-PT" altLang="pt-PT" sz="1150" b="0" i="0" u="none" strike="noStrike" cap="none" normalizeH="0" baseline="0" dirty="0">
+                <a:ln>
+                  <a:noFill/>
+                </a:ln>
+                <a:solidFill>
+                  <a:srgbClr val="E8BF6A"/>
+                </a:solidFill>
+                <a:effectLst/>
+                <a:latin typeface="Consolas" panose="020B0609020204030204" pitchFamily="49" charset="0"/>
+                <a:ea typeface="Source Code Pro"/>
+              </a:rPr>
+              <a:t>&lt;h1&gt;</a:t>
+            </a:r>
+            <a:r>
+              <a:rPr kumimoji="0" lang="pt-PT" altLang="pt-PT" sz="1150" b="0" i="0" u="none" strike="noStrike" cap="none" normalizeH="0" baseline="0" dirty="0" err="1">
+                <a:ln>
+                  <a:noFill/>
+                </a:ln>
+                <a:solidFill>
+                  <a:srgbClr val="A9B7C6"/>
+                </a:solidFill>
+                <a:effectLst/>
+                <a:latin typeface="Consolas" panose="020B0609020204030204" pitchFamily="49" charset="0"/>
+                <a:ea typeface="Source Code Pro"/>
+              </a:rPr>
+              <a:t>Hello</a:t>
+            </a:r>
+            <a:r>
+              <a:rPr kumimoji="0" lang="pt-PT" altLang="pt-PT" sz="1150" b="0" i="0" u="none" strike="noStrike" cap="none" normalizeH="0" baseline="0" dirty="0">
+                <a:ln>
+                  <a:noFill/>
+                </a:ln>
+                <a:solidFill>
+                  <a:srgbClr val="A9B7C6"/>
+                </a:solidFill>
+                <a:effectLst/>
+                <a:latin typeface="Consolas" panose="020B0609020204030204" pitchFamily="49" charset="0"/>
+                <a:ea typeface="Source Code Pro"/>
+              </a:rPr>
+              <a:t>! </a:t>
+            </a:r>
+            <a:r>
+              <a:rPr kumimoji="0" lang="pt-PT" altLang="pt-PT" sz="1150" b="0" i="0" u="none" strike="noStrike" cap="none" normalizeH="0" baseline="0" dirty="0" err="1">
+                <a:ln>
+                  <a:noFill/>
+                </a:ln>
+                <a:solidFill>
+                  <a:srgbClr val="A9B7C6"/>
+                </a:solidFill>
+                <a:effectLst/>
+                <a:latin typeface="Consolas" panose="020B0609020204030204" pitchFamily="49" charset="0"/>
+                <a:ea typeface="Source Code Pro"/>
+              </a:rPr>
+              <a:t>This</a:t>
+            </a:r>
+            <a:r>
+              <a:rPr kumimoji="0" lang="pt-PT" altLang="pt-PT" sz="1150" b="0" i="0" u="none" strike="noStrike" cap="none" normalizeH="0" baseline="0" dirty="0">
+                <a:ln>
+                  <a:noFill/>
+                </a:ln>
+                <a:solidFill>
+                  <a:srgbClr val="A9B7C6"/>
+                </a:solidFill>
+                <a:effectLst/>
+                <a:latin typeface="Consolas" panose="020B0609020204030204" pitchFamily="49" charset="0"/>
+                <a:ea typeface="Source Code Pro"/>
+              </a:rPr>
+              <a:t> </a:t>
+            </a:r>
+            <a:r>
+              <a:rPr kumimoji="0" lang="pt-PT" altLang="pt-PT" sz="1150" b="0" i="0" u="none" strike="noStrike" cap="none" normalizeH="0" baseline="0" dirty="0" err="1">
+                <a:ln>
+                  <a:noFill/>
+                </a:ln>
+                <a:solidFill>
+                  <a:srgbClr val="A9B7C6"/>
+                </a:solidFill>
+                <a:effectLst/>
+                <a:latin typeface="Consolas" panose="020B0609020204030204" pitchFamily="49" charset="0"/>
+                <a:ea typeface="Source Code Pro"/>
+              </a:rPr>
+              <a:t>is</a:t>
+            </a:r>
+            <a:r>
+              <a:rPr kumimoji="0" lang="pt-PT" altLang="pt-PT" sz="1150" b="0" i="0" u="none" strike="noStrike" cap="none" normalizeH="0" baseline="0" dirty="0">
+                <a:ln>
+                  <a:noFill/>
+                </a:ln>
+                <a:solidFill>
+                  <a:srgbClr val="A9B7C6"/>
+                </a:solidFill>
+                <a:effectLst/>
+                <a:latin typeface="Consolas" panose="020B0609020204030204" pitchFamily="49" charset="0"/>
+                <a:ea typeface="Source Code Pro"/>
+              </a:rPr>
+              <a:t> </a:t>
+            </a:r>
+            <a:r>
+              <a:rPr kumimoji="0" lang="pt-PT" altLang="pt-PT" sz="1150" b="0" i="0" u="none" strike="noStrike" cap="none" normalizeH="0" baseline="0" dirty="0" err="1">
+                <a:ln>
+                  <a:noFill/>
+                </a:ln>
+                <a:solidFill>
+                  <a:srgbClr val="A9B7C6"/>
+                </a:solidFill>
+                <a:effectLst/>
+                <a:latin typeface="Consolas" panose="020B0609020204030204" pitchFamily="49" charset="0"/>
+                <a:ea typeface="Source Code Pro"/>
+              </a:rPr>
+              <a:t>an</a:t>
+            </a:r>
+            <a:r>
+              <a:rPr kumimoji="0" lang="pt-PT" altLang="pt-PT" sz="1150" b="0" i="0" u="none" strike="noStrike" cap="none" normalizeH="0" baseline="0" dirty="0">
+                <a:ln>
+                  <a:noFill/>
+                </a:ln>
+                <a:solidFill>
+                  <a:srgbClr val="A9B7C6"/>
+                </a:solidFill>
+                <a:effectLst/>
+                <a:latin typeface="Consolas" panose="020B0609020204030204" pitchFamily="49" charset="0"/>
+                <a:ea typeface="Source Code Pro"/>
+              </a:rPr>
+              <a:t> </a:t>
+            </a:r>
+            <a:r>
+              <a:rPr kumimoji="0" lang="pt-PT" altLang="pt-PT" sz="1150" b="0" i="0" u="none" strike="noStrike" cap="none" normalizeH="0" baseline="0" dirty="0" err="1">
+                <a:ln>
+                  <a:noFill/>
+                </a:ln>
+                <a:solidFill>
+                  <a:srgbClr val="A9B7C6"/>
+                </a:solidFill>
+                <a:effectLst/>
+                <a:latin typeface="Consolas" panose="020B0609020204030204" pitchFamily="49" charset="0"/>
+                <a:ea typeface="Source Code Pro"/>
+              </a:rPr>
+              <a:t>example</a:t>
+            </a:r>
+            <a:r>
+              <a:rPr kumimoji="0" lang="pt-PT" altLang="pt-PT" sz="1150" b="0" i="0" u="none" strike="noStrike" cap="none" normalizeH="0" baseline="0" dirty="0">
+                <a:ln>
+                  <a:noFill/>
+                </a:ln>
+                <a:solidFill>
+                  <a:srgbClr val="A9B7C6"/>
+                </a:solidFill>
+                <a:effectLst/>
+                <a:latin typeface="Consolas" panose="020B0609020204030204" pitchFamily="49" charset="0"/>
+                <a:ea typeface="Source Code Pro"/>
+              </a:rPr>
+              <a:t> </a:t>
+            </a:r>
+            <a:r>
+              <a:rPr kumimoji="0" lang="pt-PT" altLang="pt-PT" sz="1150" b="0" i="0" u="none" strike="noStrike" cap="none" normalizeH="0" baseline="0" dirty="0" err="1">
+                <a:ln>
+                  <a:noFill/>
+                </a:ln>
+                <a:solidFill>
+                  <a:srgbClr val="A9B7C6"/>
+                </a:solidFill>
+                <a:effectLst/>
+                <a:latin typeface="Consolas" panose="020B0609020204030204" pitchFamily="49" charset="0"/>
+                <a:ea typeface="Source Code Pro"/>
+              </a:rPr>
+              <a:t>of</a:t>
+            </a:r>
+            <a:r>
+              <a:rPr kumimoji="0" lang="pt-PT" altLang="pt-PT" sz="1150" b="0" i="0" u="none" strike="noStrike" cap="none" normalizeH="0" baseline="0" dirty="0">
+                <a:ln>
+                  <a:noFill/>
+                </a:ln>
+                <a:solidFill>
+                  <a:srgbClr val="A9B7C6"/>
+                </a:solidFill>
+                <a:effectLst/>
+                <a:latin typeface="Consolas" panose="020B0609020204030204" pitchFamily="49" charset="0"/>
+                <a:ea typeface="Source Code Pro"/>
+              </a:rPr>
+              <a:t> a </a:t>
+            </a:r>
+            <a:r>
+              <a:rPr kumimoji="0" lang="pt-PT" altLang="pt-PT" sz="1150" b="0" i="0" u="none" strike="noStrike" cap="none" normalizeH="0" baseline="0" dirty="0" err="1">
+                <a:ln>
+                  <a:noFill/>
+                </a:ln>
+                <a:solidFill>
+                  <a:srgbClr val="A9B7C6"/>
+                </a:solidFill>
+                <a:effectLst/>
+                <a:latin typeface="Consolas" panose="020B0609020204030204" pitchFamily="49" charset="0"/>
+                <a:ea typeface="Source Code Pro"/>
+              </a:rPr>
+              <a:t>webpage</a:t>
+            </a:r>
+            <a:r>
+              <a:rPr kumimoji="0" lang="pt-PT" altLang="pt-PT" sz="1150" b="0" i="0" u="none" strike="noStrike" cap="none" normalizeH="0" baseline="0" dirty="0">
+                <a:ln>
+                  <a:noFill/>
+                </a:ln>
+                <a:solidFill>
+                  <a:srgbClr val="E8BF6A"/>
+                </a:solidFill>
+                <a:effectLst/>
+                <a:latin typeface="Consolas" panose="020B0609020204030204" pitchFamily="49" charset="0"/>
+                <a:ea typeface="Source Code Pro"/>
+              </a:rPr>
+              <a:t>&lt;/h1&gt;</a:t>
+            </a:r>
+            <a:br>
+              <a:rPr kumimoji="0" lang="pt-PT" altLang="pt-PT" sz="1150" b="0" i="0" u="none" strike="noStrike" cap="none" normalizeH="0" baseline="0" dirty="0">
+                <a:ln>
+                  <a:noFill/>
+                </a:ln>
+                <a:solidFill>
+                  <a:srgbClr val="E8BF6A"/>
+                </a:solidFill>
+                <a:effectLst/>
+                <a:latin typeface="Consolas" panose="020B0609020204030204" pitchFamily="49" charset="0"/>
+                <a:ea typeface="Source Code Pro"/>
+              </a:rPr>
+            </a:br>
+            <a:r>
+              <a:rPr lang="pt-PT" altLang="pt-PT" sz="1150" dirty="0">
+                <a:solidFill>
+                  <a:srgbClr val="E8BF6A"/>
+                </a:solidFill>
+                <a:latin typeface="Consolas" panose="020B0609020204030204" pitchFamily="49" charset="0"/>
+                <a:ea typeface="Source Code Pro"/>
+              </a:rPr>
+              <a:t>   </a:t>
+            </a:r>
+            <a:r>
+              <a:rPr kumimoji="0" lang="pt-PT" altLang="pt-PT" sz="1150" b="0" i="0" u="none" strike="noStrike" cap="none" normalizeH="0" baseline="0" dirty="0">
+                <a:ln>
+                  <a:noFill/>
+                </a:ln>
+                <a:solidFill>
+                  <a:srgbClr val="E8BF6A"/>
+                </a:solidFill>
+                <a:effectLst/>
+                <a:latin typeface="Consolas" panose="020B0609020204030204" pitchFamily="49" charset="0"/>
+                <a:ea typeface="Source Code Pro"/>
+              </a:rPr>
+              <a:t>&lt;h3&gt;</a:t>
+            </a:r>
+            <a:r>
+              <a:rPr kumimoji="0" lang="pt-PT" altLang="pt-PT" sz="1150" b="0" i="0" u="none" strike="noStrike" cap="none" normalizeH="0" baseline="0" dirty="0">
+                <a:ln>
+                  <a:noFill/>
+                </a:ln>
+                <a:solidFill>
+                  <a:srgbClr val="A9B7C6"/>
+                </a:solidFill>
+                <a:effectLst/>
+                <a:latin typeface="Consolas" panose="020B0609020204030204" pitchFamily="49" charset="0"/>
+                <a:ea typeface="Source Code Pro"/>
+              </a:rPr>
+              <a:t>Look! a </a:t>
+            </a:r>
+            <a:r>
+              <a:rPr kumimoji="0" lang="pt-PT" altLang="pt-PT" sz="1150" b="0" i="0" u="none" strike="noStrike" cap="none" normalizeH="0" baseline="0" dirty="0" err="1">
+                <a:ln>
+                  <a:noFill/>
+                </a:ln>
+                <a:solidFill>
+                  <a:srgbClr val="A9B7C6"/>
+                </a:solidFill>
+                <a:effectLst/>
+                <a:latin typeface="Consolas" panose="020B0609020204030204" pitchFamily="49" charset="0"/>
+                <a:ea typeface="Source Code Pro"/>
+              </a:rPr>
+              <a:t>table</a:t>
+            </a:r>
+            <a:r>
+              <a:rPr kumimoji="0" lang="pt-PT" altLang="pt-PT" sz="1150" b="0" i="0" u="none" strike="noStrike" cap="none" normalizeH="0" baseline="0" dirty="0">
+                <a:ln>
+                  <a:noFill/>
+                </a:ln>
+                <a:solidFill>
+                  <a:srgbClr val="E8BF6A"/>
+                </a:solidFill>
+                <a:effectLst/>
+                <a:latin typeface="Consolas" panose="020B0609020204030204" pitchFamily="49" charset="0"/>
+                <a:ea typeface="Source Code Pro"/>
+              </a:rPr>
+              <a:t>&lt;/h3&gt;</a:t>
+            </a:r>
+            <a:br>
+              <a:rPr kumimoji="0" lang="pt-PT" altLang="pt-PT" sz="1150" b="0" i="0" u="none" strike="noStrike" cap="none" normalizeH="0" baseline="0" dirty="0">
+                <a:ln>
+                  <a:noFill/>
+                </a:ln>
+                <a:solidFill>
+                  <a:srgbClr val="E8BF6A"/>
+                </a:solidFill>
+                <a:effectLst/>
+                <a:latin typeface="Consolas" panose="020B0609020204030204" pitchFamily="49" charset="0"/>
+                <a:ea typeface="Source Code Pro"/>
+              </a:rPr>
+            </a:br>
+            <a:r>
+              <a:rPr kumimoji="0" lang="pt-PT" altLang="pt-PT" sz="1150" b="0" i="0" u="none" strike="noStrike" cap="none" normalizeH="0" baseline="0" dirty="0">
+                <a:ln>
+                  <a:noFill/>
+                </a:ln>
+                <a:solidFill>
+                  <a:srgbClr val="E8BF6A"/>
+                </a:solidFill>
+                <a:effectLst/>
+                <a:latin typeface="Consolas" panose="020B0609020204030204" pitchFamily="49" charset="0"/>
+                <a:ea typeface="Source Code Pro"/>
+              </a:rPr>
+              <a:t>   &lt;</a:t>
+            </a:r>
+            <a:r>
+              <a:rPr kumimoji="0" lang="pt-PT" altLang="pt-PT" sz="1150" b="0" i="0" u="none" strike="noStrike" cap="none" normalizeH="0" baseline="0" dirty="0" err="1">
+                <a:ln>
+                  <a:noFill/>
+                </a:ln>
+                <a:solidFill>
+                  <a:srgbClr val="E8BF6A"/>
+                </a:solidFill>
+                <a:effectLst/>
+                <a:latin typeface="Consolas" panose="020B0609020204030204" pitchFamily="49" charset="0"/>
+                <a:ea typeface="Source Code Pro"/>
+              </a:rPr>
+              <a:t>table</a:t>
+            </a:r>
+            <a:r>
+              <a:rPr kumimoji="0" lang="pt-PT" altLang="pt-PT" sz="1150" b="0" i="0" u="none" strike="noStrike" cap="none" normalizeH="0" baseline="0" dirty="0">
+                <a:ln>
+                  <a:noFill/>
+                </a:ln>
+                <a:solidFill>
+                  <a:srgbClr val="E8BF6A"/>
+                </a:solidFill>
+                <a:effectLst/>
+                <a:latin typeface="Consolas" panose="020B0609020204030204" pitchFamily="49" charset="0"/>
+                <a:ea typeface="Source Code Pro"/>
+              </a:rPr>
+              <a:t>&gt;</a:t>
+            </a:r>
+            <a:br>
+              <a:rPr kumimoji="0" lang="pt-PT" altLang="pt-PT" sz="1150" b="0" i="0" u="none" strike="noStrike" cap="none" normalizeH="0" baseline="0" dirty="0">
+                <a:ln>
+                  <a:noFill/>
+                </a:ln>
+                <a:solidFill>
+                  <a:srgbClr val="E8BF6A"/>
+                </a:solidFill>
+                <a:effectLst/>
+                <a:latin typeface="Consolas" panose="020B0609020204030204" pitchFamily="49" charset="0"/>
+                <a:ea typeface="Source Code Pro"/>
+              </a:rPr>
+            </a:br>
+            <a:r>
+              <a:rPr kumimoji="0" lang="pt-PT" altLang="pt-PT" sz="1150" b="0" i="0" u="none" strike="noStrike" cap="none" normalizeH="0" baseline="0" dirty="0">
+                <a:ln>
+                  <a:noFill/>
+                </a:ln>
+                <a:solidFill>
+                  <a:srgbClr val="E8BF6A"/>
+                </a:solidFill>
+                <a:effectLst/>
+                <a:latin typeface="Consolas" panose="020B0609020204030204" pitchFamily="49" charset="0"/>
+                <a:ea typeface="Source Code Pro"/>
+              </a:rPr>
+              <a:t>      &lt;</a:t>
+            </a:r>
+            <a:r>
+              <a:rPr kumimoji="0" lang="pt-PT" altLang="pt-PT" sz="1150" b="0" i="0" u="none" strike="noStrike" cap="none" normalizeH="0" baseline="0" dirty="0" err="1">
+                <a:ln>
+                  <a:noFill/>
+                </a:ln>
+                <a:solidFill>
+                  <a:srgbClr val="E8BF6A"/>
+                </a:solidFill>
+                <a:effectLst/>
+                <a:latin typeface="Consolas" panose="020B0609020204030204" pitchFamily="49" charset="0"/>
+                <a:ea typeface="Source Code Pro"/>
+              </a:rPr>
+              <a:t>tr</a:t>
+            </a:r>
+            <a:r>
+              <a:rPr kumimoji="0" lang="pt-PT" altLang="pt-PT" sz="1150" b="0" i="0" u="none" strike="noStrike" cap="none" normalizeH="0" baseline="0" dirty="0">
+                <a:ln>
+                  <a:noFill/>
+                </a:ln>
+                <a:solidFill>
+                  <a:srgbClr val="E8BF6A"/>
+                </a:solidFill>
+                <a:effectLst/>
+                <a:latin typeface="Consolas" panose="020B0609020204030204" pitchFamily="49" charset="0"/>
+                <a:ea typeface="Source Code Pro"/>
+              </a:rPr>
+              <a:t>&gt;</a:t>
+            </a:r>
+            <a:br>
+              <a:rPr kumimoji="0" lang="pt-PT" altLang="pt-PT" sz="1150" b="0" i="0" u="none" strike="noStrike" cap="none" normalizeH="0" baseline="0" dirty="0">
+                <a:ln>
+                  <a:noFill/>
+                </a:ln>
+                <a:solidFill>
+                  <a:srgbClr val="E8BF6A"/>
+                </a:solidFill>
+                <a:effectLst/>
+                <a:latin typeface="Consolas" panose="020B0609020204030204" pitchFamily="49" charset="0"/>
+                <a:ea typeface="Source Code Pro"/>
+              </a:rPr>
+            </a:br>
+            <a:r>
+              <a:rPr lang="pt-PT" altLang="pt-PT" sz="1150" dirty="0">
+                <a:solidFill>
+                  <a:srgbClr val="E8BF6A"/>
+                </a:solidFill>
+                <a:latin typeface="Consolas" panose="020B0609020204030204" pitchFamily="49" charset="0"/>
+                <a:ea typeface="Source Code Pro"/>
+              </a:rPr>
+              <a:t>         </a:t>
+            </a:r>
+            <a:r>
+              <a:rPr kumimoji="0" lang="pt-PT" altLang="pt-PT" sz="1150" b="0" i="0" u="none" strike="noStrike" cap="none" normalizeH="0" baseline="0" dirty="0">
+                <a:ln>
+                  <a:noFill/>
+                </a:ln>
+                <a:solidFill>
+                  <a:srgbClr val="E8BF6A"/>
+                </a:solidFill>
+                <a:effectLst/>
+                <a:latin typeface="Consolas" panose="020B0609020204030204" pitchFamily="49" charset="0"/>
+                <a:ea typeface="Source Code Pro"/>
+              </a:rPr>
+              <a:t>&lt;</a:t>
+            </a:r>
+            <a:r>
+              <a:rPr kumimoji="0" lang="pt-PT" altLang="pt-PT" sz="1150" b="0" i="0" u="none" strike="noStrike" cap="none" normalizeH="0" baseline="0" dirty="0" err="1">
+                <a:ln>
+                  <a:noFill/>
+                </a:ln>
+                <a:solidFill>
+                  <a:srgbClr val="E8BF6A"/>
+                </a:solidFill>
+                <a:effectLst/>
+                <a:latin typeface="Consolas" panose="020B0609020204030204" pitchFamily="49" charset="0"/>
+                <a:ea typeface="Source Code Pro"/>
+              </a:rPr>
+              <a:t>td</a:t>
+            </a:r>
+            <a:r>
+              <a:rPr kumimoji="0" lang="pt-PT" altLang="pt-PT" sz="1150" b="0" i="0" u="none" strike="noStrike" cap="none" normalizeH="0" baseline="0" dirty="0">
+                <a:ln>
+                  <a:noFill/>
+                </a:ln>
+                <a:solidFill>
+                  <a:srgbClr val="E8BF6A"/>
+                </a:solidFill>
+                <a:effectLst/>
+                <a:latin typeface="Consolas" panose="020B0609020204030204" pitchFamily="49" charset="0"/>
+                <a:ea typeface="Source Code Pro"/>
+              </a:rPr>
+              <a:t> </a:t>
+            </a:r>
+            <a:r>
+              <a:rPr kumimoji="0" lang="pt-PT" altLang="pt-PT" sz="1150" b="0" i="0" u="none" strike="noStrike" cap="none" normalizeH="0" baseline="0" dirty="0" err="1">
+                <a:ln>
+                  <a:noFill/>
+                </a:ln>
+                <a:solidFill>
+                  <a:srgbClr val="BABABA"/>
+                </a:solidFill>
+                <a:effectLst/>
+                <a:latin typeface="Consolas" panose="020B0609020204030204" pitchFamily="49" charset="0"/>
+                <a:ea typeface="Source Code Pro"/>
+              </a:rPr>
+              <a:t>style</a:t>
+            </a:r>
+            <a:r>
+              <a:rPr kumimoji="0" lang="pt-PT" altLang="pt-PT" sz="1150" b="0" i="0" u="none" strike="noStrike" cap="none" normalizeH="0" baseline="0" dirty="0">
+                <a:ln>
+                  <a:noFill/>
+                </a:ln>
+                <a:solidFill>
+                  <a:srgbClr val="BABABA"/>
+                </a:solidFill>
+                <a:effectLst/>
+                <a:latin typeface="Consolas" panose="020B0609020204030204" pitchFamily="49" charset="0"/>
+                <a:ea typeface="Source Code Pro"/>
+              </a:rPr>
+              <a:t>=</a:t>
+            </a:r>
+            <a:r>
+              <a:rPr kumimoji="0" lang="pt-PT" altLang="pt-PT" sz="1150" b="0" i="0" u="none" strike="noStrike" cap="none" normalizeH="0" baseline="0" dirty="0">
+                <a:ln>
+                  <a:noFill/>
+                </a:ln>
+                <a:solidFill>
+                  <a:srgbClr val="A5C261"/>
+                </a:solidFill>
+                <a:effectLst/>
+                <a:latin typeface="Consolas" panose="020B0609020204030204" pitchFamily="49" charset="0"/>
+                <a:ea typeface="Source Code Pro"/>
+              </a:rPr>
+              <a:t>"</a:t>
+            </a:r>
+            <a:r>
+              <a:rPr kumimoji="0" lang="pt-PT" altLang="pt-PT" sz="1150" b="0" i="0" u="none" strike="noStrike" cap="none" normalizeH="0" baseline="0" dirty="0" err="1">
+                <a:ln>
+                  <a:noFill/>
+                </a:ln>
+                <a:solidFill>
+                  <a:srgbClr val="BABABA"/>
+                </a:solidFill>
+                <a:effectLst/>
+                <a:latin typeface="Consolas" panose="020B0609020204030204" pitchFamily="49" charset="0"/>
+                <a:ea typeface="Source Code Pro"/>
+              </a:rPr>
+              <a:t>border</a:t>
+            </a:r>
+            <a:r>
+              <a:rPr kumimoji="0" lang="pt-PT" altLang="pt-PT" sz="1150" b="0" i="0" u="none" strike="noStrike" cap="none" normalizeH="0" baseline="0" dirty="0">
+                <a:ln>
+                  <a:noFill/>
+                </a:ln>
+                <a:solidFill>
+                  <a:srgbClr val="A9B7C6"/>
+                </a:solidFill>
+                <a:effectLst/>
+                <a:latin typeface="Consolas" panose="020B0609020204030204" pitchFamily="49" charset="0"/>
+                <a:ea typeface="Source Code Pro"/>
+              </a:rPr>
+              <a:t>: </a:t>
+            </a:r>
+            <a:r>
+              <a:rPr kumimoji="0" lang="pt-PT" altLang="pt-PT" sz="1150" b="0" i="0" u="none" strike="noStrike" cap="none" normalizeH="0" baseline="0" dirty="0">
+                <a:ln>
+                  <a:noFill/>
+                </a:ln>
+                <a:solidFill>
+                  <a:srgbClr val="6897BB"/>
+                </a:solidFill>
+                <a:effectLst/>
+                <a:latin typeface="Consolas" panose="020B0609020204030204" pitchFamily="49" charset="0"/>
+                <a:ea typeface="Source Code Pro"/>
+              </a:rPr>
+              <a:t>1</a:t>
+            </a:r>
+            <a:r>
+              <a:rPr kumimoji="0" lang="pt-PT" altLang="pt-PT" sz="1150" b="0" i="0" u="none" strike="noStrike" cap="none" normalizeH="0" baseline="0" dirty="0">
+                <a:ln>
+                  <a:noFill/>
+                </a:ln>
+                <a:solidFill>
+                  <a:srgbClr val="A5C261"/>
+                </a:solidFill>
+                <a:effectLst/>
+                <a:latin typeface="Consolas" panose="020B0609020204030204" pitchFamily="49" charset="0"/>
+                <a:ea typeface="Source Code Pro"/>
+              </a:rPr>
+              <a:t>px </a:t>
+            </a:r>
+            <a:r>
+              <a:rPr kumimoji="0" lang="pt-PT" altLang="pt-PT" sz="1150" b="0" i="0" u="none" strike="noStrike" cap="none" normalizeH="0" baseline="0" dirty="0" err="1">
+                <a:ln>
+                  <a:noFill/>
+                </a:ln>
+                <a:solidFill>
+                  <a:srgbClr val="A5C261"/>
+                </a:solidFill>
+                <a:effectLst/>
+                <a:latin typeface="Consolas" panose="020B0609020204030204" pitchFamily="49" charset="0"/>
+                <a:ea typeface="Source Code Pro"/>
+              </a:rPr>
+              <a:t>black</a:t>
+            </a:r>
+            <a:r>
+              <a:rPr kumimoji="0" lang="pt-PT" altLang="pt-PT" sz="1150" b="0" i="0" u="none" strike="noStrike" cap="none" normalizeH="0" baseline="0" dirty="0">
+                <a:ln>
+                  <a:noFill/>
+                </a:ln>
+                <a:solidFill>
+                  <a:srgbClr val="A5C261"/>
+                </a:solidFill>
+                <a:effectLst/>
+                <a:latin typeface="Consolas" panose="020B0609020204030204" pitchFamily="49" charset="0"/>
+                <a:ea typeface="Source Code Pro"/>
+              </a:rPr>
+              <a:t> </a:t>
+            </a:r>
+            <a:r>
+              <a:rPr kumimoji="0" lang="pt-PT" altLang="pt-PT" sz="1150" b="0" i="0" u="none" strike="noStrike" cap="none" normalizeH="0" baseline="0" dirty="0" err="1">
+                <a:ln>
+                  <a:noFill/>
+                </a:ln>
+                <a:solidFill>
+                  <a:srgbClr val="A5C261"/>
+                </a:solidFill>
+                <a:effectLst/>
+                <a:latin typeface="Consolas" panose="020B0609020204030204" pitchFamily="49" charset="0"/>
+                <a:ea typeface="Source Code Pro"/>
+              </a:rPr>
+              <a:t>solid</a:t>
+            </a:r>
+            <a:r>
+              <a:rPr kumimoji="0" lang="pt-PT" altLang="pt-PT" sz="1150" b="0" i="0" u="none" strike="noStrike" cap="none" normalizeH="0" baseline="0" dirty="0">
+                <a:ln>
+                  <a:noFill/>
+                </a:ln>
+                <a:solidFill>
+                  <a:srgbClr val="A5C261"/>
+                </a:solidFill>
+                <a:effectLst/>
+                <a:latin typeface="Consolas" panose="020B0609020204030204" pitchFamily="49" charset="0"/>
+                <a:ea typeface="Source Code Pro"/>
+              </a:rPr>
+              <a:t>"</a:t>
+            </a:r>
+            <a:r>
+              <a:rPr kumimoji="0" lang="pt-PT" altLang="pt-PT" sz="1150" b="0" i="0" u="none" strike="noStrike" cap="none" normalizeH="0" baseline="0" dirty="0">
+                <a:ln>
+                  <a:noFill/>
+                </a:ln>
+                <a:solidFill>
+                  <a:srgbClr val="E8BF6A"/>
+                </a:solidFill>
+                <a:effectLst/>
+                <a:latin typeface="Consolas" panose="020B0609020204030204" pitchFamily="49" charset="0"/>
+                <a:ea typeface="Source Code Pro"/>
+              </a:rPr>
+              <a:t>&gt;</a:t>
+            </a:r>
+            <a:br>
+              <a:rPr kumimoji="0" lang="pt-PT" altLang="pt-PT" sz="1150" b="0" i="0" u="none" strike="noStrike" cap="none" normalizeH="0" baseline="0" dirty="0">
+                <a:ln>
+                  <a:noFill/>
+                </a:ln>
+                <a:solidFill>
+                  <a:srgbClr val="E8BF6A"/>
+                </a:solidFill>
+                <a:effectLst/>
+                <a:latin typeface="Consolas" panose="020B0609020204030204" pitchFamily="49" charset="0"/>
+                <a:ea typeface="Source Code Pro"/>
+              </a:rPr>
+            </a:br>
+            <a:r>
+              <a:rPr kumimoji="0" lang="pt-PT" altLang="pt-PT" sz="1150" b="0" i="0" u="none" strike="noStrike" cap="none" normalizeH="0" baseline="0" dirty="0">
+                <a:ln>
+                  <a:noFill/>
+                </a:ln>
+                <a:solidFill>
+                  <a:srgbClr val="E8BF6A"/>
+                </a:solidFill>
+                <a:effectLst/>
+                <a:latin typeface="Consolas" panose="020B0609020204030204" pitchFamily="49" charset="0"/>
+                <a:ea typeface="Source Code Pro"/>
+              </a:rPr>
+              <a:t>            &lt;p&gt;</a:t>
+            </a:r>
+            <a:r>
+              <a:rPr kumimoji="0" lang="pt-PT" altLang="pt-PT" sz="1150" b="0" i="0" u="none" strike="noStrike" cap="none" normalizeH="0" baseline="0" dirty="0">
+                <a:ln>
+                  <a:noFill/>
+                </a:ln>
+                <a:solidFill>
+                  <a:srgbClr val="A9B7C6"/>
+                </a:solidFill>
+                <a:effectLst/>
+                <a:latin typeface="Consolas" panose="020B0609020204030204" pitchFamily="49" charset="0"/>
+                <a:ea typeface="Source Code Pro"/>
+              </a:rPr>
+              <a:t>Look! </a:t>
+            </a:r>
+            <a:r>
+              <a:rPr kumimoji="0" lang="pt-PT" altLang="pt-PT" sz="1150" b="0" i="0" u="none" strike="noStrike" cap="none" normalizeH="0" baseline="0" dirty="0" err="1">
+                <a:ln>
+                  <a:noFill/>
+                </a:ln>
+                <a:solidFill>
+                  <a:srgbClr val="A9B7C6"/>
+                </a:solidFill>
+                <a:effectLst/>
+                <a:latin typeface="Consolas" panose="020B0609020204030204" pitchFamily="49" charset="0"/>
+                <a:ea typeface="Source Code Pro"/>
+              </a:rPr>
+              <a:t>There</a:t>
+            </a:r>
+            <a:r>
+              <a:rPr kumimoji="0" lang="pt-PT" altLang="pt-PT" sz="1150" b="0" i="0" u="none" strike="noStrike" cap="none" normalizeH="0" baseline="0" dirty="0">
+                <a:ln>
+                  <a:noFill/>
+                </a:ln>
+                <a:solidFill>
+                  <a:srgbClr val="A9B7C6"/>
+                </a:solidFill>
+                <a:effectLst/>
+                <a:latin typeface="Consolas" panose="020B0609020204030204" pitchFamily="49" charset="0"/>
+                <a:ea typeface="Source Code Pro"/>
+              </a:rPr>
+              <a:t> </a:t>
+            </a:r>
+            <a:r>
+              <a:rPr kumimoji="0" lang="pt-PT" altLang="pt-PT" sz="1150" b="0" i="0" u="none" strike="noStrike" cap="none" normalizeH="0" baseline="0" dirty="0" err="1">
+                <a:ln>
+                  <a:noFill/>
+                </a:ln>
+                <a:solidFill>
+                  <a:srgbClr val="A9B7C6"/>
+                </a:solidFill>
+                <a:effectLst/>
+                <a:latin typeface="Consolas" panose="020B0609020204030204" pitchFamily="49" charset="0"/>
+                <a:ea typeface="Source Code Pro"/>
+              </a:rPr>
+              <a:t>is</a:t>
+            </a:r>
+            <a:r>
+              <a:rPr kumimoji="0" lang="pt-PT" altLang="pt-PT" sz="1150" b="0" i="0" u="none" strike="noStrike" cap="none" normalizeH="0" baseline="0" dirty="0">
+                <a:ln>
+                  <a:noFill/>
+                </a:ln>
+                <a:solidFill>
+                  <a:srgbClr val="A9B7C6"/>
+                </a:solidFill>
+                <a:effectLst/>
+                <a:latin typeface="Consolas" panose="020B0609020204030204" pitchFamily="49" charset="0"/>
+                <a:ea typeface="Source Code Pro"/>
+              </a:rPr>
+              <a:t> a </a:t>
+            </a:r>
+            <a:r>
+              <a:rPr kumimoji="0" lang="pt-PT" altLang="pt-PT" sz="1150" b="0" i="0" u="none" strike="noStrike" cap="none" normalizeH="0" baseline="0" dirty="0" err="1">
+                <a:ln>
+                  <a:noFill/>
+                </a:ln>
+                <a:solidFill>
+                  <a:srgbClr val="A9B7C6"/>
+                </a:solidFill>
+                <a:effectLst/>
+                <a:latin typeface="Consolas" panose="020B0609020204030204" pitchFamily="49" charset="0"/>
+                <a:ea typeface="Source Code Pro"/>
+              </a:rPr>
+              <a:t>unordered</a:t>
+            </a:r>
+            <a:r>
+              <a:rPr kumimoji="0" lang="pt-PT" altLang="pt-PT" sz="1150" b="0" i="0" u="none" strike="noStrike" cap="none" normalizeH="0" baseline="0" dirty="0">
+                <a:ln>
+                  <a:noFill/>
+                </a:ln>
+                <a:solidFill>
+                  <a:srgbClr val="A9B7C6"/>
+                </a:solidFill>
+                <a:effectLst/>
+                <a:latin typeface="Consolas" panose="020B0609020204030204" pitchFamily="49" charset="0"/>
+                <a:ea typeface="Source Code Pro"/>
+              </a:rPr>
+              <a:t> </a:t>
+            </a:r>
+            <a:r>
+              <a:rPr kumimoji="0" lang="pt-PT" altLang="pt-PT" sz="1150" b="0" i="0" u="none" strike="noStrike" cap="none" normalizeH="0" baseline="0" dirty="0" err="1">
+                <a:ln>
+                  <a:noFill/>
+                </a:ln>
+                <a:solidFill>
+                  <a:srgbClr val="A9B7C6"/>
+                </a:solidFill>
+                <a:effectLst/>
+                <a:latin typeface="Consolas" panose="020B0609020204030204" pitchFamily="49" charset="0"/>
+                <a:ea typeface="Source Code Pro"/>
+              </a:rPr>
+              <a:t>list</a:t>
+            </a:r>
+            <a:r>
+              <a:rPr kumimoji="0" lang="pt-PT" altLang="pt-PT" sz="1150" b="0" i="0" u="none" strike="noStrike" cap="none" normalizeH="0" baseline="0" dirty="0">
+                <a:ln>
+                  <a:noFill/>
+                </a:ln>
+                <a:solidFill>
+                  <a:srgbClr val="A9B7C6"/>
+                </a:solidFill>
+                <a:effectLst/>
+                <a:latin typeface="Consolas" panose="020B0609020204030204" pitchFamily="49" charset="0"/>
+                <a:ea typeface="Source Code Pro"/>
+              </a:rPr>
+              <a:t> </a:t>
+            </a:r>
+            <a:r>
+              <a:rPr kumimoji="0" lang="pt-PT" altLang="pt-PT" sz="1150" b="0" i="0" u="none" strike="noStrike" cap="none" normalizeH="0" baseline="0" dirty="0" err="1">
+                <a:ln>
+                  <a:noFill/>
+                </a:ln>
+                <a:solidFill>
+                  <a:srgbClr val="A9B7C6"/>
+                </a:solidFill>
+                <a:effectLst/>
+                <a:latin typeface="Consolas" panose="020B0609020204030204" pitchFamily="49" charset="0"/>
+                <a:ea typeface="Source Code Pro"/>
+              </a:rPr>
+              <a:t>below</a:t>
+            </a:r>
+            <a:r>
+              <a:rPr kumimoji="0" lang="pt-PT" altLang="pt-PT" sz="1150" b="0" i="0" u="none" strike="noStrike" cap="none" normalizeH="0" baseline="0" dirty="0">
+                <a:ln>
+                  <a:noFill/>
+                </a:ln>
+                <a:solidFill>
+                  <a:srgbClr val="A9B7C6"/>
+                </a:solidFill>
+                <a:effectLst/>
+                <a:latin typeface="Consolas" panose="020B0609020204030204" pitchFamily="49" charset="0"/>
+                <a:ea typeface="Source Code Pro"/>
+              </a:rPr>
+              <a:t>!</a:t>
+            </a:r>
+            <a:r>
+              <a:rPr kumimoji="0" lang="pt-PT" altLang="pt-PT" sz="1150" b="0" i="0" u="none" strike="noStrike" cap="none" normalizeH="0" baseline="0" dirty="0">
+                <a:ln>
+                  <a:noFill/>
+                </a:ln>
+                <a:solidFill>
+                  <a:srgbClr val="E8BF6A"/>
+                </a:solidFill>
+                <a:effectLst/>
+                <a:latin typeface="Consolas" panose="020B0609020204030204" pitchFamily="49" charset="0"/>
+                <a:ea typeface="Source Code Pro"/>
+              </a:rPr>
+              <a:t>&lt;/p&gt;</a:t>
+            </a:r>
+            <a:br>
+              <a:rPr kumimoji="0" lang="pt-PT" altLang="pt-PT" sz="1150" b="0" i="0" u="none" strike="noStrike" cap="none" normalizeH="0" baseline="0" dirty="0">
+                <a:ln>
+                  <a:noFill/>
+                </a:ln>
+                <a:solidFill>
+                  <a:srgbClr val="E8BF6A"/>
+                </a:solidFill>
+                <a:effectLst/>
+                <a:latin typeface="Consolas" panose="020B0609020204030204" pitchFamily="49" charset="0"/>
+                <a:ea typeface="Source Code Pro"/>
+              </a:rPr>
+            </a:br>
+            <a:r>
+              <a:rPr kumimoji="0" lang="pt-PT" altLang="pt-PT" sz="1150" b="0" i="0" u="none" strike="noStrike" cap="none" normalizeH="0" baseline="0" dirty="0">
+                <a:ln>
+                  <a:noFill/>
+                </a:ln>
+                <a:solidFill>
+                  <a:srgbClr val="E8BF6A"/>
+                </a:solidFill>
+                <a:effectLst/>
+                <a:latin typeface="Consolas" panose="020B0609020204030204" pitchFamily="49" charset="0"/>
+                <a:ea typeface="Source Code Pro"/>
+              </a:rPr>
+              <a:t>            &lt;</a:t>
+            </a:r>
+            <a:r>
+              <a:rPr kumimoji="0" lang="pt-PT" altLang="pt-PT" sz="1150" b="0" i="0" u="none" strike="noStrike" cap="none" normalizeH="0" baseline="0" dirty="0" err="1">
+                <a:ln>
+                  <a:noFill/>
+                </a:ln>
+                <a:solidFill>
+                  <a:srgbClr val="E8BF6A"/>
+                </a:solidFill>
+                <a:effectLst/>
+                <a:latin typeface="Consolas" panose="020B0609020204030204" pitchFamily="49" charset="0"/>
+                <a:ea typeface="Source Code Pro"/>
+              </a:rPr>
+              <a:t>ul</a:t>
+            </a:r>
+            <a:r>
+              <a:rPr kumimoji="0" lang="pt-PT" altLang="pt-PT" sz="1150" b="0" i="0" u="none" strike="noStrike" cap="none" normalizeH="0" baseline="0" dirty="0">
+                <a:ln>
+                  <a:noFill/>
+                </a:ln>
+                <a:solidFill>
+                  <a:srgbClr val="E8BF6A"/>
+                </a:solidFill>
+                <a:effectLst/>
+                <a:latin typeface="Consolas" panose="020B0609020204030204" pitchFamily="49" charset="0"/>
+                <a:ea typeface="Source Code Pro"/>
+              </a:rPr>
+              <a:t>&gt;</a:t>
+            </a:r>
+            <a:br>
+              <a:rPr kumimoji="0" lang="pt-PT" altLang="pt-PT" sz="1150" b="0" i="0" u="none" strike="noStrike" cap="none" normalizeH="0" baseline="0" dirty="0">
+                <a:ln>
+                  <a:noFill/>
+                </a:ln>
+                <a:solidFill>
+                  <a:srgbClr val="E8BF6A"/>
+                </a:solidFill>
+                <a:effectLst/>
+                <a:latin typeface="Consolas" panose="020B0609020204030204" pitchFamily="49" charset="0"/>
+                <a:ea typeface="Source Code Pro"/>
+              </a:rPr>
+            </a:br>
+            <a:r>
+              <a:rPr kumimoji="0" lang="pt-PT" altLang="pt-PT" sz="1150" b="0" i="0" u="none" strike="noStrike" cap="none" normalizeH="0" baseline="0" dirty="0">
+                <a:ln>
+                  <a:noFill/>
+                </a:ln>
+                <a:solidFill>
+                  <a:srgbClr val="E8BF6A"/>
+                </a:solidFill>
+                <a:effectLst/>
+                <a:latin typeface="Consolas" panose="020B0609020204030204" pitchFamily="49" charset="0"/>
+                <a:ea typeface="Source Code Pro"/>
+              </a:rPr>
+              <a:t>               &lt;li&gt;</a:t>
+            </a:r>
+            <a:r>
+              <a:rPr kumimoji="0" lang="pt-PT" altLang="pt-PT" sz="1150" b="0" i="0" u="none" strike="noStrike" cap="none" normalizeH="0" baseline="0" dirty="0" err="1">
+                <a:ln>
+                  <a:noFill/>
+                </a:ln>
+                <a:solidFill>
+                  <a:srgbClr val="A9B7C6"/>
+                </a:solidFill>
+                <a:effectLst/>
+                <a:latin typeface="Consolas" panose="020B0609020204030204" pitchFamily="49" charset="0"/>
+                <a:ea typeface="Source Code Pro"/>
+              </a:rPr>
+              <a:t>Amazing</a:t>
+            </a:r>
+            <a:r>
+              <a:rPr kumimoji="0" lang="pt-PT" altLang="pt-PT" sz="1150" b="0" i="0" u="none" strike="noStrike" cap="none" normalizeH="0" baseline="0" dirty="0">
+                <a:ln>
+                  <a:noFill/>
+                </a:ln>
+                <a:solidFill>
+                  <a:srgbClr val="A9B7C6"/>
+                </a:solidFill>
+                <a:effectLst/>
+                <a:latin typeface="Consolas" panose="020B0609020204030204" pitchFamily="49" charset="0"/>
+                <a:ea typeface="Source Code Pro"/>
+              </a:rPr>
+              <a:t> </a:t>
+            </a:r>
+            <a:r>
+              <a:rPr kumimoji="0" lang="pt-PT" altLang="pt-PT" sz="1150" b="0" i="0" u="none" strike="noStrike" cap="none" normalizeH="0" baseline="0" dirty="0" err="1">
+                <a:ln>
+                  <a:noFill/>
+                </a:ln>
+                <a:solidFill>
+                  <a:srgbClr val="A9B7C6"/>
+                </a:solidFill>
+                <a:effectLst/>
+                <a:latin typeface="Consolas" panose="020B0609020204030204" pitchFamily="49" charset="0"/>
+                <a:ea typeface="Source Code Pro"/>
+              </a:rPr>
+              <a:t>an</a:t>
+            </a:r>
+            <a:r>
+              <a:rPr kumimoji="0" lang="pt-PT" altLang="pt-PT" sz="1150" b="0" i="0" u="none" strike="noStrike" cap="none" normalizeH="0" baseline="0" dirty="0">
+                <a:ln>
+                  <a:noFill/>
+                </a:ln>
+                <a:solidFill>
+                  <a:srgbClr val="A9B7C6"/>
+                </a:solidFill>
+                <a:effectLst/>
+                <a:latin typeface="Consolas" panose="020B0609020204030204" pitchFamily="49" charset="0"/>
+                <a:ea typeface="Source Code Pro"/>
+              </a:rPr>
+              <a:t> </a:t>
+            </a:r>
+            <a:r>
+              <a:rPr kumimoji="0" lang="pt-PT" altLang="pt-PT" sz="1150" b="0" i="0" u="none" strike="noStrike" cap="none" normalizeH="0" baseline="0" dirty="0" err="1">
+                <a:ln>
+                  <a:noFill/>
+                </a:ln>
+                <a:solidFill>
+                  <a:srgbClr val="A9B7C6"/>
+                </a:solidFill>
+                <a:effectLst/>
+                <a:latin typeface="Consolas" panose="020B0609020204030204" pitchFamily="49" charset="0"/>
+                <a:ea typeface="Source Code Pro"/>
+              </a:rPr>
+              <a:t>unordered</a:t>
+            </a:r>
+            <a:r>
+              <a:rPr kumimoji="0" lang="pt-PT" altLang="pt-PT" sz="1150" b="0" i="0" u="none" strike="noStrike" cap="none" normalizeH="0" baseline="0" dirty="0">
+                <a:ln>
+                  <a:noFill/>
+                </a:ln>
+                <a:solidFill>
+                  <a:srgbClr val="A9B7C6"/>
+                </a:solidFill>
+                <a:effectLst/>
+                <a:latin typeface="Consolas" panose="020B0609020204030204" pitchFamily="49" charset="0"/>
+                <a:ea typeface="Source Code Pro"/>
+              </a:rPr>
+              <a:t> </a:t>
+            </a:r>
+            <a:r>
+              <a:rPr kumimoji="0" lang="pt-PT" altLang="pt-PT" sz="1150" b="0" i="0" u="none" strike="noStrike" cap="none" normalizeH="0" baseline="0" dirty="0" err="1">
+                <a:ln>
+                  <a:noFill/>
+                </a:ln>
+                <a:solidFill>
+                  <a:srgbClr val="A9B7C6"/>
+                </a:solidFill>
+                <a:effectLst/>
+                <a:latin typeface="Consolas" panose="020B0609020204030204" pitchFamily="49" charset="0"/>
+                <a:ea typeface="Source Code Pro"/>
+              </a:rPr>
+              <a:t>list</a:t>
+            </a:r>
+            <a:r>
+              <a:rPr kumimoji="0" lang="pt-PT" altLang="pt-PT" sz="1150" b="0" i="0" u="none" strike="noStrike" cap="none" normalizeH="0" baseline="0" dirty="0">
+                <a:ln>
+                  <a:noFill/>
+                </a:ln>
+                <a:solidFill>
+                  <a:srgbClr val="E8BF6A"/>
+                </a:solidFill>
+                <a:effectLst/>
+                <a:latin typeface="Consolas" panose="020B0609020204030204" pitchFamily="49" charset="0"/>
+                <a:ea typeface="Source Code Pro"/>
+              </a:rPr>
+              <a:t>&lt;/li&gt;</a:t>
+            </a:r>
+            <a:br>
+              <a:rPr lang="pt-PT" altLang="pt-PT" sz="1150" dirty="0">
+                <a:solidFill>
+                  <a:srgbClr val="E8BF6A"/>
+                </a:solidFill>
+                <a:latin typeface="Consolas" panose="020B0609020204030204" pitchFamily="49" charset="0"/>
+                <a:ea typeface="Source Code Pro"/>
+              </a:rPr>
+            </a:br>
+            <a:r>
+              <a:rPr lang="pt-PT" altLang="pt-PT" sz="1150" dirty="0">
+                <a:solidFill>
+                  <a:srgbClr val="E8BF6A"/>
+                </a:solidFill>
+                <a:latin typeface="Consolas" panose="020B0609020204030204" pitchFamily="49" charset="0"/>
+                <a:ea typeface="Source Code Pro"/>
+              </a:rPr>
+              <a:t>               &lt;</a:t>
+            </a:r>
+            <a:r>
+              <a:rPr kumimoji="0" lang="pt-PT" altLang="pt-PT" sz="1150" b="0" i="0" u="none" strike="noStrike" cap="none" normalizeH="0" baseline="0" dirty="0">
+                <a:ln>
+                  <a:noFill/>
+                </a:ln>
+                <a:solidFill>
+                  <a:srgbClr val="E8BF6A"/>
+                </a:solidFill>
+                <a:effectLst/>
+                <a:latin typeface="Consolas" panose="020B0609020204030204" pitchFamily="49" charset="0"/>
+                <a:ea typeface="Source Code Pro"/>
+              </a:rPr>
+              <a:t>li&gt;</a:t>
+            </a:r>
+            <a:r>
+              <a:rPr kumimoji="0" lang="pt-PT" altLang="pt-PT" sz="1150" b="0" i="0" u="none" strike="noStrike" cap="none" normalizeH="0" baseline="0" dirty="0" err="1">
+                <a:ln>
+                  <a:noFill/>
+                </a:ln>
+                <a:solidFill>
+                  <a:srgbClr val="A9B7C6"/>
+                </a:solidFill>
+                <a:effectLst/>
+                <a:latin typeface="Consolas" panose="020B0609020204030204" pitchFamily="49" charset="0"/>
+                <a:ea typeface="Source Code Pro"/>
+              </a:rPr>
+              <a:t>Wow</a:t>
+            </a:r>
+            <a:r>
+              <a:rPr kumimoji="0" lang="pt-PT" altLang="pt-PT" sz="1150" b="0" i="0" u="none" strike="noStrike" cap="none" normalizeH="0" baseline="0" dirty="0">
+                <a:ln>
+                  <a:noFill/>
+                </a:ln>
+                <a:solidFill>
+                  <a:srgbClr val="A9B7C6"/>
+                </a:solidFill>
+                <a:effectLst/>
+                <a:latin typeface="Consolas" panose="020B0609020204030204" pitchFamily="49" charset="0"/>
+                <a:ea typeface="Source Code Pro"/>
+              </a:rPr>
+              <a:t> </a:t>
+            </a:r>
+            <a:r>
+              <a:rPr kumimoji="0" lang="pt-PT" altLang="pt-PT" sz="1150" b="0" i="0" u="none" strike="noStrike" cap="none" normalizeH="0" baseline="0" dirty="0" err="1">
+                <a:ln>
+                  <a:noFill/>
+                </a:ln>
+                <a:solidFill>
+                  <a:srgbClr val="A9B7C6"/>
+                </a:solidFill>
+                <a:effectLst/>
+                <a:latin typeface="Consolas" panose="020B0609020204030204" pitchFamily="49" charset="0"/>
+                <a:ea typeface="Source Code Pro"/>
+              </a:rPr>
+              <a:t>listing</a:t>
+            </a:r>
+            <a:r>
+              <a:rPr kumimoji="0" lang="pt-PT" altLang="pt-PT" sz="1150" b="0" i="0" u="none" strike="noStrike" cap="none" normalizeH="0" baseline="0" dirty="0">
+                <a:ln>
+                  <a:noFill/>
+                </a:ln>
+                <a:solidFill>
+                  <a:srgbClr val="A9B7C6"/>
+                </a:solidFill>
+                <a:effectLst/>
+                <a:latin typeface="Consolas" panose="020B0609020204030204" pitchFamily="49" charset="0"/>
+                <a:ea typeface="Source Code Pro"/>
+              </a:rPr>
+              <a:t> </a:t>
+            </a:r>
+            <a:r>
+              <a:rPr kumimoji="0" lang="pt-PT" altLang="pt-PT" sz="1150" b="0" i="0" u="none" strike="noStrike" cap="none" normalizeH="0" baseline="0" dirty="0" err="1">
+                <a:ln>
+                  <a:noFill/>
+                </a:ln>
+                <a:solidFill>
+                  <a:srgbClr val="A9B7C6"/>
+                </a:solidFill>
+                <a:effectLst/>
+                <a:latin typeface="Consolas" panose="020B0609020204030204" pitchFamily="49" charset="0"/>
+                <a:ea typeface="Source Code Pro"/>
+              </a:rPr>
+              <a:t>stuff</a:t>
+            </a:r>
+            <a:r>
+              <a:rPr kumimoji="0" lang="pt-PT" altLang="pt-PT" sz="1150" b="0" i="0" u="none" strike="noStrike" cap="none" normalizeH="0" baseline="0" dirty="0">
+                <a:ln>
+                  <a:noFill/>
+                </a:ln>
+                <a:solidFill>
+                  <a:srgbClr val="E8BF6A"/>
+                </a:solidFill>
+                <a:effectLst/>
+                <a:latin typeface="Consolas" panose="020B0609020204030204" pitchFamily="49" charset="0"/>
+                <a:ea typeface="Source Code Pro"/>
+              </a:rPr>
+              <a:t>&lt;/li&gt;</a:t>
+            </a:r>
+            <a:br>
+              <a:rPr kumimoji="0" lang="pt-PT" altLang="pt-PT" sz="1150" b="0" i="0" u="none" strike="noStrike" cap="none" normalizeH="0" baseline="0" dirty="0">
+                <a:ln>
+                  <a:noFill/>
+                </a:ln>
+                <a:solidFill>
+                  <a:srgbClr val="E8BF6A"/>
+                </a:solidFill>
+                <a:effectLst/>
+                <a:latin typeface="Consolas" panose="020B0609020204030204" pitchFamily="49" charset="0"/>
+                <a:ea typeface="Source Code Pro"/>
+              </a:rPr>
+            </a:br>
+            <a:r>
+              <a:rPr kumimoji="0" lang="pt-PT" altLang="pt-PT" sz="1150" b="0" i="0" u="none" strike="noStrike" cap="none" normalizeH="0" baseline="0" dirty="0">
+                <a:ln>
+                  <a:noFill/>
+                </a:ln>
+                <a:solidFill>
+                  <a:srgbClr val="E8BF6A"/>
+                </a:solidFill>
+                <a:effectLst/>
+                <a:latin typeface="Consolas" panose="020B0609020204030204" pitchFamily="49" charset="0"/>
+                <a:ea typeface="Source Code Pro"/>
+              </a:rPr>
+              <a:t>               &lt;li&gt;</a:t>
+            </a:r>
+            <a:r>
+              <a:rPr kumimoji="0" lang="pt-PT" altLang="pt-PT" sz="1150" b="0" i="0" u="none" strike="noStrike" cap="none" normalizeH="0" baseline="0" dirty="0" err="1">
+                <a:ln>
+                  <a:noFill/>
+                </a:ln>
+                <a:solidFill>
+                  <a:srgbClr val="A9B7C6"/>
+                </a:solidFill>
+                <a:effectLst/>
+                <a:latin typeface="Consolas" panose="020B0609020204030204" pitchFamily="49" charset="0"/>
+                <a:ea typeface="Source Code Pro"/>
+              </a:rPr>
+              <a:t>Such</a:t>
+            </a:r>
+            <a:r>
+              <a:rPr kumimoji="0" lang="pt-PT" altLang="pt-PT" sz="1150" b="0" i="0" u="none" strike="noStrike" cap="none" normalizeH="0" baseline="0" dirty="0">
+                <a:ln>
+                  <a:noFill/>
+                </a:ln>
+                <a:solidFill>
+                  <a:srgbClr val="A9B7C6"/>
+                </a:solidFill>
+                <a:effectLst/>
+                <a:latin typeface="Consolas" panose="020B0609020204030204" pitchFamily="49" charset="0"/>
+                <a:ea typeface="Source Code Pro"/>
+              </a:rPr>
+              <a:t> </a:t>
+            </a:r>
+            <a:r>
+              <a:rPr kumimoji="0" lang="pt-PT" altLang="pt-PT" sz="1150" b="0" i="0" u="none" strike="noStrike" cap="none" normalizeH="0" baseline="0" dirty="0" err="1">
+                <a:ln>
+                  <a:noFill/>
+                </a:ln>
+                <a:solidFill>
+                  <a:srgbClr val="A9B7C6"/>
+                </a:solidFill>
+                <a:effectLst/>
+                <a:latin typeface="Consolas" panose="020B0609020204030204" pitchFamily="49" charset="0"/>
+                <a:ea typeface="Source Code Pro"/>
+              </a:rPr>
+              <a:t>words</a:t>
+            </a:r>
+            <a:r>
+              <a:rPr kumimoji="0" lang="pt-PT" altLang="pt-PT" sz="1150" b="0" i="0" u="none" strike="noStrike" cap="none" normalizeH="0" baseline="0" dirty="0">
+                <a:ln>
+                  <a:noFill/>
+                </a:ln>
+                <a:solidFill>
+                  <a:srgbClr val="E8BF6A"/>
+                </a:solidFill>
+                <a:effectLst/>
+                <a:latin typeface="Consolas" panose="020B0609020204030204" pitchFamily="49" charset="0"/>
+                <a:ea typeface="Source Code Pro"/>
+              </a:rPr>
+              <a:t>&lt;/li&gt;</a:t>
+            </a:r>
+            <a:br>
+              <a:rPr kumimoji="0" lang="pt-PT" altLang="pt-PT" sz="1150" b="0" i="0" u="none" strike="noStrike" cap="none" normalizeH="0" baseline="0" dirty="0">
+                <a:ln>
+                  <a:noFill/>
+                </a:ln>
+                <a:solidFill>
+                  <a:srgbClr val="E8BF6A"/>
+                </a:solidFill>
+                <a:effectLst/>
+                <a:latin typeface="Consolas" panose="020B0609020204030204" pitchFamily="49" charset="0"/>
+                <a:ea typeface="Source Code Pro"/>
+              </a:rPr>
+            </a:br>
+            <a:r>
+              <a:rPr kumimoji="0" lang="pt-PT" altLang="pt-PT" sz="1150" b="0" i="0" u="none" strike="noStrike" cap="none" normalizeH="0" baseline="0" dirty="0">
+                <a:ln>
+                  <a:noFill/>
+                </a:ln>
+                <a:solidFill>
+                  <a:srgbClr val="E8BF6A"/>
+                </a:solidFill>
+                <a:effectLst/>
+                <a:latin typeface="Consolas" panose="020B0609020204030204" pitchFamily="49" charset="0"/>
+                <a:ea typeface="Source Code Pro"/>
+              </a:rPr>
+              <a:t>               &lt;li&gt;</a:t>
+            </a:r>
+            <a:r>
+              <a:rPr kumimoji="0" lang="pt-PT" altLang="pt-PT" sz="1150" b="0" i="0" u="none" strike="noStrike" cap="none" normalizeH="0" baseline="0" dirty="0" err="1">
+                <a:ln>
+                  <a:noFill/>
+                </a:ln>
+                <a:solidFill>
+                  <a:srgbClr val="A9B7C6"/>
+                </a:solidFill>
+                <a:effectLst/>
+                <a:latin typeface="Consolas" panose="020B0609020204030204" pitchFamily="49" charset="0"/>
+                <a:ea typeface="Source Code Pro"/>
+              </a:rPr>
+              <a:t>Many</a:t>
+            </a:r>
+            <a:r>
+              <a:rPr kumimoji="0" lang="pt-PT" altLang="pt-PT" sz="1150" b="0" i="0" u="none" strike="noStrike" cap="none" normalizeH="0" baseline="0" dirty="0">
+                <a:ln>
+                  <a:noFill/>
+                </a:ln>
+                <a:solidFill>
+                  <a:srgbClr val="A9B7C6"/>
+                </a:solidFill>
+                <a:effectLst/>
+                <a:latin typeface="Consolas" panose="020B0609020204030204" pitchFamily="49" charset="0"/>
+                <a:ea typeface="Source Code Pro"/>
+              </a:rPr>
+              <a:t> </a:t>
+            </a:r>
+            <a:r>
+              <a:rPr kumimoji="0" lang="pt-PT" altLang="pt-PT" sz="1150" b="0" i="0" u="none" strike="noStrike" cap="none" normalizeH="0" baseline="0" dirty="0" err="1">
+                <a:ln>
+                  <a:noFill/>
+                </a:ln>
+                <a:solidFill>
+                  <a:srgbClr val="A9B7C6"/>
+                </a:solidFill>
+                <a:effectLst/>
+                <a:latin typeface="Consolas" panose="020B0609020204030204" pitchFamily="49" charset="0"/>
+                <a:ea typeface="Source Code Pro"/>
+              </a:rPr>
+              <a:t>dots</a:t>
+            </a:r>
+            <a:r>
+              <a:rPr kumimoji="0" lang="pt-PT" altLang="pt-PT" sz="1150" b="0" i="0" u="none" strike="noStrike" cap="none" normalizeH="0" baseline="0" dirty="0">
+                <a:ln>
+                  <a:noFill/>
+                </a:ln>
+                <a:solidFill>
+                  <a:srgbClr val="E8BF6A"/>
+                </a:solidFill>
+                <a:effectLst/>
+                <a:latin typeface="Consolas" panose="020B0609020204030204" pitchFamily="49" charset="0"/>
+                <a:ea typeface="Source Code Pro"/>
+              </a:rPr>
+              <a:t>&lt;/li&gt;</a:t>
+            </a:r>
+            <a:br>
+              <a:rPr kumimoji="0" lang="pt-PT" altLang="pt-PT" sz="1150" b="0" i="0" u="none" strike="noStrike" cap="none" normalizeH="0" baseline="0" dirty="0">
+                <a:ln>
+                  <a:noFill/>
+                </a:ln>
+                <a:solidFill>
+                  <a:srgbClr val="E8BF6A"/>
+                </a:solidFill>
+                <a:effectLst/>
+                <a:latin typeface="Consolas" panose="020B0609020204030204" pitchFamily="49" charset="0"/>
+                <a:ea typeface="Source Code Pro"/>
+              </a:rPr>
+            </a:br>
+            <a:r>
+              <a:rPr kumimoji="0" lang="pt-PT" altLang="pt-PT" sz="1150" b="0" i="0" u="none" strike="noStrike" cap="none" normalizeH="0" baseline="0" dirty="0">
+                <a:ln>
+                  <a:noFill/>
+                </a:ln>
+                <a:solidFill>
+                  <a:srgbClr val="E8BF6A"/>
+                </a:solidFill>
+                <a:effectLst/>
+                <a:latin typeface="Consolas" panose="020B0609020204030204" pitchFamily="49" charset="0"/>
+                <a:ea typeface="Source Code Pro"/>
+              </a:rPr>
+              <a:t>           &lt;/</a:t>
+            </a:r>
+            <a:r>
+              <a:rPr kumimoji="0" lang="pt-PT" altLang="pt-PT" sz="1150" b="0" i="0" u="none" strike="noStrike" cap="none" normalizeH="0" baseline="0" dirty="0" err="1">
+                <a:ln>
+                  <a:noFill/>
+                </a:ln>
+                <a:solidFill>
+                  <a:srgbClr val="E8BF6A"/>
+                </a:solidFill>
+                <a:effectLst/>
+                <a:latin typeface="Consolas" panose="020B0609020204030204" pitchFamily="49" charset="0"/>
+                <a:ea typeface="Source Code Pro"/>
+              </a:rPr>
+              <a:t>ul</a:t>
+            </a:r>
+            <a:r>
+              <a:rPr kumimoji="0" lang="pt-PT" altLang="pt-PT" sz="1150" b="0" i="0" u="none" strike="noStrike" cap="none" normalizeH="0" baseline="0" dirty="0">
+                <a:ln>
+                  <a:noFill/>
+                </a:ln>
+                <a:solidFill>
+                  <a:srgbClr val="E8BF6A"/>
+                </a:solidFill>
+                <a:effectLst/>
+                <a:latin typeface="Consolas" panose="020B0609020204030204" pitchFamily="49" charset="0"/>
+                <a:ea typeface="Source Code Pro"/>
+              </a:rPr>
+              <a:t>&gt;</a:t>
+            </a:r>
+            <a:br>
+              <a:rPr kumimoji="0" lang="pt-PT" altLang="pt-PT" sz="1150" b="0" i="0" u="none" strike="noStrike" cap="none" normalizeH="0" baseline="0" dirty="0">
+                <a:ln>
+                  <a:noFill/>
+                </a:ln>
+                <a:solidFill>
+                  <a:srgbClr val="E8BF6A"/>
+                </a:solidFill>
+                <a:effectLst/>
+                <a:latin typeface="Consolas" panose="020B0609020204030204" pitchFamily="49" charset="0"/>
+                <a:ea typeface="Source Code Pro"/>
+              </a:rPr>
+            </a:br>
+            <a:r>
+              <a:rPr kumimoji="0" lang="pt-PT" altLang="pt-PT" sz="1150" b="0" i="0" u="none" strike="noStrike" cap="none" normalizeH="0" baseline="0" dirty="0">
+                <a:ln>
+                  <a:noFill/>
+                </a:ln>
+                <a:solidFill>
+                  <a:srgbClr val="E8BF6A"/>
+                </a:solidFill>
+                <a:effectLst/>
+                <a:latin typeface="Consolas" panose="020B0609020204030204" pitchFamily="49" charset="0"/>
+                <a:ea typeface="Source Code Pro"/>
+              </a:rPr>
+              <a:t>         &lt;/</a:t>
+            </a:r>
+            <a:r>
+              <a:rPr kumimoji="0" lang="pt-PT" altLang="pt-PT" sz="1150" b="0" i="0" u="none" strike="noStrike" cap="none" normalizeH="0" baseline="0" dirty="0" err="1">
+                <a:ln>
+                  <a:noFill/>
+                </a:ln>
+                <a:solidFill>
+                  <a:srgbClr val="E8BF6A"/>
+                </a:solidFill>
+                <a:effectLst/>
+                <a:latin typeface="Consolas" panose="020B0609020204030204" pitchFamily="49" charset="0"/>
+                <a:ea typeface="Source Code Pro"/>
+              </a:rPr>
+              <a:t>td</a:t>
+            </a:r>
+            <a:r>
+              <a:rPr kumimoji="0" lang="pt-PT" altLang="pt-PT" sz="1150" b="0" i="0" u="none" strike="noStrike" cap="none" normalizeH="0" baseline="0" dirty="0">
+                <a:ln>
+                  <a:noFill/>
+                </a:ln>
+                <a:solidFill>
+                  <a:srgbClr val="E8BF6A"/>
+                </a:solidFill>
+                <a:effectLst/>
+                <a:latin typeface="Consolas" panose="020B0609020204030204" pitchFamily="49" charset="0"/>
+                <a:ea typeface="Source Code Pro"/>
+              </a:rPr>
+              <a:t>&gt;</a:t>
+            </a:r>
+            <a:endParaRPr lang="pt-PT" altLang="pt-PT" sz="1150" dirty="0">
+              <a:solidFill>
+                <a:srgbClr val="E8BF6A"/>
+              </a:solidFill>
+              <a:latin typeface="Consolas" panose="020B0609020204030204" pitchFamily="49" charset="0"/>
+              <a:ea typeface="Source Code Pro"/>
+            </a:endParaRPr>
+          </a:p>
+          <a:p>
+            <a:pPr lvl="0" defTabSz="914400" eaLnBrk="0" fontAlgn="base" hangingPunct="0">
+              <a:spcBef>
+                <a:spcPct val="0"/>
+              </a:spcBef>
+              <a:spcAft>
+                <a:spcPct val="0"/>
+              </a:spcAft>
+            </a:pPr>
+            <a:r>
+              <a:rPr kumimoji="0" lang="pt-PT" altLang="pt-PT" sz="1150" b="0" i="0" u="none" strike="noStrike" cap="none" normalizeH="0" baseline="0" dirty="0">
+                <a:ln>
+                  <a:noFill/>
+                </a:ln>
+                <a:solidFill>
+                  <a:srgbClr val="E8BF6A"/>
+                </a:solidFill>
+                <a:effectLst/>
+                <a:latin typeface="Consolas" panose="020B0609020204030204" pitchFamily="49" charset="0"/>
+                <a:ea typeface="Source Code Pro"/>
+              </a:rPr>
+              <a:t>         &lt;</a:t>
+            </a:r>
+            <a:r>
+              <a:rPr kumimoji="0" lang="pt-PT" altLang="pt-PT" sz="1150" b="0" i="0" u="none" strike="noStrike" cap="none" normalizeH="0" baseline="0" dirty="0" err="1">
+                <a:ln>
+                  <a:noFill/>
+                </a:ln>
+                <a:solidFill>
+                  <a:srgbClr val="E8BF6A"/>
+                </a:solidFill>
+                <a:effectLst/>
+                <a:latin typeface="Consolas" panose="020B0609020204030204" pitchFamily="49" charset="0"/>
+                <a:ea typeface="Source Code Pro"/>
+              </a:rPr>
+              <a:t>td</a:t>
+            </a:r>
+            <a:r>
+              <a:rPr kumimoji="0" lang="pt-PT" altLang="pt-PT" sz="1150" b="0" i="0" u="none" strike="noStrike" cap="none" normalizeH="0" baseline="0" dirty="0">
+                <a:ln>
+                  <a:noFill/>
+                </a:ln>
+                <a:solidFill>
+                  <a:srgbClr val="E8BF6A"/>
+                </a:solidFill>
+                <a:effectLst/>
+                <a:latin typeface="Consolas" panose="020B0609020204030204" pitchFamily="49" charset="0"/>
+                <a:ea typeface="Source Code Pro"/>
+              </a:rPr>
+              <a:t> </a:t>
+            </a:r>
+            <a:r>
+              <a:rPr kumimoji="0" lang="pt-PT" altLang="pt-PT" sz="1150" b="0" i="0" u="none" strike="noStrike" cap="none" normalizeH="0" baseline="0" dirty="0" err="1">
+                <a:ln>
+                  <a:noFill/>
+                </a:ln>
+                <a:solidFill>
+                  <a:srgbClr val="BABABA"/>
+                </a:solidFill>
+                <a:effectLst/>
+                <a:latin typeface="Consolas" panose="020B0609020204030204" pitchFamily="49" charset="0"/>
+                <a:ea typeface="Source Code Pro"/>
+              </a:rPr>
+              <a:t>style</a:t>
+            </a:r>
+            <a:r>
+              <a:rPr kumimoji="0" lang="pt-PT" altLang="pt-PT" sz="1150" b="0" i="0" u="none" strike="noStrike" cap="none" normalizeH="0" baseline="0" dirty="0">
+                <a:ln>
+                  <a:noFill/>
+                </a:ln>
+                <a:solidFill>
+                  <a:srgbClr val="BABABA"/>
+                </a:solidFill>
+                <a:effectLst/>
+                <a:latin typeface="Consolas" panose="020B0609020204030204" pitchFamily="49" charset="0"/>
+                <a:ea typeface="Source Code Pro"/>
+              </a:rPr>
+              <a:t>=</a:t>
+            </a:r>
+            <a:r>
+              <a:rPr kumimoji="0" lang="pt-PT" altLang="pt-PT" sz="1150" b="0" i="0" u="none" strike="noStrike" cap="none" normalizeH="0" baseline="0" dirty="0">
+                <a:ln>
+                  <a:noFill/>
+                </a:ln>
+                <a:solidFill>
+                  <a:srgbClr val="A5C261"/>
+                </a:solidFill>
+                <a:effectLst/>
+                <a:latin typeface="Consolas" panose="020B0609020204030204" pitchFamily="49" charset="0"/>
+                <a:ea typeface="Source Code Pro"/>
+              </a:rPr>
+              <a:t>"</a:t>
+            </a:r>
+            <a:r>
+              <a:rPr kumimoji="0" lang="pt-PT" altLang="pt-PT" sz="1150" b="0" i="0" u="none" strike="noStrike" cap="none" normalizeH="0" baseline="0" dirty="0" err="1">
+                <a:ln>
+                  <a:noFill/>
+                </a:ln>
+                <a:solidFill>
+                  <a:srgbClr val="BABABA"/>
+                </a:solidFill>
+                <a:effectLst/>
+                <a:latin typeface="Consolas" panose="020B0609020204030204" pitchFamily="49" charset="0"/>
+                <a:ea typeface="Source Code Pro"/>
+              </a:rPr>
+              <a:t>border</a:t>
+            </a:r>
+            <a:r>
+              <a:rPr kumimoji="0" lang="pt-PT" altLang="pt-PT" sz="1150" b="0" i="0" u="none" strike="noStrike" cap="none" normalizeH="0" baseline="0" dirty="0">
+                <a:ln>
+                  <a:noFill/>
+                </a:ln>
+                <a:solidFill>
+                  <a:srgbClr val="A9B7C6"/>
+                </a:solidFill>
+                <a:effectLst/>
+                <a:latin typeface="Consolas" panose="020B0609020204030204" pitchFamily="49" charset="0"/>
+                <a:ea typeface="Source Code Pro"/>
+              </a:rPr>
+              <a:t>: </a:t>
+            </a:r>
+            <a:r>
+              <a:rPr kumimoji="0" lang="pt-PT" altLang="pt-PT" sz="1150" b="0" i="0" u="none" strike="noStrike" cap="none" normalizeH="0" baseline="0" dirty="0">
+                <a:ln>
+                  <a:noFill/>
+                </a:ln>
+                <a:solidFill>
+                  <a:srgbClr val="6897BB"/>
+                </a:solidFill>
+                <a:effectLst/>
+                <a:latin typeface="Consolas" panose="020B0609020204030204" pitchFamily="49" charset="0"/>
+                <a:ea typeface="Source Code Pro"/>
+              </a:rPr>
+              <a:t>1</a:t>
+            </a:r>
+            <a:r>
+              <a:rPr kumimoji="0" lang="pt-PT" altLang="pt-PT" sz="1150" b="0" i="0" u="none" strike="noStrike" cap="none" normalizeH="0" baseline="0" dirty="0">
+                <a:ln>
+                  <a:noFill/>
+                </a:ln>
+                <a:solidFill>
+                  <a:srgbClr val="A5C261"/>
+                </a:solidFill>
+                <a:effectLst/>
+                <a:latin typeface="Consolas" panose="020B0609020204030204" pitchFamily="49" charset="0"/>
+                <a:ea typeface="Source Code Pro"/>
+              </a:rPr>
+              <a:t>px </a:t>
+            </a:r>
+            <a:r>
+              <a:rPr kumimoji="0" lang="pt-PT" altLang="pt-PT" sz="1150" b="0" i="0" u="none" strike="noStrike" cap="none" normalizeH="0" baseline="0" dirty="0" err="1">
+                <a:ln>
+                  <a:noFill/>
+                </a:ln>
+                <a:solidFill>
+                  <a:srgbClr val="A5C261"/>
+                </a:solidFill>
+                <a:effectLst/>
+                <a:latin typeface="Consolas" panose="020B0609020204030204" pitchFamily="49" charset="0"/>
+                <a:ea typeface="Source Code Pro"/>
+              </a:rPr>
+              <a:t>black</a:t>
+            </a:r>
+            <a:r>
+              <a:rPr kumimoji="0" lang="pt-PT" altLang="pt-PT" sz="1150" b="0" i="0" u="none" strike="noStrike" cap="none" normalizeH="0" baseline="0" dirty="0">
+                <a:ln>
+                  <a:noFill/>
+                </a:ln>
+                <a:solidFill>
+                  <a:srgbClr val="A5C261"/>
+                </a:solidFill>
+                <a:effectLst/>
+                <a:latin typeface="Consolas" panose="020B0609020204030204" pitchFamily="49" charset="0"/>
+                <a:ea typeface="Source Code Pro"/>
+              </a:rPr>
+              <a:t> </a:t>
+            </a:r>
+            <a:r>
+              <a:rPr kumimoji="0" lang="pt-PT" altLang="pt-PT" sz="1150" b="0" i="0" u="none" strike="noStrike" cap="none" normalizeH="0" baseline="0" dirty="0" err="1">
+                <a:ln>
+                  <a:noFill/>
+                </a:ln>
+                <a:solidFill>
+                  <a:srgbClr val="A5C261"/>
+                </a:solidFill>
+                <a:effectLst/>
+                <a:latin typeface="Consolas" panose="020B0609020204030204" pitchFamily="49" charset="0"/>
+                <a:ea typeface="Source Code Pro"/>
+              </a:rPr>
+              <a:t>solid</a:t>
+            </a:r>
+            <a:r>
+              <a:rPr kumimoji="0" lang="pt-PT" altLang="pt-PT" sz="1150" b="0" i="0" u="none" strike="noStrike" cap="none" normalizeH="0" baseline="0" dirty="0">
+                <a:ln>
+                  <a:noFill/>
+                </a:ln>
+                <a:solidFill>
+                  <a:srgbClr val="A5C261"/>
+                </a:solidFill>
+                <a:effectLst/>
+                <a:latin typeface="Consolas" panose="020B0609020204030204" pitchFamily="49" charset="0"/>
+                <a:ea typeface="Source Code Pro"/>
+              </a:rPr>
+              <a:t>"</a:t>
+            </a:r>
+            <a:r>
+              <a:rPr kumimoji="0" lang="pt-PT" altLang="pt-PT" sz="1150" b="0" i="0" u="none" strike="noStrike" cap="none" normalizeH="0" baseline="0" dirty="0">
+                <a:ln>
+                  <a:noFill/>
+                </a:ln>
+                <a:solidFill>
+                  <a:srgbClr val="E8BF6A"/>
+                </a:solidFill>
+                <a:effectLst/>
+                <a:latin typeface="Consolas" panose="020B0609020204030204" pitchFamily="49" charset="0"/>
+                <a:ea typeface="Source Code Pro"/>
+              </a:rPr>
+              <a:t>&gt;</a:t>
+            </a:r>
+            <a:br>
+              <a:rPr kumimoji="0" lang="pt-PT" altLang="pt-PT" sz="1150" b="0" i="0" u="none" strike="noStrike" cap="none" normalizeH="0" baseline="0" dirty="0">
+                <a:ln>
+                  <a:noFill/>
+                </a:ln>
+                <a:solidFill>
+                  <a:srgbClr val="E8BF6A"/>
+                </a:solidFill>
+                <a:effectLst/>
+                <a:latin typeface="Consolas" panose="020B0609020204030204" pitchFamily="49" charset="0"/>
+                <a:ea typeface="Source Code Pro"/>
+              </a:rPr>
+            </a:br>
+            <a:r>
+              <a:rPr kumimoji="0" lang="pt-PT" altLang="pt-PT" sz="1150" b="0" i="0" u="none" strike="noStrike" cap="none" normalizeH="0" baseline="0" dirty="0">
+                <a:ln>
+                  <a:noFill/>
+                </a:ln>
+                <a:solidFill>
+                  <a:srgbClr val="E8BF6A"/>
+                </a:solidFill>
+                <a:effectLst/>
+                <a:latin typeface="Consolas" panose="020B0609020204030204" pitchFamily="49" charset="0"/>
+                <a:ea typeface="Source Code Pro"/>
+              </a:rPr>
+              <a:t>            &lt;p&gt;</a:t>
+            </a:r>
+            <a:r>
+              <a:rPr kumimoji="0" lang="pt-PT" altLang="pt-PT" sz="1150" b="0" i="0" u="none" strike="noStrike" cap="none" normalizeH="0" baseline="0" dirty="0" err="1">
+                <a:ln>
+                  <a:noFill/>
+                </a:ln>
+                <a:solidFill>
+                  <a:srgbClr val="A9B7C6"/>
+                </a:solidFill>
+                <a:effectLst/>
+                <a:latin typeface="Consolas" panose="020B0609020204030204" pitchFamily="49" charset="0"/>
+                <a:ea typeface="Source Code Pro"/>
+              </a:rPr>
+              <a:t>Now</a:t>
+            </a:r>
+            <a:r>
+              <a:rPr kumimoji="0" lang="pt-PT" altLang="pt-PT" sz="1150" b="0" i="0" u="none" strike="noStrike" cap="none" normalizeH="0" baseline="0" dirty="0">
+                <a:ln>
+                  <a:noFill/>
+                </a:ln>
+                <a:solidFill>
+                  <a:srgbClr val="A9B7C6"/>
+                </a:solidFill>
+                <a:effectLst/>
+                <a:latin typeface="Consolas" panose="020B0609020204030204" pitchFamily="49" charset="0"/>
+                <a:ea typeface="Source Code Pro"/>
+              </a:rPr>
+              <a:t>, </a:t>
+            </a:r>
+            <a:r>
+              <a:rPr kumimoji="0" lang="pt-PT" altLang="pt-PT" sz="1150" b="0" i="0" u="none" strike="noStrike" cap="none" normalizeH="0" baseline="0" dirty="0" err="1">
+                <a:ln>
+                  <a:noFill/>
+                </a:ln>
+                <a:solidFill>
+                  <a:srgbClr val="A9B7C6"/>
+                </a:solidFill>
+                <a:effectLst/>
+                <a:latin typeface="Consolas" panose="020B0609020204030204" pitchFamily="49" charset="0"/>
+                <a:ea typeface="Source Code Pro"/>
+              </a:rPr>
+              <a:t>an</a:t>
+            </a:r>
+            <a:r>
+              <a:rPr kumimoji="0" lang="pt-PT" altLang="pt-PT" sz="1150" b="0" i="0" u="none" strike="noStrike" cap="none" normalizeH="0" baseline="0" dirty="0">
+                <a:ln>
+                  <a:noFill/>
+                </a:ln>
+                <a:solidFill>
+                  <a:srgbClr val="A9B7C6"/>
+                </a:solidFill>
+                <a:effectLst/>
+                <a:latin typeface="Consolas" panose="020B0609020204030204" pitchFamily="49" charset="0"/>
+                <a:ea typeface="Source Code Pro"/>
+              </a:rPr>
+              <a:t> </a:t>
+            </a:r>
+            <a:r>
+              <a:rPr kumimoji="0" lang="pt-PT" altLang="pt-PT" sz="1150" b="0" i="0" u="none" strike="noStrike" cap="none" normalizeH="0" baseline="0" dirty="0">
+                <a:ln>
+                  <a:noFill/>
+                </a:ln>
+                <a:solidFill>
+                  <a:srgbClr val="E8BF6A"/>
+                </a:solidFill>
+                <a:effectLst/>
+                <a:latin typeface="Consolas" panose="020B0609020204030204" pitchFamily="49" charset="0"/>
+                <a:ea typeface="Source Code Pro"/>
+              </a:rPr>
+              <a:t>&lt;</a:t>
+            </a:r>
+            <a:r>
+              <a:rPr kumimoji="0" lang="pt-PT" altLang="pt-PT" sz="1150" b="0" i="0" u="none" strike="noStrike" cap="none" normalizeH="0" baseline="0" dirty="0" err="1">
+                <a:ln>
+                  <a:noFill/>
+                </a:ln>
+                <a:solidFill>
+                  <a:srgbClr val="E8BF6A"/>
+                </a:solidFill>
+                <a:effectLst/>
+                <a:latin typeface="Consolas" panose="020B0609020204030204" pitchFamily="49" charset="0"/>
+                <a:ea typeface="Source Code Pro"/>
+              </a:rPr>
+              <a:t>strong</a:t>
+            </a:r>
+            <a:r>
+              <a:rPr kumimoji="0" lang="pt-PT" altLang="pt-PT" sz="1150" b="0" i="0" u="none" strike="noStrike" cap="none" normalizeH="0" baseline="0" dirty="0">
+                <a:ln>
+                  <a:noFill/>
+                </a:ln>
+                <a:solidFill>
+                  <a:srgbClr val="E8BF6A"/>
+                </a:solidFill>
+                <a:effectLst/>
+                <a:latin typeface="Consolas" panose="020B0609020204030204" pitchFamily="49" charset="0"/>
+                <a:ea typeface="Source Code Pro"/>
+              </a:rPr>
+              <a:t>&gt;</a:t>
+            </a:r>
+            <a:r>
+              <a:rPr kumimoji="0" lang="pt-PT" altLang="pt-PT" sz="1150" b="0" i="0" u="none" strike="noStrike" cap="none" normalizeH="0" baseline="0" dirty="0" err="1">
+                <a:ln>
+                  <a:noFill/>
+                </a:ln>
+                <a:solidFill>
+                  <a:srgbClr val="A9B7C6"/>
+                </a:solidFill>
+                <a:effectLst/>
+                <a:latin typeface="Consolas" panose="020B0609020204030204" pitchFamily="49" charset="0"/>
+                <a:ea typeface="Source Code Pro"/>
+              </a:rPr>
+              <a:t>ordered</a:t>
+            </a:r>
+            <a:r>
+              <a:rPr kumimoji="0" lang="pt-PT" altLang="pt-PT" sz="1150" b="0" i="0" u="none" strike="noStrike" cap="none" normalizeH="0" baseline="0" dirty="0">
+                <a:ln>
+                  <a:noFill/>
+                </a:ln>
+                <a:solidFill>
+                  <a:srgbClr val="A9B7C6"/>
+                </a:solidFill>
+                <a:effectLst/>
+                <a:latin typeface="Consolas" panose="020B0609020204030204" pitchFamily="49" charset="0"/>
+                <a:ea typeface="Source Code Pro"/>
+              </a:rPr>
+              <a:t> </a:t>
+            </a:r>
+            <a:r>
+              <a:rPr kumimoji="0" lang="pt-PT" altLang="pt-PT" sz="1150" b="0" i="0" u="none" strike="noStrike" cap="none" normalizeH="0" baseline="0" dirty="0" err="1">
+                <a:ln>
+                  <a:noFill/>
+                </a:ln>
+                <a:solidFill>
+                  <a:srgbClr val="A9B7C6"/>
+                </a:solidFill>
+                <a:effectLst/>
+                <a:latin typeface="Consolas" panose="020B0609020204030204" pitchFamily="49" charset="0"/>
+                <a:ea typeface="Source Code Pro"/>
+              </a:rPr>
+              <a:t>list</a:t>
+            </a:r>
+            <a:r>
+              <a:rPr kumimoji="0" lang="pt-PT" altLang="pt-PT" sz="1150" b="0" i="0" u="none" strike="noStrike" cap="none" normalizeH="0" baseline="0" dirty="0">
+                <a:ln>
+                  <a:noFill/>
+                </a:ln>
+                <a:solidFill>
+                  <a:srgbClr val="E8BF6A"/>
+                </a:solidFill>
+                <a:effectLst/>
+                <a:latin typeface="Consolas" panose="020B0609020204030204" pitchFamily="49" charset="0"/>
+                <a:ea typeface="Source Code Pro"/>
+              </a:rPr>
+              <a:t>&lt;/</a:t>
+            </a:r>
+            <a:r>
+              <a:rPr kumimoji="0" lang="pt-PT" altLang="pt-PT" sz="1150" b="0" i="0" u="none" strike="noStrike" cap="none" normalizeH="0" baseline="0" dirty="0" err="1">
+                <a:ln>
+                  <a:noFill/>
+                </a:ln>
+                <a:solidFill>
+                  <a:srgbClr val="E8BF6A"/>
+                </a:solidFill>
+                <a:effectLst/>
+                <a:latin typeface="Consolas" panose="020B0609020204030204" pitchFamily="49" charset="0"/>
+                <a:ea typeface="Source Code Pro"/>
+              </a:rPr>
+              <a:t>strong</a:t>
+            </a:r>
+            <a:r>
+              <a:rPr kumimoji="0" lang="pt-PT" altLang="pt-PT" sz="1150" b="0" i="0" u="none" strike="noStrike" cap="none" normalizeH="0" baseline="0" dirty="0">
+                <a:ln>
+                  <a:noFill/>
+                </a:ln>
+                <a:solidFill>
+                  <a:srgbClr val="E8BF6A"/>
+                </a:solidFill>
+                <a:effectLst/>
+                <a:latin typeface="Consolas" panose="020B0609020204030204" pitchFamily="49" charset="0"/>
+                <a:ea typeface="Source Code Pro"/>
+              </a:rPr>
+              <a:t>&gt;&lt;/p&gt;</a:t>
+            </a:r>
+            <a:br>
+              <a:rPr kumimoji="0" lang="pt-PT" altLang="pt-PT" sz="1150" b="0" i="0" u="none" strike="noStrike" cap="none" normalizeH="0" baseline="0" dirty="0">
+                <a:ln>
+                  <a:noFill/>
+                </a:ln>
+                <a:solidFill>
+                  <a:srgbClr val="E8BF6A"/>
+                </a:solidFill>
+                <a:effectLst/>
+                <a:latin typeface="Consolas" panose="020B0609020204030204" pitchFamily="49" charset="0"/>
+                <a:ea typeface="Source Code Pro"/>
+              </a:rPr>
+            </a:br>
+            <a:r>
+              <a:rPr kumimoji="0" lang="pt-PT" altLang="pt-PT" sz="1150" b="0" i="0" u="none" strike="noStrike" cap="none" normalizeH="0" baseline="0" dirty="0">
+                <a:ln>
+                  <a:noFill/>
+                </a:ln>
+                <a:solidFill>
+                  <a:srgbClr val="E8BF6A"/>
+                </a:solidFill>
+                <a:effectLst/>
+                <a:latin typeface="Consolas" panose="020B0609020204030204" pitchFamily="49" charset="0"/>
+                <a:ea typeface="Source Code Pro"/>
+              </a:rPr>
+              <a:t>            &lt;</a:t>
+            </a:r>
+            <a:r>
+              <a:rPr kumimoji="0" lang="pt-PT" altLang="pt-PT" sz="1150" b="0" i="0" u="none" strike="noStrike" cap="none" normalizeH="0" baseline="0" dirty="0" err="1">
+                <a:ln>
+                  <a:noFill/>
+                </a:ln>
+                <a:solidFill>
+                  <a:srgbClr val="E8BF6A"/>
+                </a:solidFill>
+                <a:effectLst/>
+                <a:latin typeface="Consolas" panose="020B0609020204030204" pitchFamily="49" charset="0"/>
+                <a:ea typeface="Source Code Pro"/>
+              </a:rPr>
+              <a:t>ol</a:t>
+            </a:r>
+            <a:r>
+              <a:rPr kumimoji="0" lang="pt-PT" altLang="pt-PT" sz="1150" b="0" i="0" u="none" strike="noStrike" cap="none" normalizeH="0" baseline="0" dirty="0">
+                <a:ln>
+                  <a:noFill/>
+                </a:ln>
+                <a:solidFill>
+                  <a:srgbClr val="E8BF6A"/>
+                </a:solidFill>
+                <a:effectLst/>
+                <a:latin typeface="Consolas" panose="020B0609020204030204" pitchFamily="49" charset="0"/>
+                <a:ea typeface="Source Code Pro"/>
+              </a:rPr>
+              <a:t>&gt;</a:t>
+            </a:r>
+            <a:br>
+              <a:rPr kumimoji="0" lang="pt-PT" altLang="pt-PT" sz="1150" b="0" i="0" u="none" strike="noStrike" cap="none" normalizeH="0" baseline="0" dirty="0">
+                <a:ln>
+                  <a:noFill/>
+                </a:ln>
+                <a:solidFill>
+                  <a:srgbClr val="E8BF6A"/>
+                </a:solidFill>
+                <a:effectLst/>
+                <a:latin typeface="Consolas" panose="020B0609020204030204" pitchFamily="49" charset="0"/>
+                <a:ea typeface="Source Code Pro"/>
+              </a:rPr>
+            </a:br>
+            <a:r>
+              <a:rPr kumimoji="0" lang="pt-PT" altLang="pt-PT" sz="1150" b="0" i="0" u="none" strike="noStrike" cap="none" normalizeH="0" baseline="0" dirty="0">
+                <a:ln>
+                  <a:noFill/>
+                </a:ln>
+                <a:solidFill>
+                  <a:srgbClr val="E8BF6A"/>
+                </a:solidFill>
+                <a:effectLst/>
+                <a:latin typeface="Consolas" panose="020B0609020204030204" pitchFamily="49" charset="0"/>
+                <a:ea typeface="Source Code Pro"/>
+              </a:rPr>
+              <a:t>               &lt;li&gt;&lt;</a:t>
+            </a:r>
+            <a:r>
+              <a:rPr kumimoji="0" lang="pt-PT" altLang="pt-PT" sz="1150" b="0" i="0" u="none" strike="noStrike" cap="none" normalizeH="0" baseline="0" dirty="0" err="1">
+                <a:ln>
+                  <a:noFill/>
+                </a:ln>
+                <a:solidFill>
+                  <a:srgbClr val="E8BF6A"/>
+                </a:solidFill>
+                <a:effectLst/>
+                <a:latin typeface="Consolas" panose="020B0609020204030204" pitchFamily="49" charset="0"/>
+                <a:ea typeface="Source Code Pro"/>
+              </a:rPr>
+              <a:t>img</a:t>
+            </a:r>
+            <a:r>
+              <a:rPr kumimoji="0" lang="pt-PT" altLang="pt-PT" sz="1150" b="0" i="0" u="none" strike="noStrike" cap="none" normalizeH="0" baseline="0" dirty="0">
+                <a:ln>
+                  <a:noFill/>
+                </a:ln>
+                <a:solidFill>
+                  <a:srgbClr val="E8BF6A"/>
+                </a:solidFill>
+                <a:effectLst/>
+                <a:latin typeface="Consolas" panose="020B0609020204030204" pitchFamily="49" charset="0"/>
+                <a:ea typeface="Source Code Pro"/>
+              </a:rPr>
+              <a:t> </a:t>
+            </a:r>
+            <a:r>
+              <a:rPr kumimoji="0" lang="pt-PT" altLang="pt-PT" sz="1150" b="0" i="0" u="none" strike="noStrike" cap="none" normalizeH="0" baseline="0" dirty="0" err="1">
+                <a:ln>
+                  <a:noFill/>
+                </a:ln>
+                <a:solidFill>
+                  <a:srgbClr val="BABABA"/>
+                </a:solidFill>
+                <a:effectLst/>
+                <a:latin typeface="Consolas" panose="020B0609020204030204" pitchFamily="49" charset="0"/>
+                <a:ea typeface="Source Code Pro"/>
+              </a:rPr>
+              <a:t>src</a:t>
+            </a:r>
+            <a:r>
+              <a:rPr kumimoji="0" lang="pt-PT" altLang="pt-PT" sz="1150" b="0" i="0" u="none" strike="noStrike" cap="none" normalizeH="0" baseline="0" dirty="0">
+                <a:ln>
+                  <a:noFill/>
+                </a:ln>
+                <a:solidFill>
+                  <a:srgbClr val="BABABA"/>
+                </a:solidFill>
+                <a:effectLst/>
+                <a:latin typeface="Consolas" panose="020B0609020204030204" pitchFamily="49" charset="0"/>
+                <a:ea typeface="Source Code Pro"/>
+              </a:rPr>
+              <a:t>=</a:t>
+            </a:r>
+            <a:r>
+              <a:rPr kumimoji="0" lang="pt-PT" altLang="pt-PT" sz="1150" b="0" i="0" u="none" strike="noStrike" cap="none" normalizeH="0" baseline="0" dirty="0">
+                <a:ln>
+                  <a:noFill/>
+                </a:ln>
+                <a:solidFill>
+                  <a:srgbClr val="A5C261"/>
+                </a:solidFill>
+                <a:effectLst/>
+                <a:latin typeface="Consolas" panose="020B0609020204030204" pitchFamily="49" charset="0"/>
+                <a:ea typeface="Source Code Pro"/>
+              </a:rPr>
+              <a:t>"http://lh3.googleusercontent.com/9eyLUVqzA-oLKFsQ4XI8aIF02c1QvwgSI5pg8IeLuk7rDkfHem_ET61FEoBXtT1GhVKgNHWU=w128-h128-n-no-v1"</a:t>
+            </a:r>
+            <a:r>
+              <a:rPr kumimoji="0" lang="pt-PT" altLang="pt-PT" sz="1150" b="0" i="0" u="none" strike="noStrike" cap="none" normalizeH="0" baseline="0" dirty="0">
+                <a:ln>
+                  <a:noFill/>
+                </a:ln>
+                <a:solidFill>
+                  <a:srgbClr val="E8BF6A"/>
+                </a:solidFill>
+                <a:effectLst/>
+                <a:latin typeface="Consolas" panose="020B0609020204030204" pitchFamily="49" charset="0"/>
+                <a:ea typeface="Source Code Pro"/>
+              </a:rPr>
+              <a:t>&gt;&lt;/li&gt;</a:t>
+            </a:r>
+            <a:br>
+              <a:rPr kumimoji="0" lang="pt-PT" altLang="pt-PT" sz="1150" b="0" i="0" u="none" strike="noStrike" cap="none" normalizeH="0" baseline="0" dirty="0">
+                <a:ln>
+                  <a:noFill/>
+                </a:ln>
+                <a:solidFill>
+                  <a:srgbClr val="E8BF6A"/>
+                </a:solidFill>
+                <a:effectLst/>
+                <a:latin typeface="Consolas" panose="020B0609020204030204" pitchFamily="49" charset="0"/>
+                <a:ea typeface="Source Code Pro"/>
+              </a:rPr>
+            </a:br>
+            <a:r>
+              <a:rPr kumimoji="0" lang="pt-PT" altLang="pt-PT" sz="1150" b="0" i="0" u="none" strike="noStrike" cap="none" normalizeH="0" baseline="0" dirty="0">
+                <a:ln>
+                  <a:noFill/>
+                </a:ln>
+                <a:solidFill>
+                  <a:srgbClr val="E8BF6A"/>
+                </a:solidFill>
+                <a:effectLst/>
+                <a:latin typeface="Consolas" panose="020B0609020204030204" pitchFamily="49" charset="0"/>
+                <a:ea typeface="Source Code Pro"/>
+              </a:rPr>
+              <a:t>               &lt;li&gt;&lt;</a:t>
+            </a:r>
+            <a:r>
+              <a:rPr kumimoji="0" lang="pt-PT" altLang="pt-PT" sz="1150" b="0" i="0" u="none" strike="noStrike" cap="none" normalizeH="0" baseline="0" dirty="0" err="1">
+                <a:ln>
+                  <a:noFill/>
+                </a:ln>
+                <a:solidFill>
+                  <a:srgbClr val="E8BF6A"/>
+                </a:solidFill>
+                <a:effectLst/>
+                <a:latin typeface="Consolas" panose="020B0609020204030204" pitchFamily="49" charset="0"/>
+                <a:ea typeface="Source Code Pro"/>
+              </a:rPr>
+              <a:t>img</a:t>
+            </a:r>
+            <a:r>
+              <a:rPr kumimoji="0" lang="pt-PT" altLang="pt-PT" sz="1150" b="0" i="0" u="none" strike="noStrike" cap="none" normalizeH="0" baseline="0" dirty="0">
+                <a:ln>
+                  <a:noFill/>
+                </a:ln>
+                <a:solidFill>
+                  <a:srgbClr val="E8BF6A"/>
+                </a:solidFill>
+                <a:effectLst/>
+                <a:latin typeface="Consolas" panose="020B0609020204030204" pitchFamily="49" charset="0"/>
+                <a:ea typeface="Source Code Pro"/>
+              </a:rPr>
+              <a:t> </a:t>
+            </a:r>
+            <a:r>
+              <a:rPr kumimoji="0" lang="pt-PT" altLang="pt-PT" sz="1150" b="0" i="0" u="none" strike="noStrike" cap="none" normalizeH="0" baseline="0" dirty="0" err="1">
+                <a:ln>
+                  <a:noFill/>
+                </a:ln>
+                <a:solidFill>
+                  <a:srgbClr val="BABABA"/>
+                </a:solidFill>
+                <a:effectLst/>
+                <a:latin typeface="Consolas" panose="020B0609020204030204" pitchFamily="49" charset="0"/>
+                <a:ea typeface="Source Code Pro"/>
+              </a:rPr>
+              <a:t>src</a:t>
+            </a:r>
+            <a:r>
+              <a:rPr kumimoji="0" lang="pt-PT" altLang="pt-PT" sz="1150" b="0" i="0" u="none" strike="noStrike" cap="none" normalizeH="0" baseline="0" dirty="0">
+                <a:ln>
+                  <a:noFill/>
+                </a:ln>
+                <a:solidFill>
+                  <a:srgbClr val="BABABA"/>
+                </a:solidFill>
+                <a:effectLst/>
+                <a:latin typeface="Consolas" panose="020B0609020204030204" pitchFamily="49" charset="0"/>
+                <a:ea typeface="Source Code Pro"/>
+              </a:rPr>
+              <a:t>=</a:t>
+            </a:r>
+            <a:r>
+              <a:rPr kumimoji="0" lang="pt-PT" altLang="pt-PT" sz="1150" b="0" i="0" u="none" strike="noStrike" cap="none" normalizeH="0" baseline="0" dirty="0">
+                <a:ln>
+                  <a:noFill/>
+                </a:ln>
+                <a:solidFill>
+                  <a:srgbClr val="A5C261"/>
+                </a:solidFill>
+                <a:effectLst/>
+                <a:latin typeface="Consolas" panose="020B0609020204030204" pitchFamily="49" charset="0"/>
+                <a:ea typeface="Source Code Pro"/>
+              </a:rPr>
+              <a:t>".//heart.png"</a:t>
+            </a:r>
+            <a:r>
+              <a:rPr kumimoji="0" lang="pt-PT" altLang="pt-PT" sz="1150" b="0" i="0" u="none" strike="noStrike" cap="none" normalizeH="0" baseline="0" dirty="0">
+                <a:ln>
+                  <a:noFill/>
+                </a:ln>
+                <a:solidFill>
+                  <a:srgbClr val="E8BF6A"/>
+                </a:solidFill>
+                <a:effectLst/>
+                <a:latin typeface="Consolas" panose="020B0609020204030204" pitchFamily="49" charset="0"/>
+                <a:ea typeface="Source Code Pro"/>
+              </a:rPr>
+              <a:t>&gt;&lt;/li&gt;</a:t>
+            </a:r>
+            <a:br>
+              <a:rPr kumimoji="0" lang="pt-PT" altLang="pt-PT" sz="1150" b="0" i="0" u="none" strike="noStrike" cap="none" normalizeH="0" baseline="0" dirty="0">
+                <a:ln>
+                  <a:noFill/>
+                </a:ln>
+                <a:solidFill>
+                  <a:srgbClr val="E8BF6A"/>
+                </a:solidFill>
+                <a:effectLst/>
+                <a:latin typeface="Consolas" panose="020B0609020204030204" pitchFamily="49" charset="0"/>
+                <a:ea typeface="Source Code Pro"/>
+              </a:rPr>
+            </a:br>
+            <a:r>
+              <a:rPr kumimoji="0" lang="pt-PT" altLang="pt-PT" sz="1150" b="0" i="0" u="none" strike="noStrike" cap="none" normalizeH="0" baseline="0" dirty="0">
+                <a:ln>
+                  <a:noFill/>
+                </a:ln>
+                <a:solidFill>
+                  <a:srgbClr val="E8BF6A"/>
+                </a:solidFill>
+                <a:effectLst/>
+                <a:latin typeface="Consolas" panose="020B0609020204030204" pitchFamily="49" charset="0"/>
+                <a:ea typeface="Source Code Pro"/>
+              </a:rPr>
+              <a:t>               &lt;li&gt;&lt;a </a:t>
+            </a:r>
+            <a:r>
+              <a:rPr kumimoji="0" lang="pt-PT" altLang="pt-PT" sz="1150" b="0" i="0" u="none" strike="noStrike" cap="none" normalizeH="0" baseline="0" dirty="0" err="1">
+                <a:ln>
+                  <a:noFill/>
+                </a:ln>
+                <a:solidFill>
+                  <a:srgbClr val="BABABA"/>
+                </a:solidFill>
+                <a:effectLst/>
+                <a:latin typeface="Consolas" panose="020B0609020204030204" pitchFamily="49" charset="0"/>
+                <a:ea typeface="Source Code Pro"/>
+              </a:rPr>
+              <a:t>href</a:t>
+            </a:r>
+            <a:r>
+              <a:rPr kumimoji="0" lang="pt-PT" altLang="pt-PT" sz="1150" b="0" i="0" u="none" strike="noStrike" cap="none" normalizeH="0" baseline="0" dirty="0">
+                <a:ln>
+                  <a:noFill/>
+                </a:ln>
+                <a:solidFill>
+                  <a:srgbClr val="BABABA"/>
+                </a:solidFill>
+                <a:effectLst/>
+                <a:latin typeface="Consolas" panose="020B0609020204030204" pitchFamily="49" charset="0"/>
+                <a:ea typeface="Source Code Pro"/>
+              </a:rPr>
+              <a:t>=</a:t>
+            </a:r>
+            <a:r>
+              <a:rPr kumimoji="0" lang="pt-PT" altLang="pt-PT" sz="1150" b="0" i="0" u="none" strike="noStrike" cap="none" normalizeH="0" baseline="0" dirty="0">
+                <a:ln>
+                  <a:noFill/>
+                </a:ln>
+                <a:solidFill>
+                  <a:srgbClr val="A5C261"/>
+                </a:solidFill>
+                <a:effectLst/>
+                <a:latin typeface="Consolas" panose="020B0609020204030204" pitchFamily="49" charset="0"/>
+                <a:ea typeface="Source Code Pro"/>
+              </a:rPr>
+              <a:t>"https://en.wikipedia.org/wiki/Doge_of_Venice"</a:t>
+            </a:r>
+            <a:r>
+              <a:rPr kumimoji="0" lang="pt-PT" altLang="pt-PT" sz="1150" b="0" i="0" u="none" strike="noStrike" cap="none" normalizeH="0" baseline="0" dirty="0">
+                <a:ln>
+                  <a:noFill/>
+                </a:ln>
+                <a:solidFill>
+                  <a:srgbClr val="E8BF6A"/>
+                </a:solidFill>
+                <a:effectLst/>
+                <a:latin typeface="Consolas" panose="020B0609020204030204" pitchFamily="49" charset="0"/>
+                <a:ea typeface="Source Code Pro"/>
+              </a:rPr>
+              <a:t>&gt;</a:t>
+            </a:r>
+            <a:r>
+              <a:rPr kumimoji="0" lang="pt-PT" altLang="pt-PT" sz="1150" b="0" i="0" u="none" strike="noStrike" cap="none" normalizeH="0" baseline="0" dirty="0">
+                <a:ln>
+                  <a:noFill/>
+                </a:ln>
+                <a:solidFill>
+                  <a:srgbClr val="A9B7C6"/>
+                </a:solidFill>
+                <a:effectLst/>
+                <a:latin typeface="Consolas" panose="020B0609020204030204" pitchFamily="49" charset="0"/>
+                <a:ea typeface="Source Code Pro"/>
+              </a:rPr>
+              <a:t>Doge </a:t>
+            </a:r>
+            <a:r>
+              <a:rPr kumimoji="0" lang="pt-PT" altLang="pt-PT" sz="1150" b="0" i="0" u="none" strike="noStrike" cap="none" normalizeH="0" baseline="0" dirty="0" err="1">
+                <a:ln>
+                  <a:noFill/>
+                </a:ln>
+                <a:solidFill>
+                  <a:srgbClr val="A9B7C6"/>
+                </a:solidFill>
+                <a:effectLst/>
+                <a:latin typeface="Consolas" panose="020B0609020204030204" pitchFamily="49" charset="0"/>
+                <a:ea typeface="Source Code Pro"/>
+              </a:rPr>
+              <a:t>of</a:t>
+            </a:r>
+            <a:r>
+              <a:rPr kumimoji="0" lang="pt-PT" altLang="pt-PT" sz="1150" b="0" i="0" u="none" strike="noStrike" cap="none" normalizeH="0" baseline="0" dirty="0">
+                <a:ln>
+                  <a:noFill/>
+                </a:ln>
+                <a:solidFill>
+                  <a:srgbClr val="A9B7C6"/>
+                </a:solidFill>
+                <a:effectLst/>
+                <a:latin typeface="Consolas" panose="020B0609020204030204" pitchFamily="49" charset="0"/>
+                <a:ea typeface="Source Code Pro"/>
+              </a:rPr>
+              <a:t> </a:t>
+            </a:r>
+            <a:r>
+              <a:rPr kumimoji="0" lang="pt-PT" altLang="pt-PT" sz="1150" b="0" i="0" u="none" strike="noStrike" cap="none" normalizeH="0" baseline="0" dirty="0" err="1">
+                <a:ln>
+                  <a:noFill/>
+                </a:ln>
+                <a:solidFill>
+                  <a:srgbClr val="A9B7C6"/>
+                </a:solidFill>
+                <a:effectLst/>
+                <a:latin typeface="Consolas" panose="020B0609020204030204" pitchFamily="49" charset="0"/>
+                <a:ea typeface="Source Code Pro"/>
+              </a:rPr>
+              <a:t>Venice</a:t>
+            </a:r>
+            <a:r>
+              <a:rPr kumimoji="0" lang="pt-PT" altLang="pt-PT" sz="1150" b="0" i="0" u="none" strike="noStrike" cap="none" normalizeH="0" baseline="0" dirty="0">
+                <a:ln>
+                  <a:noFill/>
+                </a:ln>
+                <a:solidFill>
+                  <a:srgbClr val="E8BF6A"/>
+                </a:solidFill>
+                <a:effectLst/>
+                <a:latin typeface="Consolas" panose="020B0609020204030204" pitchFamily="49" charset="0"/>
+                <a:ea typeface="Source Code Pro"/>
+              </a:rPr>
+              <a:t>&lt;/a&gt;&lt;/li&gt;</a:t>
+            </a:r>
+            <a:br>
+              <a:rPr kumimoji="0" lang="pt-PT" altLang="pt-PT" sz="1150" b="0" i="0" u="none" strike="noStrike" cap="none" normalizeH="0" baseline="0" dirty="0">
+                <a:ln>
+                  <a:noFill/>
+                </a:ln>
+                <a:solidFill>
+                  <a:srgbClr val="E8BF6A"/>
+                </a:solidFill>
+                <a:effectLst/>
+                <a:latin typeface="Consolas" panose="020B0609020204030204" pitchFamily="49" charset="0"/>
+                <a:ea typeface="Source Code Pro"/>
+              </a:rPr>
+            </a:br>
+            <a:r>
+              <a:rPr kumimoji="0" lang="pt-PT" altLang="pt-PT" sz="1150" b="0" i="0" u="none" strike="noStrike" cap="none" normalizeH="0" baseline="0" dirty="0">
+                <a:ln>
+                  <a:noFill/>
+                </a:ln>
+                <a:solidFill>
+                  <a:srgbClr val="E8BF6A"/>
+                </a:solidFill>
+                <a:effectLst/>
+                <a:latin typeface="Consolas" panose="020B0609020204030204" pitchFamily="49" charset="0"/>
+                <a:ea typeface="Source Code Pro"/>
+              </a:rPr>
+              <a:t>               &lt;li&gt;</a:t>
+            </a:r>
+            <a:r>
+              <a:rPr kumimoji="0" lang="pt-PT" altLang="pt-PT" sz="1150" b="0" i="0" u="none" strike="noStrike" cap="none" normalizeH="0" baseline="0" dirty="0">
+                <a:ln>
+                  <a:noFill/>
+                </a:ln>
+                <a:solidFill>
+                  <a:srgbClr val="A9B7C6"/>
+                </a:solidFill>
+                <a:effectLst/>
+                <a:latin typeface="Consolas" panose="020B0609020204030204" pitchFamily="49" charset="0"/>
+                <a:ea typeface="Source Code Pro"/>
+              </a:rPr>
+              <a:t>More </a:t>
+            </a:r>
+            <a:r>
+              <a:rPr kumimoji="0" lang="pt-PT" altLang="pt-PT" sz="1150" b="0" i="0" u="none" strike="noStrike" cap="none" normalizeH="0" baseline="0" dirty="0" err="1">
+                <a:ln>
+                  <a:noFill/>
+                </a:ln>
+                <a:solidFill>
+                  <a:srgbClr val="A9B7C6"/>
+                </a:solidFill>
+                <a:effectLst/>
+                <a:latin typeface="Consolas" panose="020B0609020204030204" pitchFamily="49" charset="0"/>
+                <a:ea typeface="Source Code Pro"/>
+              </a:rPr>
+              <a:t>about</a:t>
+            </a:r>
+            <a:r>
+              <a:rPr kumimoji="0" lang="pt-PT" altLang="pt-PT" sz="1150" b="0" i="0" u="none" strike="noStrike" cap="none" normalizeH="0" baseline="0" dirty="0">
+                <a:ln>
+                  <a:noFill/>
+                </a:ln>
+                <a:solidFill>
+                  <a:srgbClr val="A9B7C6"/>
+                </a:solidFill>
+                <a:effectLst/>
+                <a:latin typeface="Consolas" panose="020B0609020204030204" pitchFamily="49" charset="0"/>
+                <a:ea typeface="Source Code Pro"/>
+              </a:rPr>
+              <a:t> </a:t>
+            </a:r>
+            <a:r>
+              <a:rPr kumimoji="0" lang="pt-PT" altLang="pt-PT" sz="1150" b="0" i="0" u="none" strike="noStrike" cap="none" normalizeH="0" baseline="0" dirty="0" err="1">
+                <a:ln>
+                  <a:noFill/>
+                </a:ln>
+                <a:solidFill>
+                  <a:srgbClr val="A9B7C6"/>
+                </a:solidFill>
+                <a:effectLst/>
+                <a:latin typeface="Consolas" panose="020B0609020204030204" pitchFamily="49" charset="0"/>
+                <a:ea typeface="Source Code Pro"/>
+              </a:rPr>
+              <a:t>html</a:t>
+            </a:r>
+            <a:r>
+              <a:rPr kumimoji="0" lang="pt-PT" altLang="pt-PT" sz="1150" b="0" i="0" u="none" strike="noStrike" cap="none" normalizeH="0" baseline="0" dirty="0">
+                <a:ln>
+                  <a:noFill/>
+                </a:ln>
+                <a:solidFill>
+                  <a:srgbClr val="A9B7C6"/>
+                </a:solidFill>
+                <a:effectLst/>
+                <a:latin typeface="Consolas" panose="020B0609020204030204" pitchFamily="49" charset="0"/>
+                <a:ea typeface="Source Code Pro"/>
+              </a:rPr>
+              <a:t> </a:t>
+            </a:r>
+            <a:r>
+              <a:rPr kumimoji="0" lang="pt-PT" altLang="pt-PT" sz="1150" b="0" i="0" u="none" strike="noStrike" cap="none" normalizeH="0" baseline="0" dirty="0">
+                <a:ln>
+                  <a:noFill/>
+                </a:ln>
+                <a:solidFill>
+                  <a:srgbClr val="E8BF6A"/>
+                </a:solidFill>
+                <a:effectLst/>
+                <a:latin typeface="Consolas" panose="020B0609020204030204" pitchFamily="49" charset="0"/>
+                <a:ea typeface="Source Code Pro"/>
+              </a:rPr>
+              <a:t>&lt;a </a:t>
+            </a:r>
+            <a:r>
+              <a:rPr kumimoji="0" lang="pt-PT" altLang="pt-PT" sz="1150" b="0" i="0" u="none" strike="noStrike" cap="none" normalizeH="0" baseline="0" dirty="0" err="1">
+                <a:ln>
+                  <a:noFill/>
+                </a:ln>
+                <a:solidFill>
+                  <a:srgbClr val="BABABA"/>
+                </a:solidFill>
+                <a:effectLst/>
+                <a:latin typeface="Consolas" panose="020B0609020204030204" pitchFamily="49" charset="0"/>
+                <a:ea typeface="Source Code Pro"/>
+              </a:rPr>
+              <a:t>href</a:t>
+            </a:r>
+            <a:r>
+              <a:rPr kumimoji="0" lang="pt-PT" altLang="pt-PT" sz="1150" b="0" i="0" u="none" strike="noStrike" cap="none" normalizeH="0" baseline="0" dirty="0">
+                <a:ln>
+                  <a:noFill/>
+                </a:ln>
+                <a:solidFill>
+                  <a:srgbClr val="BABABA"/>
+                </a:solidFill>
+                <a:effectLst/>
+                <a:latin typeface="Consolas" panose="020B0609020204030204" pitchFamily="49" charset="0"/>
+                <a:ea typeface="Source Code Pro"/>
+              </a:rPr>
+              <a:t>=</a:t>
+            </a:r>
+            <a:r>
+              <a:rPr kumimoji="0" lang="pt-PT" altLang="pt-PT" sz="1150" b="0" i="0" u="none" strike="noStrike" cap="none" normalizeH="0" baseline="0" dirty="0">
+                <a:ln>
+                  <a:noFill/>
+                </a:ln>
+                <a:solidFill>
+                  <a:srgbClr val="A5C261"/>
+                </a:solidFill>
+                <a:effectLst/>
+                <a:latin typeface="Consolas" panose="020B0609020204030204" pitchFamily="49" charset="0"/>
+                <a:ea typeface="Source Code Pro"/>
+              </a:rPr>
+              <a:t>"https://www.w3schools.com/html/default.asp"</a:t>
+            </a:r>
+            <a:r>
+              <a:rPr kumimoji="0" lang="pt-PT" altLang="pt-PT" sz="1150" b="0" i="0" u="none" strike="noStrike" cap="none" normalizeH="0" baseline="0" dirty="0">
+                <a:ln>
+                  <a:noFill/>
+                </a:ln>
+                <a:solidFill>
+                  <a:srgbClr val="E8BF6A"/>
+                </a:solidFill>
+                <a:effectLst/>
+                <a:latin typeface="Consolas" panose="020B0609020204030204" pitchFamily="49" charset="0"/>
+                <a:ea typeface="Source Code Pro"/>
+              </a:rPr>
+              <a:t>&gt;</a:t>
+            </a:r>
+            <a:r>
+              <a:rPr kumimoji="0" lang="pt-PT" altLang="pt-PT" sz="1150" b="0" i="0" u="none" strike="noStrike" cap="none" normalizeH="0" baseline="0" dirty="0">
+                <a:ln>
+                  <a:noFill/>
+                </a:ln>
+                <a:solidFill>
+                  <a:srgbClr val="A9B7C6"/>
+                </a:solidFill>
+                <a:effectLst/>
+                <a:latin typeface="Consolas" panose="020B0609020204030204" pitchFamily="49" charset="0"/>
+                <a:ea typeface="Source Code Pro"/>
+              </a:rPr>
+              <a:t>here</a:t>
+            </a:r>
+            <a:r>
+              <a:rPr kumimoji="0" lang="pt-PT" altLang="pt-PT" sz="1150" b="0" i="0" u="none" strike="noStrike" cap="none" normalizeH="0" baseline="0" dirty="0">
+                <a:ln>
+                  <a:noFill/>
+                </a:ln>
+                <a:solidFill>
+                  <a:srgbClr val="E8BF6A"/>
+                </a:solidFill>
+                <a:effectLst/>
+                <a:latin typeface="Consolas" panose="020B0609020204030204" pitchFamily="49" charset="0"/>
+                <a:ea typeface="Source Code Pro"/>
+              </a:rPr>
+              <a:t>&lt;/a&gt;&lt;/li&gt;</a:t>
+            </a:r>
+            <a:br>
+              <a:rPr kumimoji="0" lang="pt-PT" altLang="pt-PT" sz="1150" b="0" i="0" u="none" strike="noStrike" cap="none" normalizeH="0" baseline="0" dirty="0">
+                <a:ln>
+                  <a:noFill/>
+                </a:ln>
+                <a:solidFill>
+                  <a:srgbClr val="E8BF6A"/>
+                </a:solidFill>
+                <a:effectLst/>
+                <a:latin typeface="Consolas" panose="020B0609020204030204" pitchFamily="49" charset="0"/>
+                <a:ea typeface="Source Code Pro"/>
+              </a:rPr>
+            </a:br>
+            <a:r>
+              <a:rPr kumimoji="0" lang="pt-PT" altLang="pt-PT" sz="1150" b="0" i="0" u="none" strike="noStrike" cap="none" normalizeH="0" baseline="0" dirty="0">
+                <a:ln>
+                  <a:noFill/>
+                </a:ln>
+                <a:solidFill>
+                  <a:srgbClr val="E8BF6A"/>
+                </a:solidFill>
+                <a:effectLst/>
+                <a:latin typeface="Consolas" panose="020B0609020204030204" pitchFamily="49" charset="0"/>
+                <a:ea typeface="Source Code Pro"/>
+              </a:rPr>
+              <a:t>            &lt;/</a:t>
+            </a:r>
+            <a:r>
+              <a:rPr kumimoji="0" lang="pt-PT" altLang="pt-PT" sz="1150" b="0" i="0" u="none" strike="noStrike" cap="none" normalizeH="0" baseline="0" dirty="0" err="1">
+                <a:ln>
+                  <a:noFill/>
+                </a:ln>
+                <a:solidFill>
+                  <a:srgbClr val="E8BF6A"/>
+                </a:solidFill>
+                <a:effectLst/>
+                <a:latin typeface="Consolas" panose="020B0609020204030204" pitchFamily="49" charset="0"/>
+                <a:ea typeface="Source Code Pro"/>
+              </a:rPr>
+              <a:t>ol</a:t>
+            </a:r>
+            <a:r>
+              <a:rPr kumimoji="0" lang="pt-PT" altLang="pt-PT" sz="1150" b="0" i="0" u="none" strike="noStrike" cap="none" normalizeH="0" baseline="0" dirty="0">
+                <a:ln>
+                  <a:noFill/>
+                </a:ln>
+                <a:solidFill>
+                  <a:srgbClr val="E8BF6A"/>
+                </a:solidFill>
+                <a:effectLst/>
+                <a:latin typeface="Consolas" panose="020B0609020204030204" pitchFamily="49" charset="0"/>
+                <a:ea typeface="Source Code Pro"/>
+              </a:rPr>
+              <a:t>&gt;</a:t>
+            </a:r>
+            <a:br>
+              <a:rPr kumimoji="0" lang="pt-PT" altLang="pt-PT" sz="1150" b="0" i="0" u="none" strike="noStrike" cap="none" normalizeH="0" baseline="0" dirty="0">
+                <a:ln>
+                  <a:noFill/>
+                </a:ln>
+                <a:solidFill>
+                  <a:srgbClr val="E8BF6A"/>
+                </a:solidFill>
+                <a:effectLst/>
+                <a:latin typeface="Consolas" panose="020B0609020204030204" pitchFamily="49" charset="0"/>
+                <a:ea typeface="Source Code Pro"/>
+              </a:rPr>
+            </a:br>
+            <a:r>
+              <a:rPr kumimoji="0" lang="pt-PT" altLang="pt-PT" sz="1150" b="0" i="0" u="none" strike="noStrike" cap="none" normalizeH="0" baseline="0" dirty="0">
+                <a:ln>
+                  <a:noFill/>
+                </a:ln>
+                <a:solidFill>
+                  <a:srgbClr val="E8BF6A"/>
+                </a:solidFill>
+                <a:effectLst/>
+                <a:latin typeface="Consolas" panose="020B0609020204030204" pitchFamily="49" charset="0"/>
+                <a:ea typeface="Source Code Pro"/>
+              </a:rPr>
+              <a:t>         &lt;/</a:t>
+            </a:r>
+            <a:r>
+              <a:rPr kumimoji="0" lang="pt-PT" altLang="pt-PT" sz="1150" b="0" i="0" u="none" strike="noStrike" cap="none" normalizeH="0" baseline="0" dirty="0" err="1">
+                <a:ln>
+                  <a:noFill/>
+                </a:ln>
+                <a:solidFill>
+                  <a:srgbClr val="E8BF6A"/>
+                </a:solidFill>
+                <a:effectLst/>
+                <a:latin typeface="Consolas" panose="020B0609020204030204" pitchFamily="49" charset="0"/>
+                <a:ea typeface="Source Code Pro"/>
+              </a:rPr>
+              <a:t>td</a:t>
+            </a:r>
+            <a:r>
+              <a:rPr kumimoji="0" lang="pt-PT" altLang="pt-PT" sz="1150" b="0" i="0" u="none" strike="noStrike" cap="none" normalizeH="0" baseline="0" dirty="0">
+                <a:ln>
+                  <a:noFill/>
+                </a:ln>
+                <a:solidFill>
+                  <a:srgbClr val="E8BF6A"/>
+                </a:solidFill>
+                <a:effectLst/>
+                <a:latin typeface="Consolas" panose="020B0609020204030204" pitchFamily="49" charset="0"/>
+                <a:ea typeface="Source Code Pro"/>
+              </a:rPr>
+              <a:t>&gt;</a:t>
+            </a:r>
+            <a:br>
+              <a:rPr kumimoji="0" lang="pt-PT" altLang="pt-PT" sz="1150" b="0" i="0" u="none" strike="noStrike" cap="none" normalizeH="0" baseline="0" dirty="0">
+                <a:ln>
+                  <a:noFill/>
+                </a:ln>
+                <a:solidFill>
+                  <a:srgbClr val="E8BF6A"/>
+                </a:solidFill>
+                <a:effectLst/>
+                <a:latin typeface="Consolas" panose="020B0609020204030204" pitchFamily="49" charset="0"/>
+                <a:ea typeface="Source Code Pro"/>
+              </a:rPr>
+            </a:br>
+            <a:r>
+              <a:rPr kumimoji="0" lang="pt-PT" altLang="pt-PT" sz="1150" b="0" i="0" u="none" strike="noStrike" cap="none" normalizeH="0" baseline="0" dirty="0">
+                <a:ln>
+                  <a:noFill/>
+                </a:ln>
+                <a:solidFill>
+                  <a:srgbClr val="E8BF6A"/>
+                </a:solidFill>
+                <a:effectLst/>
+                <a:latin typeface="Consolas" panose="020B0609020204030204" pitchFamily="49" charset="0"/>
+                <a:ea typeface="Source Code Pro"/>
+              </a:rPr>
+              <a:t>      &lt;/</a:t>
+            </a:r>
+            <a:r>
+              <a:rPr kumimoji="0" lang="pt-PT" altLang="pt-PT" sz="1150" b="0" i="0" u="none" strike="noStrike" cap="none" normalizeH="0" baseline="0" dirty="0" err="1">
+                <a:ln>
+                  <a:noFill/>
+                </a:ln>
+                <a:solidFill>
+                  <a:srgbClr val="E8BF6A"/>
+                </a:solidFill>
+                <a:effectLst/>
+                <a:latin typeface="Consolas" panose="020B0609020204030204" pitchFamily="49" charset="0"/>
+                <a:ea typeface="Source Code Pro"/>
+              </a:rPr>
+              <a:t>tr</a:t>
+            </a:r>
+            <a:r>
+              <a:rPr kumimoji="0" lang="pt-PT" altLang="pt-PT" sz="1150" b="0" i="0" u="none" strike="noStrike" cap="none" normalizeH="0" baseline="0" dirty="0">
+                <a:ln>
+                  <a:noFill/>
+                </a:ln>
+                <a:solidFill>
+                  <a:srgbClr val="E8BF6A"/>
+                </a:solidFill>
+                <a:effectLst/>
+                <a:latin typeface="Consolas" panose="020B0609020204030204" pitchFamily="49" charset="0"/>
+                <a:ea typeface="Source Code Pro"/>
+              </a:rPr>
+              <a:t>&gt;</a:t>
+            </a:r>
+            <a:br>
+              <a:rPr kumimoji="0" lang="pt-PT" altLang="pt-PT" sz="1150" b="0" i="0" u="none" strike="noStrike" cap="none" normalizeH="0" baseline="0" dirty="0">
+                <a:ln>
+                  <a:noFill/>
+                </a:ln>
+                <a:solidFill>
+                  <a:srgbClr val="E8BF6A"/>
+                </a:solidFill>
+                <a:effectLst/>
+                <a:latin typeface="Consolas" panose="020B0609020204030204" pitchFamily="49" charset="0"/>
+                <a:ea typeface="Source Code Pro"/>
+              </a:rPr>
+            </a:br>
+            <a:r>
+              <a:rPr kumimoji="0" lang="pt-PT" altLang="pt-PT" sz="1150" b="0" i="0" u="none" strike="noStrike" cap="none" normalizeH="0" baseline="0" dirty="0">
+                <a:ln>
+                  <a:noFill/>
+                </a:ln>
+                <a:solidFill>
+                  <a:srgbClr val="E8BF6A"/>
+                </a:solidFill>
+                <a:effectLst/>
+                <a:latin typeface="Consolas" panose="020B0609020204030204" pitchFamily="49" charset="0"/>
+                <a:ea typeface="Source Code Pro"/>
+              </a:rPr>
+              <a:t>   &lt;/</a:t>
+            </a:r>
+            <a:r>
+              <a:rPr kumimoji="0" lang="pt-PT" altLang="pt-PT" sz="1150" b="0" i="0" u="none" strike="noStrike" cap="none" normalizeH="0" baseline="0" dirty="0" err="1">
+                <a:ln>
+                  <a:noFill/>
+                </a:ln>
+                <a:solidFill>
+                  <a:srgbClr val="E8BF6A"/>
+                </a:solidFill>
+                <a:effectLst/>
+                <a:latin typeface="Consolas" panose="020B0609020204030204" pitchFamily="49" charset="0"/>
+                <a:ea typeface="Source Code Pro"/>
+              </a:rPr>
+              <a:t>table</a:t>
+            </a:r>
+            <a:r>
+              <a:rPr kumimoji="0" lang="pt-PT" altLang="pt-PT" sz="1150" b="0" i="0" u="none" strike="noStrike" cap="none" normalizeH="0" baseline="0" dirty="0">
+                <a:ln>
+                  <a:noFill/>
+                </a:ln>
+                <a:solidFill>
+                  <a:srgbClr val="E8BF6A"/>
+                </a:solidFill>
+                <a:effectLst/>
+                <a:latin typeface="Consolas" panose="020B0609020204030204" pitchFamily="49" charset="0"/>
+                <a:ea typeface="Source Code Pro"/>
+              </a:rPr>
+              <a:t>&gt;</a:t>
+            </a:r>
+            <a:br>
+              <a:rPr kumimoji="0" lang="pt-PT" altLang="pt-PT" sz="1150" b="0" i="0" u="none" strike="noStrike" cap="none" normalizeH="0" baseline="0" dirty="0">
+                <a:ln>
+                  <a:noFill/>
+                </a:ln>
+                <a:solidFill>
+                  <a:srgbClr val="E8BF6A"/>
+                </a:solidFill>
+                <a:effectLst/>
+                <a:latin typeface="Consolas" panose="020B0609020204030204" pitchFamily="49" charset="0"/>
+                <a:ea typeface="Source Code Pro"/>
+              </a:rPr>
+            </a:br>
+            <a:r>
+              <a:rPr kumimoji="0" lang="pt-PT" altLang="pt-PT" sz="1150" b="0" i="0" u="none" strike="noStrike" cap="none" normalizeH="0" baseline="0" dirty="0">
+                <a:ln>
+                  <a:noFill/>
+                </a:ln>
+                <a:solidFill>
+                  <a:srgbClr val="E8BF6A"/>
+                </a:solidFill>
+                <a:effectLst/>
+                <a:latin typeface="Consolas" panose="020B0609020204030204" pitchFamily="49" charset="0"/>
+                <a:ea typeface="Source Code Pro"/>
+              </a:rPr>
+              <a:t>&lt;/body&gt;</a:t>
+            </a:r>
+            <a:br>
+              <a:rPr kumimoji="0" lang="pt-PT" altLang="pt-PT" sz="1150" b="0" i="0" u="none" strike="noStrike" cap="none" normalizeH="0" baseline="0" dirty="0">
+                <a:ln>
+                  <a:noFill/>
+                </a:ln>
+                <a:solidFill>
+                  <a:srgbClr val="E8BF6A"/>
+                </a:solidFill>
+                <a:effectLst/>
+                <a:latin typeface="Consolas" panose="020B0609020204030204" pitchFamily="49" charset="0"/>
+                <a:ea typeface="Source Code Pro"/>
+              </a:rPr>
+            </a:br>
+            <a:r>
+              <a:rPr kumimoji="0" lang="pt-PT" altLang="pt-PT" sz="1150" b="0" i="0" u="none" strike="noStrike" cap="none" normalizeH="0" baseline="0" dirty="0">
+                <a:ln>
+                  <a:noFill/>
+                </a:ln>
+                <a:solidFill>
+                  <a:srgbClr val="E8BF6A"/>
+                </a:solidFill>
+                <a:effectLst/>
+                <a:latin typeface="Consolas" panose="020B0609020204030204" pitchFamily="49" charset="0"/>
+                <a:ea typeface="Source Code Pro"/>
+              </a:rPr>
+              <a:t>&lt;/</a:t>
+            </a:r>
+            <a:r>
+              <a:rPr kumimoji="0" lang="pt-PT" altLang="pt-PT" sz="1150" b="0" i="0" u="none" strike="noStrike" cap="none" normalizeH="0" baseline="0" dirty="0" err="1">
+                <a:ln>
+                  <a:noFill/>
+                </a:ln>
+                <a:solidFill>
+                  <a:srgbClr val="E8BF6A"/>
+                </a:solidFill>
+                <a:effectLst/>
+                <a:latin typeface="Consolas" panose="020B0609020204030204" pitchFamily="49" charset="0"/>
+                <a:ea typeface="Source Code Pro"/>
+              </a:rPr>
+              <a:t>html</a:t>
+            </a:r>
+            <a:r>
+              <a:rPr kumimoji="0" lang="pt-PT" altLang="pt-PT" sz="1150" b="0" i="0" u="none" strike="noStrike" cap="none" normalizeH="0" baseline="0" dirty="0">
+                <a:ln>
+                  <a:noFill/>
+                </a:ln>
+                <a:solidFill>
+                  <a:srgbClr val="E8BF6A"/>
+                </a:solidFill>
+                <a:effectLst/>
+                <a:latin typeface="Consolas" panose="020B0609020204030204" pitchFamily="49" charset="0"/>
+                <a:ea typeface="Source Code Pro"/>
+              </a:rPr>
+              <a:t>&gt;</a:t>
+            </a:r>
+            <a:endParaRPr kumimoji="0" lang="pt-PT" altLang="pt-PT" sz="1150" b="0" i="0" u="none" strike="noStrike" cap="none" normalizeH="0" baseline="0" dirty="0">
+              <a:ln>
+                <a:noFill/>
+              </a:ln>
+              <a:solidFill>
+                <a:schemeClr val="tx1"/>
+              </a:solidFill>
+              <a:effectLst/>
+              <a:latin typeface="Consolas" panose="020B0609020204030204" pitchFamily="49" charset="0"/>
+            </a:endParaRPr>
+          </a:p>
+        </p:txBody>
+      </p:sp>
+    </p:spTree>
+    <p:extLst>
+      <p:ext uri="{BB962C8B-B14F-4D97-AF65-F5344CB8AC3E}">
+        <p14:creationId xmlns:p14="http://schemas.microsoft.com/office/powerpoint/2010/main" val="1193447372"/>
+      </p:ext>
+    </p:extLst>
+  </p:cSld>
+  <p:clrMapOvr>
+    <a:masterClrMapping/>
+  </p:clrMapOvr>
+</p:sld>
+</file>
+
+<file path=ppt/slides/slide5.xml><?xml version="1.0" encoding="utf-8"?>
 <p:sld xmlns:a="http://schemas.openxmlformats.org/drawingml/2006/main" xmlns:r="http://schemas.openxmlformats.org/officeDocument/2006/relationships" xmlns:p="http://schemas.openxmlformats.org/presentationml/2006/main">
   <p:cSld>
     <p:spTree>
@@ -3726,7 +7754,7 @@
                 </a:solidFill>
                 <a:latin typeface="Consolas" panose="020B0609020204030204" pitchFamily="49" charset="0"/>
               </a:rPr>
-              <a:t>"http://www.columbia.edu/~fdc/sample.html"</a:t>
+              <a:t>"https://java-mooc.github.io/Advanced-Java/ex1.html"</a:t>
             </a:r>
             <a:r>
               <a:rPr lang="pt-PT" b="1" dirty="0">
@@ -4949,7 +8977,7 @@
 </p:sld>
 </file>
 
-<file path=ppt/slides/slide4.xml><?xml version="1.0" encoding="utf-8"?>
+<file path=ppt/slides/slide6.xml><?xml version="1.0" encoding="utf-8"?>
 <p:sld xmlns:a="http://schemas.openxmlformats.org/drawingml/2006/main" xmlns:r="http://schemas.openxmlformats.org/officeDocument/2006/relationships" xmlns:p="http://schemas.openxmlformats.org/presentationml/2006/main">
   <p:cSld>
     <p:spTree>
@@ -4981,7 +9009,7 @@
         <p:spPr>
           <a:xfrm>
             <a:off x="410816" y="343118"/>
-            <a:ext cx="11661913" cy="6186309"/>
+            <a:ext cx="11661913" cy="646331"/>
           </a:xfrm>
           <a:prstGeom prst="rect">
             <a:avLst/>
@@ -4994,1376 +9022,407 @@
           <a:lstStyle/>
           <a:p>
             <a:r>
-              <a:rPr lang="pt-PT" b="1" dirty="0" err="1">
-                <a:solidFill>
-                  <a:srgbClr val="DD2867"/>
-                </a:solidFill>
-                <a:latin typeface="Consolas" panose="020B0609020204030204" pitchFamily="49" charset="0"/>
-              </a:rPr>
-              <a:t>try</a:t>
-            </a:r>
-            <a:r>
-              <a:rPr lang="pt-PT" b="1" dirty="0">
-                <a:solidFill>
-                  <a:srgbClr val="D9E8F7"/>
-                </a:solidFill>
-                <a:latin typeface="Consolas" panose="020B0609020204030204" pitchFamily="49" charset="0"/>
-              </a:rPr>
-              <a:t> </a:t>
-            </a:r>
-            <a:r>
-              <a:rPr lang="pt-PT" b="1" dirty="0">
-                <a:solidFill>
-                  <a:srgbClr val="F9FAF4"/>
-                </a:solidFill>
-                <a:latin typeface="Consolas" panose="020B0609020204030204" pitchFamily="49" charset="0"/>
-              </a:rPr>
-              <a:t>{</a:t>
-            </a:r>
-          </a:p>
-          <a:p>
-            <a:r>
-              <a:rPr lang="pt-PT" dirty="0">
-                <a:solidFill>
-                  <a:srgbClr val="626262"/>
-                </a:solidFill>
-                <a:latin typeface="Consolas" panose="020B0609020204030204" pitchFamily="49" charset="0"/>
-              </a:rPr>
-              <a:t>//A </a:t>
-            </a:r>
-            <a:r>
-              <a:rPr lang="pt-PT" u="sng" dirty="0">
-                <a:solidFill>
-                  <a:srgbClr val="626262"/>
-                </a:solidFill>
-                <a:latin typeface="Consolas" panose="020B0609020204030204" pitchFamily="49" charset="0"/>
-              </a:rPr>
-              <a:t>tentar conectarmos com o </a:t>
-            </a:r>
-            <a:r>
-              <a:rPr lang="pt-PT" u="sng" dirty="0" err="1">
-                <a:solidFill>
-                  <a:srgbClr val="626262"/>
-                </a:solidFill>
-                <a:latin typeface="Consolas" panose="020B0609020204030204" pitchFamily="49" charset="0"/>
-              </a:rPr>
-              <a:t>url</a:t>
-            </a:r>
-            <a:endParaRPr lang="pt-PT" u="sng" dirty="0">
-              <a:solidFill>
-                <a:srgbClr val="626262"/>
-              </a:solidFill>
-              <a:latin typeface="Consolas" panose="020B0609020204030204" pitchFamily="49" charset="0"/>
-            </a:endParaRPr>
-          </a:p>
-          <a:p>
-            <a:r>
-              <a:rPr lang="pt-PT" b="1" dirty="0">
-                <a:solidFill>
-                  <a:srgbClr val="1290C3"/>
-                </a:solidFill>
-                <a:latin typeface="Consolas" panose="020B0609020204030204" pitchFamily="49" charset="0"/>
-              </a:rPr>
-              <a:t>URL</a:t>
-            </a:r>
-            <a:r>
-              <a:rPr lang="pt-PT" b="1" dirty="0">
-                <a:solidFill>
-                  <a:srgbClr val="D9E8F7"/>
-                </a:solidFill>
-                <a:latin typeface="Consolas" panose="020B0609020204030204" pitchFamily="49" charset="0"/>
-              </a:rPr>
-              <a:t> </a:t>
-            </a:r>
-            <a:r>
-              <a:rPr lang="pt-PT" b="1" dirty="0" err="1">
-                <a:solidFill>
-                  <a:srgbClr val="ED7F48"/>
-                </a:solidFill>
-                <a:latin typeface="Consolas" panose="020B0609020204030204" pitchFamily="49" charset="0"/>
-              </a:rPr>
-              <a:t>url</a:t>
-            </a:r>
-            <a:r>
-              <a:rPr lang="pt-PT" b="1" dirty="0">
-                <a:solidFill>
-                  <a:srgbClr val="D9E8F7"/>
-                </a:solidFill>
-                <a:latin typeface="Consolas" panose="020B0609020204030204" pitchFamily="49" charset="0"/>
-              </a:rPr>
-              <a:t> </a:t>
-            </a:r>
-            <a:r>
-              <a:rPr lang="pt-PT" b="1" dirty="0">
-                <a:solidFill>
-                  <a:srgbClr val="E6E6FA"/>
-                </a:solidFill>
-                <a:latin typeface="Consolas" panose="020B0609020204030204" pitchFamily="49" charset="0"/>
-              </a:rPr>
-              <a:t>=</a:t>
-            </a:r>
-            <a:r>
-              <a:rPr lang="pt-PT" b="1" dirty="0">
-                <a:solidFill>
-                  <a:srgbClr val="D9E8F7"/>
-                </a:solidFill>
-                <a:latin typeface="Consolas" panose="020B0609020204030204" pitchFamily="49" charset="0"/>
-              </a:rPr>
-              <a:t> </a:t>
-            </a:r>
-            <a:r>
-              <a:rPr lang="pt-PT" b="1" dirty="0" err="1">
-                <a:solidFill>
-                  <a:srgbClr val="DD2867"/>
-                </a:solidFill>
-                <a:latin typeface="Consolas" panose="020B0609020204030204" pitchFamily="49" charset="0"/>
-              </a:rPr>
-              <a:t>new</a:t>
-            </a:r>
-            <a:r>
-              <a:rPr lang="pt-PT" b="1" dirty="0">
-                <a:solidFill>
-                  <a:srgbClr val="D9E8F7"/>
-                </a:solidFill>
-                <a:latin typeface="Consolas" panose="020B0609020204030204" pitchFamily="49" charset="0"/>
-              </a:rPr>
-              <a:t> </a:t>
-            </a:r>
-            <a:r>
-              <a:rPr lang="pt-PT" b="1" dirty="0">
-                <a:solidFill>
-                  <a:srgbClr val="A7EC21"/>
-                </a:solidFill>
-                <a:latin typeface="Consolas" panose="020B0609020204030204" pitchFamily="49" charset="0"/>
-              </a:rPr>
-              <a:t>URL</a:t>
-            </a:r>
-            <a:r>
-              <a:rPr lang="pt-PT" b="1" dirty="0">
-                <a:solidFill>
-                  <a:srgbClr val="F9FAF4"/>
-                </a:solidFill>
-                <a:latin typeface="Consolas" panose="020B0609020204030204" pitchFamily="49" charset="0"/>
-              </a:rPr>
-              <a:t>(</a:t>
-            </a:r>
-            <a:r>
-              <a:rPr lang="pt-PT" b="1" dirty="0">
-                <a:solidFill>
-                  <a:srgbClr val="17C6A3"/>
-                </a:solidFill>
-                <a:latin typeface="Consolas" panose="020B0609020204030204" pitchFamily="49" charset="0"/>
-              </a:rPr>
-              <a:t>"http://www.columbia.edu/~fdc/sample.html"</a:t>
-            </a:r>
-            <a:r>
-              <a:rPr lang="pt-PT" b="1" dirty="0">
-                <a:solidFill>
-                  <a:srgbClr val="F9FAF4"/>
-                </a:solidFill>
-                <a:latin typeface="Consolas" panose="020B0609020204030204" pitchFamily="49" charset="0"/>
-              </a:rPr>
-              <a:t>)</a:t>
-            </a:r>
-            <a:r>
-              <a:rPr lang="pt-PT" b="1" dirty="0">
-                <a:solidFill>
-                  <a:srgbClr val="E6E6FA"/>
-                </a:solidFill>
-                <a:latin typeface="Consolas" panose="020B0609020204030204" pitchFamily="49" charset="0"/>
-              </a:rPr>
-              <a:t>;</a:t>
-            </a:r>
-          </a:p>
-          <a:p>
-            <a:r>
-              <a:rPr lang="pt-PT" b="1" dirty="0" err="1">
-                <a:solidFill>
-                  <a:srgbClr val="1290C3"/>
-                </a:solidFill>
-                <a:latin typeface="Consolas" panose="020B0609020204030204" pitchFamily="49" charset="0"/>
-              </a:rPr>
-              <a:t>String</a:t>
-            </a:r>
-            <a:r>
-              <a:rPr lang="pt-PT" b="1" dirty="0">
-                <a:solidFill>
-                  <a:srgbClr val="D9E8F7"/>
-                </a:solidFill>
-                <a:latin typeface="Consolas" panose="020B0609020204030204" pitchFamily="49" charset="0"/>
-              </a:rPr>
-              <a:t> </a:t>
-            </a:r>
-            <a:r>
-              <a:rPr lang="pt-PT" b="1" dirty="0" err="1">
-                <a:solidFill>
-                  <a:srgbClr val="ED7F48"/>
-                </a:solidFill>
-                <a:latin typeface="Consolas" panose="020B0609020204030204" pitchFamily="49" charset="0"/>
-              </a:rPr>
-              <a:t>textoRecebido</a:t>
-            </a:r>
-            <a:r>
-              <a:rPr lang="pt-PT" b="1" dirty="0">
-                <a:solidFill>
-                  <a:srgbClr val="D9E8F7"/>
-                </a:solidFill>
-                <a:latin typeface="Consolas" panose="020B0609020204030204" pitchFamily="49" charset="0"/>
-              </a:rPr>
-              <a:t> </a:t>
-            </a:r>
-            <a:r>
-              <a:rPr lang="pt-PT" b="1" dirty="0">
-                <a:solidFill>
-                  <a:srgbClr val="E6E6FA"/>
-                </a:solidFill>
-                <a:latin typeface="Consolas" panose="020B0609020204030204" pitchFamily="49" charset="0"/>
-              </a:rPr>
-              <a:t>=</a:t>
-            </a:r>
-            <a:r>
-              <a:rPr lang="pt-PT" b="1" dirty="0">
-                <a:solidFill>
-                  <a:srgbClr val="D9E8F7"/>
-                </a:solidFill>
-                <a:latin typeface="Consolas" panose="020B0609020204030204" pitchFamily="49" charset="0"/>
-              </a:rPr>
-              <a:t> </a:t>
-            </a:r>
-            <a:r>
-              <a:rPr lang="pt-PT" b="1" dirty="0">
-                <a:solidFill>
-                  <a:srgbClr val="17C6A3"/>
-                </a:solidFill>
-                <a:latin typeface="Consolas" panose="020B0609020204030204" pitchFamily="49" charset="0"/>
-              </a:rPr>
-              <a:t>""</a:t>
-            </a:r>
-            <a:r>
-              <a:rPr lang="pt-PT" b="1" dirty="0">
-                <a:solidFill>
-                  <a:srgbClr val="E6E6FA"/>
-                </a:solidFill>
-                <a:latin typeface="Consolas" panose="020B0609020204030204" pitchFamily="49" charset="0"/>
-              </a:rPr>
-              <a:t>;</a:t>
-            </a:r>
-          </a:p>
-          <a:p>
-            <a:endParaRPr lang="pt-PT" dirty="0">
-              <a:latin typeface="Consolas" panose="020B0609020204030204" pitchFamily="49" charset="0"/>
-            </a:endParaRPr>
-          </a:p>
-          <a:p>
-            <a:r>
-              <a:rPr lang="pt-PT" dirty="0">
-                <a:solidFill>
-                  <a:srgbClr val="626262"/>
-                </a:solidFill>
-                <a:latin typeface="Consolas" panose="020B0609020204030204" pitchFamily="49" charset="0"/>
-              </a:rPr>
-              <a:t>//</a:t>
-            </a:r>
-            <a:r>
-              <a:rPr lang="pt-PT" u="sng" dirty="0">
-                <a:solidFill>
-                  <a:srgbClr val="626262"/>
-                </a:solidFill>
-                <a:latin typeface="Consolas" panose="020B0609020204030204" pitchFamily="49" charset="0"/>
-              </a:rPr>
-              <a:t>Aqui pedimos a página web em questão</a:t>
-            </a:r>
-          </a:p>
-          <a:p>
-            <a:r>
-              <a:rPr lang="pt-PT" b="1" dirty="0" err="1">
-                <a:solidFill>
-                  <a:srgbClr val="3EABE6"/>
-                </a:solidFill>
-                <a:latin typeface="Consolas" panose="020B0609020204030204" pitchFamily="49" charset="0"/>
-              </a:rPr>
-              <a:t>URLConnection</a:t>
-            </a:r>
-            <a:r>
-              <a:rPr lang="pt-PT" b="1" dirty="0">
-                <a:solidFill>
-                  <a:srgbClr val="D9E8F7"/>
-                </a:solidFill>
-                <a:latin typeface="Consolas" panose="020B0609020204030204" pitchFamily="49" charset="0"/>
-              </a:rPr>
-              <a:t> </a:t>
-            </a:r>
-            <a:r>
-              <a:rPr lang="pt-PT" b="1" u="sng" dirty="0" err="1">
-                <a:solidFill>
-                  <a:srgbClr val="ED7F48"/>
-                </a:solidFill>
-                <a:latin typeface="Consolas" panose="020B0609020204030204" pitchFamily="49" charset="0"/>
-              </a:rPr>
-              <a:t>conexaoAoWebsite</a:t>
-            </a:r>
-            <a:r>
-              <a:rPr lang="pt-PT" b="1" u="sng" dirty="0">
-                <a:solidFill>
-                  <a:srgbClr val="D9E8F7"/>
-                </a:solidFill>
-                <a:latin typeface="Consolas" panose="020B0609020204030204" pitchFamily="49" charset="0"/>
-              </a:rPr>
-              <a:t> </a:t>
-            </a:r>
-            <a:r>
-              <a:rPr lang="pt-PT" b="1" u="sng" dirty="0">
-                <a:solidFill>
-                  <a:srgbClr val="E6E6FA"/>
-                </a:solidFill>
-                <a:latin typeface="Consolas" panose="020B0609020204030204" pitchFamily="49" charset="0"/>
-              </a:rPr>
-              <a:t>=</a:t>
-            </a:r>
-            <a:r>
-              <a:rPr lang="pt-PT" b="1" u="sng" dirty="0">
-                <a:solidFill>
-                  <a:srgbClr val="D9E8F7"/>
-                </a:solidFill>
-                <a:latin typeface="Consolas" panose="020B0609020204030204" pitchFamily="49" charset="0"/>
-              </a:rPr>
-              <a:t> </a:t>
-            </a:r>
-            <a:r>
-              <a:rPr lang="pt-PT" b="1" u="sng" dirty="0" err="1">
-                <a:solidFill>
-                  <a:srgbClr val="FFBF26"/>
-                </a:solidFill>
-                <a:latin typeface="Consolas" panose="020B0609020204030204" pitchFamily="49" charset="0"/>
-              </a:rPr>
-              <a:t>url</a:t>
-            </a:r>
-            <a:r>
-              <a:rPr lang="pt-PT" b="1" u="sng" dirty="0" err="1">
-                <a:solidFill>
-                  <a:srgbClr val="E6E6FA"/>
-                </a:solidFill>
-                <a:latin typeface="Consolas" panose="020B0609020204030204" pitchFamily="49" charset="0"/>
-              </a:rPr>
-              <a:t>.</a:t>
-            </a:r>
-            <a:r>
-              <a:rPr lang="pt-PT" b="1" u="sng" dirty="0" err="1">
-                <a:solidFill>
-                  <a:srgbClr val="A7EC21"/>
-                </a:solidFill>
-                <a:latin typeface="Consolas" panose="020B0609020204030204" pitchFamily="49" charset="0"/>
-              </a:rPr>
-              <a:t>openConnection</a:t>
-            </a:r>
-            <a:r>
-              <a:rPr lang="pt-PT" b="1" u="sng" dirty="0">
-                <a:solidFill>
-                  <a:srgbClr val="F9FAF4"/>
-                </a:solidFill>
-                <a:latin typeface="Consolas" panose="020B0609020204030204" pitchFamily="49" charset="0"/>
-              </a:rPr>
-              <a:t>()</a:t>
-            </a:r>
-            <a:r>
-              <a:rPr lang="pt-PT" b="1" u="sng" dirty="0">
-                <a:solidFill>
-                  <a:srgbClr val="E6E6FA"/>
-                </a:solidFill>
-                <a:latin typeface="Consolas" panose="020B0609020204030204" pitchFamily="49" charset="0"/>
-              </a:rPr>
-              <a:t>;</a:t>
-            </a:r>
-          </a:p>
-          <a:p>
-            <a:endParaRPr lang="pt-PT" dirty="0">
-              <a:latin typeface="Consolas" panose="020B0609020204030204" pitchFamily="49" charset="0"/>
-            </a:endParaRPr>
-          </a:p>
-          <a:p>
-            <a:r>
-              <a:rPr lang="pt-PT" dirty="0">
-                <a:solidFill>
-                  <a:srgbClr val="626262"/>
-                </a:solidFill>
-                <a:latin typeface="Consolas" panose="020B0609020204030204" pitchFamily="49" charset="0"/>
-              </a:rPr>
-              <a:t>//</a:t>
-            </a:r>
-            <a:r>
-              <a:rPr lang="pt-PT" dirty="0" err="1">
-                <a:solidFill>
-                  <a:srgbClr val="626262"/>
-                </a:solidFill>
-                <a:latin typeface="Consolas" panose="020B0609020204030204" pitchFamily="49" charset="0"/>
-              </a:rPr>
-              <a:t>Stream</a:t>
-            </a:r>
-            <a:r>
-              <a:rPr lang="pt-PT" dirty="0">
-                <a:solidFill>
-                  <a:srgbClr val="626262"/>
-                </a:solidFill>
-                <a:latin typeface="Consolas" panose="020B0609020204030204" pitchFamily="49" charset="0"/>
-              </a:rPr>
-              <a:t> </a:t>
-            </a:r>
-            <a:r>
-              <a:rPr lang="pt-PT" u="sng" dirty="0">
-                <a:solidFill>
-                  <a:srgbClr val="626262"/>
-                </a:solidFill>
-                <a:latin typeface="Consolas" panose="020B0609020204030204" pitchFamily="49" charset="0"/>
-              </a:rPr>
-              <a:t>onde recebemos os dados</a:t>
-            </a:r>
-          </a:p>
-          <a:p>
-            <a:r>
-              <a:rPr lang="pt-PT" b="1" dirty="0" err="1">
-                <a:solidFill>
-                  <a:srgbClr val="3EABE6"/>
-                </a:solidFill>
-                <a:latin typeface="Consolas" panose="020B0609020204030204" pitchFamily="49" charset="0"/>
-              </a:rPr>
-              <a:t>InputStream</a:t>
-            </a:r>
-            <a:r>
-              <a:rPr lang="pt-PT" b="1" dirty="0">
-                <a:solidFill>
-                  <a:srgbClr val="D9E8F7"/>
-                </a:solidFill>
-                <a:latin typeface="Consolas" panose="020B0609020204030204" pitchFamily="49" charset="0"/>
-              </a:rPr>
-              <a:t> </a:t>
-            </a:r>
-            <a:r>
-              <a:rPr lang="pt-PT" b="1" dirty="0" err="1">
-                <a:solidFill>
-                  <a:srgbClr val="ED7F48"/>
-                </a:solidFill>
-                <a:latin typeface="Consolas" panose="020B0609020204030204" pitchFamily="49" charset="0"/>
-              </a:rPr>
-              <a:t>streamDeLeitura</a:t>
-            </a:r>
-            <a:r>
-              <a:rPr lang="pt-PT" b="1" dirty="0">
-                <a:solidFill>
-                  <a:srgbClr val="D9E8F7"/>
-                </a:solidFill>
-                <a:latin typeface="Consolas" panose="020B0609020204030204" pitchFamily="49" charset="0"/>
-              </a:rPr>
-              <a:t> </a:t>
-            </a:r>
-            <a:r>
-              <a:rPr lang="pt-PT" b="1" dirty="0">
-                <a:solidFill>
-                  <a:srgbClr val="E6E6FA"/>
-                </a:solidFill>
-                <a:latin typeface="Consolas" panose="020B0609020204030204" pitchFamily="49" charset="0"/>
-              </a:rPr>
-              <a:t>=</a:t>
-            </a:r>
-            <a:r>
-              <a:rPr lang="pt-PT" b="1" dirty="0">
-                <a:solidFill>
-                  <a:srgbClr val="D9E8F7"/>
-                </a:solidFill>
-                <a:latin typeface="Consolas" panose="020B0609020204030204" pitchFamily="49" charset="0"/>
-              </a:rPr>
-              <a:t> </a:t>
-            </a:r>
-            <a:r>
-              <a:rPr lang="pt-PT" b="1" dirty="0" err="1">
-                <a:solidFill>
-                  <a:srgbClr val="FFBF26"/>
-                </a:solidFill>
-                <a:latin typeface="Consolas" panose="020B0609020204030204" pitchFamily="49" charset="0"/>
-              </a:rPr>
-              <a:t>url</a:t>
-            </a:r>
-            <a:r>
-              <a:rPr lang="pt-PT" b="1" dirty="0" err="1">
-                <a:solidFill>
-                  <a:srgbClr val="E6E6FA"/>
-                </a:solidFill>
-                <a:latin typeface="Consolas" panose="020B0609020204030204" pitchFamily="49" charset="0"/>
-              </a:rPr>
-              <a:t>.</a:t>
-            </a:r>
-            <a:r>
-              <a:rPr lang="pt-PT" b="1" dirty="0" err="1">
-                <a:solidFill>
-                  <a:srgbClr val="A7EC21"/>
-                </a:solidFill>
-                <a:latin typeface="Consolas" panose="020B0609020204030204" pitchFamily="49" charset="0"/>
-              </a:rPr>
-              <a:t>openStream</a:t>
-            </a:r>
-            <a:r>
-              <a:rPr lang="pt-PT" b="1" dirty="0">
-                <a:solidFill>
-                  <a:srgbClr val="F9FAF4"/>
-                </a:solidFill>
-                <a:latin typeface="Consolas" panose="020B0609020204030204" pitchFamily="49" charset="0"/>
-              </a:rPr>
-              <a:t>()</a:t>
-            </a:r>
-            <a:r>
-              <a:rPr lang="pt-PT" b="1" dirty="0">
-                <a:solidFill>
-                  <a:srgbClr val="E6E6FA"/>
-                </a:solidFill>
-                <a:latin typeface="Consolas" panose="020B0609020204030204" pitchFamily="49" charset="0"/>
-              </a:rPr>
-              <a:t>;</a:t>
-            </a:r>
-          </a:p>
-          <a:p>
-            <a:r>
-              <a:rPr lang="pt-PT" dirty="0">
-                <a:solidFill>
-                  <a:srgbClr val="626262"/>
-                </a:solidFill>
-                <a:latin typeface="Consolas" panose="020B0609020204030204" pitchFamily="49" charset="0"/>
-              </a:rPr>
-              <a:t>//Buffer </a:t>
-            </a:r>
-            <a:r>
-              <a:rPr lang="pt-PT" u="sng" dirty="0">
-                <a:solidFill>
-                  <a:srgbClr val="626262"/>
-                </a:solidFill>
-                <a:latin typeface="Consolas" panose="020B0609020204030204" pitchFamily="49" charset="0"/>
-              </a:rPr>
-              <a:t>onde armazenamos os dados</a:t>
-            </a:r>
-          </a:p>
-          <a:p>
-            <a:r>
               <a:rPr lang="en-US" dirty="0">
-                <a:solidFill>
-                  <a:srgbClr val="D9E8F7"/>
-                </a:solidFill>
-                <a:latin typeface="Consolas" panose="020B0609020204030204" pitchFamily="49" charset="0"/>
-              </a:rPr>
-              <a:t>        </a:t>
-            </a:r>
-            <a:r>
-              <a:rPr lang="en-US" b="1" dirty="0" err="1">
-                <a:solidFill>
-                  <a:srgbClr val="1290C3"/>
-                </a:solidFill>
-                <a:latin typeface="Consolas" panose="020B0609020204030204" pitchFamily="49" charset="0"/>
-              </a:rPr>
-              <a:t>BufferedReader</a:t>
-            </a:r>
-            <a:r>
-              <a:rPr lang="en-US" b="1" dirty="0">
-                <a:solidFill>
-                  <a:srgbClr val="D9E8F7"/>
-                </a:solidFill>
-                <a:latin typeface="Consolas" panose="020B0609020204030204" pitchFamily="49" charset="0"/>
-              </a:rPr>
-              <a:t> </a:t>
-            </a:r>
-            <a:r>
-              <a:rPr lang="en-US" b="1" dirty="0">
-                <a:solidFill>
-                  <a:srgbClr val="ED7F48"/>
-                </a:solidFill>
-                <a:latin typeface="Consolas" panose="020B0609020204030204" pitchFamily="49" charset="0"/>
-              </a:rPr>
-              <a:t>buffer</a:t>
-            </a:r>
-            <a:r>
-              <a:rPr lang="en-US" b="1" dirty="0">
-                <a:solidFill>
-                  <a:srgbClr val="D9E8F7"/>
-                </a:solidFill>
-                <a:latin typeface="Consolas" panose="020B0609020204030204" pitchFamily="49" charset="0"/>
-              </a:rPr>
-              <a:t> </a:t>
-            </a:r>
-            <a:r>
-              <a:rPr lang="en-US" b="1" dirty="0">
-                <a:solidFill>
-                  <a:srgbClr val="E6E6FA"/>
-                </a:solidFill>
-                <a:latin typeface="Consolas" panose="020B0609020204030204" pitchFamily="49" charset="0"/>
-              </a:rPr>
-              <a:t>=</a:t>
-            </a:r>
-            <a:r>
-              <a:rPr lang="en-US" b="1" dirty="0">
-                <a:solidFill>
-                  <a:srgbClr val="D9E8F7"/>
-                </a:solidFill>
-                <a:latin typeface="Consolas" panose="020B0609020204030204" pitchFamily="49" charset="0"/>
-              </a:rPr>
-              <a:t> </a:t>
-            </a:r>
-            <a:r>
-              <a:rPr lang="en-US" b="1" dirty="0">
-                <a:solidFill>
-                  <a:srgbClr val="DD2867"/>
-                </a:solidFill>
-                <a:latin typeface="Consolas" panose="020B0609020204030204" pitchFamily="49" charset="0"/>
-              </a:rPr>
-              <a:t>new</a:t>
-            </a:r>
-            <a:r>
-              <a:rPr lang="en-US" b="1" dirty="0">
-                <a:solidFill>
-                  <a:srgbClr val="D9E8F7"/>
-                </a:solidFill>
-                <a:latin typeface="Consolas" panose="020B0609020204030204" pitchFamily="49" charset="0"/>
-              </a:rPr>
-              <a:t> </a:t>
-            </a:r>
-            <a:r>
-              <a:rPr lang="en-US" b="1" dirty="0" err="1">
-                <a:solidFill>
-                  <a:srgbClr val="A7EC21"/>
-                </a:solidFill>
-                <a:latin typeface="Consolas" panose="020B0609020204030204" pitchFamily="49" charset="0"/>
-              </a:rPr>
-              <a:t>BufferedReader</a:t>
-            </a:r>
-            <a:r>
-              <a:rPr lang="en-US" b="1" dirty="0">
-                <a:solidFill>
-                  <a:srgbClr val="F9FAF4"/>
-                </a:solidFill>
-                <a:latin typeface="Consolas" panose="020B0609020204030204" pitchFamily="49" charset="0"/>
-              </a:rPr>
-              <a:t>(</a:t>
-            </a:r>
-            <a:r>
-              <a:rPr lang="en-US" b="1" dirty="0">
-                <a:solidFill>
-                  <a:srgbClr val="DD2867"/>
-                </a:solidFill>
-                <a:latin typeface="Consolas" panose="020B0609020204030204" pitchFamily="49" charset="0"/>
-              </a:rPr>
-              <a:t>new</a:t>
-            </a:r>
-            <a:r>
-              <a:rPr lang="en-US" b="1" dirty="0">
-                <a:solidFill>
-                  <a:srgbClr val="D9E8F7"/>
-                </a:solidFill>
-                <a:latin typeface="Consolas" panose="020B0609020204030204" pitchFamily="49" charset="0"/>
-              </a:rPr>
-              <a:t> </a:t>
-            </a:r>
-            <a:r>
-              <a:rPr lang="en-US" b="1" dirty="0" err="1">
-                <a:solidFill>
-                  <a:srgbClr val="A7EC21"/>
-                </a:solidFill>
-                <a:latin typeface="Consolas" panose="020B0609020204030204" pitchFamily="49" charset="0"/>
-              </a:rPr>
-              <a:t>InputStreamReader</a:t>
-            </a:r>
-            <a:r>
-              <a:rPr lang="en-US" b="1" dirty="0">
-                <a:solidFill>
-                  <a:srgbClr val="F9FAF4"/>
-                </a:solidFill>
-                <a:latin typeface="Consolas" panose="020B0609020204030204" pitchFamily="49" charset="0"/>
-              </a:rPr>
-              <a:t>(</a:t>
-            </a:r>
-            <a:r>
-              <a:rPr lang="en-US" b="1" dirty="0" err="1">
-                <a:solidFill>
-                  <a:srgbClr val="FFBF26"/>
-                </a:solidFill>
-                <a:latin typeface="Consolas" panose="020B0609020204030204" pitchFamily="49" charset="0"/>
-              </a:rPr>
-              <a:t>streamDeLeitura</a:t>
-            </a:r>
-            <a:r>
-              <a:rPr lang="en-US" b="1" dirty="0">
-                <a:solidFill>
-                  <a:srgbClr val="F9FAF4"/>
-                </a:solidFill>
-                <a:latin typeface="Consolas" panose="020B0609020204030204" pitchFamily="49" charset="0"/>
-              </a:rPr>
-              <a:t>))</a:t>
-            </a:r>
-            <a:r>
-              <a:rPr lang="en-US" b="1" dirty="0">
-                <a:solidFill>
-                  <a:srgbClr val="E6E6FA"/>
-                </a:solidFill>
-                <a:latin typeface="Consolas" panose="020B0609020204030204" pitchFamily="49" charset="0"/>
-              </a:rPr>
-              <a:t>;</a:t>
-            </a:r>
-          </a:p>
-          <a:p>
-            <a:r>
-              <a:rPr lang="pt-PT" dirty="0">
-                <a:solidFill>
-                  <a:srgbClr val="D9E8F7"/>
-                </a:solidFill>
-                <a:latin typeface="Consolas" panose="020B0609020204030204" pitchFamily="49" charset="0"/>
-              </a:rPr>
-              <a:t>        </a:t>
-            </a:r>
-          </a:p>
-          <a:p>
-            <a:r>
-              <a:rPr lang="pt-PT" dirty="0">
-                <a:solidFill>
-                  <a:srgbClr val="D9E8F7"/>
-                </a:solidFill>
-                <a:latin typeface="Consolas" panose="020B0609020204030204" pitchFamily="49" charset="0"/>
-              </a:rPr>
-              <a:t>        </a:t>
-            </a:r>
-            <a:r>
-              <a:rPr lang="pt-PT" b="1" dirty="0" err="1">
-                <a:solidFill>
-                  <a:srgbClr val="1290C3"/>
-                </a:solidFill>
-                <a:latin typeface="Consolas" panose="020B0609020204030204" pitchFamily="49" charset="0"/>
-              </a:rPr>
-              <a:t>String</a:t>
-            </a:r>
-            <a:r>
-              <a:rPr lang="pt-PT" b="1" dirty="0">
-                <a:solidFill>
-                  <a:srgbClr val="D9E8F7"/>
-                </a:solidFill>
-                <a:latin typeface="Consolas" panose="020B0609020204030204" pitchFamily="49" charset="0"/>
-              </a:rPr>
-              <a:t> </a:t>
-            </a:r>
-            <a:r>
-              <a:rPr lang="pt-PT" b="1" dirty="0" err="1">
-                <a:solidFill>
-                  <a:srgbClr val="ED7F48"/>
-                </a:solidFill>
-                <a:latin typeface="Consolas" panose="020B0609020204030204" pitchFamily="49" charset="0"/>
-              </a:rPr>
-              <a:t>textoDoBuffer</a:t>
-            </a:r>
-            <a:r>
-              <a:rPr lang="pt-PT" b="1" dirty="0">
-                <a:solidFill>
-                  <a:srgbClr val="E6E6FA"/>
-                </a:solidFill>
-                <a:latin typeface="Consolas" panose="020B0609020204030204" pitchFamily="49" charset="0"/>
-              </a:rPr>
-              <a:t>;</a:t>
-            </a:r>
-          </a:p>
-          <a:p>
-            <a:r>
-              <a:rPr lang="en-US" dirty="0">
-                <a:solidFill>
-                  <a:srgbClr val="D9E8F7"/>
-                </a:solidFill>
-                <a:latin typeface="Consolas" panose="020B0609020204030204" pitchFamily="49" charset="0"/>
-              </a:rPr>
-              <a:t>        </a:t>
-            </a:r>
-            <a:r>
-              <a:rPr lang="en-US" b="1" dirty="0">
-                <a:solidFill>
-                  <a:srgbClr val="DD2867"/>
-                </a:solidFill>
-                <a:latin typeface="Consolas" panose="020B0609020204030204" pitchFamily="49" charset="0"/>
-              </a:rPr>
-              <a:t>while</a:t>
-            </a:r>
-            <a:r>
-              <a:rPr lang="en-US" b="1" dirty="0">
-                <a:solidFill>
-                  <a:srgbClr val="D9E8F7"/>
-                </a:solidFill>
-                <a:latin typeface="Consolas" panose="020B0609020204030204" pitchFamily="49" charset="0"/>
-              </a:rPr>
-              <a:t> </a:t>
-            </a:r>
-            <a:r>
-              <a:rPr lang="en-US" b="1" dirty="0">
-                <a:solidFill>
-                  <a:srgbClr val="F9FAF4"/>
-                </a:solidFill>
-                <a:latin typeface="Consolas" panose="020B0609020204030204" pitchFamily="49" charset="0"/>
-              </a:rPr>
-              <a:t>((</a:t>
-            </a:r>
-            <a:r>
-              <a:rPr lang="en-US" b="1" dirty="0" err="1">
-                <a:solidFill>
-                  <a:srgbClr val="FFBF26"/>
-                </a:solidFill>
-                <a:latin typeface="Consolas" panose="020B0609020204030204" pitchFamily="49" charset="0"/>
-              </a:rPr>
-              <a:t>textoDoBuffer</a:t>
-            </a:r>
-            <a:r>
-              <a:rPr lang="en-US" b="1" dirty="0">
-                <a:solidFill>
-                  <a:srgbClr val="D9E8F7"/>
-                </a:solidFill>
-                <a:latin typeface="Consolas" panose="020B0609020204030204" pitchFamily="49" charset="0"/>
-              </a:rPr>
-              <a:t> </a:t>
-            </a:r>
-            <a:r>
-              <a:rPr lang="en-US" b="1" dirty="0">
-                <a:solidFill>
-                  <a:srgbClr val="E6E6FA"/>
-                </a:solidFill>
-                <a:latin typeface="Consolas" panose="020B0609020204030204" pitchFamily="49" charset="0"/>
-              </a:rPr>
-              <a:t>=</a:t>
-            </a:r>
-            <a:r>
-              <a:rPr lang="en-US" b="1" dirty="0">
-                <a:solidFill>
-                  <a:srgbClr val="D9E8F7"/>
-                </a:solidFill>
-                <a:latin typeface="Consolas" panose="020B0609020204030204" pitchFamily="49" charset="0"/>
-              </a:rPr>
-              <a:t> </a:t>
-            </a:r>
-            <a:r>
-              <a:rPr lang="en-US" b="1" dirty="0" err="1">
-                <a:solidFill>
-                  <a:srgbClr val="FFBF26"/>
-                </a:solidFill>
-                <a:latin typeface="Consolas" panose="020B0609020204030204" pitchFamily="49" charset="0"/>
-              </a:rPr>
-              <a:t>buffer</a:t>
-            </a:r>
-            <a:r>
-              <a:rPr lang="en-US" b="1" dirty="0" err="1">
-                <a:solidFill>
-                  <a:srgbClr val="E6E6FA"/>
-                </a:solidFill>
-                <a:latin typeface="Consolas" panose="020B0609020204030204" pitchFamily="49" charset="0"/>
-              </a:rPr>
-              <a:t>.</a:t>
-            </a:r>
-            <a:r>
-              <a:rPr lang="en-US" b="1" dirty="0" err="1">
-                <a:solidFill>
-                  <a:srgbClr val="A7EC21"/>
-                </a:solidFill>
-                <a:latin typeface="Consolas" panose="020B0609020204030204" pitchFamily="49" charset="0"/>
-              </a:rPr>
-              <a:t>readLine</a:t>
-            </a:r>
-            <a:r>
-              <a:rPr lang="en-US" b="1" dirty="0">
-                <a:solidFill>
-                  <a:srgbClr val="F9FAF4"/>
-                </a:solidFill>
-                <a:latin typeface="Consolas" panose="020B0609020204030204" pitchFamily="49" charset="0"/>
-              </a:rPr>
-              <a:t>())</a:t>
-            </a:r>
-            <a:r>
-              <a:rPr lang="en-US" b="1" dirty="0">
-                <a:solidFill>
-                  <a:srgbClr val="D9E8F7"/>
-                </a:solidFill>
-                <a:latin typeface="Consolas" panose="020B0609020204030204" pitchFamily="49" charset="0"/>
-              </a:rPr>
-              <a:t> </a:t>
-            </a:r>
-            <a:r>
-              <a:rPr lang="en-US" b="1" dirty="0">
-                <a:solidFill>
-                  <a:srgbClr val="E6E6FA"/>
-                </a:solidFill>
-                <a:latin typeface="Consolas" panose="020B0609020204030204" pitchFamily="49" charset="0"/>
-              </a:rPr>
-              <a:t>!=</a:t>
-            </a:r>
-            <a:r>
-              <a:rPr lang="en-US" b="1" dirty="0">
-                <a:solidFill>
-                  <a:srgbClr val="D9E8F7"/>
-                </a:solidFill>
-                <a:latin typeface="Consolas" panose="020B0609020204030204" pitchFamily="49" charset="0"/>
-              </a:rPr>
-              <a:t> </a:t>
-            </a:r>
-            <a:r>
-              <a:rPr lang="en-US" b="1" dirty="0">
-                <a:solidFill>
-                  <a:srgbClr val="DD2867"/>
-                </a:solidFill>
-                <a:latin typeface="Consolas" panose="020B0609020204030204" pitchFamily="49" charset="0"/>
-              </a:rPr>
-              <a:t>null</a:t>
-            </a:r>
-            <a:r>
-              <a:rPr lang="en-US" b="1" dirty="0">
-                <a:solidFill>
-                  <a:srgbClr val="F9FAF4"/>
-                </a:solidFill>
-                <a:latin typeface="Consolas" panose="020B0609020204030204" pitchFamily="49" charset="0"/>
-              </a:rPr>
-              <a:t>)</a:t>
-            </a:r>
-            <a:r>
-              <a:rPr lang="en-US" b="1" dirty="0">
-                <a:solidFill>
-                  <a:srgbClr val="D9E8F7"/>
-                </a:solidFill>
-                <a:latin typeface="Consolas" panose="020B0609020204030204" pitchFamily="49" charset="0"/>
-              </a:rPr>
-              <a:t> </a:t>
-            </a:r>
-            <a:r>
-              <a:rPr lang="en-US" b="1" dirty="0">
-                <a:solidFill>
-                  <a:srgbClr val="F9FAF4"/>
-                </a:solidFill>
-                <a:latin typeface="Consolas" panose="020B0609020204030204" pitchFamily="49" charset="0"/>
-              </a:rPr>
-              <a:t>{</a:t>
-            </a:r>
-          </a:p>
-          <a:p>
-            <a:r>
-              <a:rPr lang="pt-PT" dirty="0">
-                <a:solidFill>
-                  <a:srgbClr val="D9E8F7"/>
-                </a:solidFill>
-                <a:latin typeface="Consolas" panose="020B0609020204030204" pitchFamily="49" charset="0"/>
-              </a:rPr>
-              <a:t>            </a:t>
-            </a:r>
-            <a:r>
-              <a:rPr lang="pt-PT" dirty="0" err="1">
-                <a:solidFill>
-                  <a:srgbClr val="FFBF26"/>
-                </a:solidFill>
-                <a:latin typeface="Consolas" panose="020B0609020204030204" pitchFamily="49" charset="0"/>
-              </a:rPr>
-              <a:t>textoRecebido</a:t>
-            </a:r>
-            <a:r>
-              <a:rPr lang="pt-PT" dirty="0">
-                <a:solidFill>
-                  <a:srgbClr val="D9E8F7"/>
-                </a:solidFill>
-                <a:latin typeface="Consolas" panose="020B0609020204030204" pitchFamily="49" charset="0"/>
-              </a:rPr>
-              <a:t> </a:t>
-            </a:r>
-            <a:r>
-              <a:rPr lang="pt-PT" dirty="0">
-                <a:solidFill>
-                  <a:srgbClr val="E6E6FA"/>
-                </a:solidFill>
-                <a:latin typeface="Consolas" panose="020B0609020204030204" pitchFamily="49" charset="0"/>
-              </a:rPr>
-              <a:t>+=</a:t>
-            </a:r>
-            <a:r>
-              <a:rPr lang="pt-PT" dirty="0">
-                <a:solidFill>
-                  <a:srgbClr val="D9E8F7"/>
-                </a:solidFill>
-                <a:latin typeface="Consolas" panose="020B0609020204030204" pitchFamily="49" charset="0"/>
-              </a:rPr>
-              <a:t> </a:t>
-            </a:r>
-            <a:r>
-              <a:rPr lang="pt-PT" dirty="0" err="1">
-                <a:solidFill>
-                  <a:srgbClr val="FFBF26"/>
-                </a:solidFill>
-                <a:latin typeface="Consolas" panose="020B0609020204030204" pitchFamily="49" charset="0"/>
-              </a:rPr>
-              <a:t>textoDoBuffer</a:t>
-            </a:r>
-            <a:r>
-              <a:rPr lang="pt-PT" dirty="0">
-                <a:solidFill>
-                  <a:srgbClr val="E6E6FA"/>
-                </a:solidFill>
-                <a:latin typeface="Consolas" panose="020B0609020204030204" pitchFamily="49" charset="0"/>
-              </a:rPr>
-              <a:t>;</a:t>
-            </a:r>
-          </a:p>
-          <a:p>
-            <a:r>
-              <a:rPr lang="pt-PT" dirty="0">
-                <a:solidFill>
-                  <a:srgbClr val="D9E8F7"/>
-                </a:solidFill>
-                <a:latin typeface="Consolas" panose="020B0609020204030204" pitchFamily="49" charset="0"/>
-              </a:rPr>
-              <a:t>        </a:t>
-            </a:r>
-            <a:r>
-              <a:rPr lang="pt-PT" dirty="0">
-                <a:solidFill>
-                  <a:srgbClr val="F9FAF4"/>
-                </a:solidFill>
-                <a:latin typeface="Consolas" panose="020B0609020204030204" pitchFamily="49" charset="0"/>
-              </a:rPr>
-              <a:t>}</a:t>
-            </a:r>
-          </a:p>
-          <a:p>
-            <a:r>
-              <a:rPr lang="pt-PT" dirty="0">
-                <a:solidFill>
-                  <a:srgbClr val="D9E8F7"/>
-                </a:solidFill>
-                <a:latin typeface="Consolas" panose="020B0609020204030204" pitchFamily="49" charset="0"/>
-              </a:rPr>
-              <a:t>        </a:t>
-            </a:r>
-          </a:p>
-          <a:p>
-            <a:r>
-              <a:rPr lang="pt-PT" b="1" dirty="0" err="1">
-                <a:solidFill>
-                  <a:srgbClr val="1290C3"/>
-                </a:solidFill>
-                <a:latin typeface="Consolas" panose="020B0609020204030204" pitchFamily="49" charset="0"/>
-              </a:rPr>
-              <a:t>System</a:t>
-            </a:r>
-            <a:r>
-              <a:rPr lang="pt-PT" b="1" dirty="0" err="1">
-                <a:solidFill>
-                  <a:srgbClr val="E6E6FA"/>
-                </a:solidFill>
-                <a:latin typeface="Consolas" panose="020B0609020204030204" pitchFamily="49" charset="0"/>
-              </a:rPr>
-              <a:t>.</a:t>
-            </a:r>
-            <a:r>
-              <a:rPr lang="pt-PT" b="1" i="1" dirty="0" err="1">
-                <a:solidFill>
-                  <a:srgbClr val="8DDAF8"/>
-                </a:solidFill>
-                <a:latin typeface="Consolas" panose="020B0609020204030204" pitchFamily="49" charset="0"/>
-              </a:rPr>
-              <a:t>out</a:t>
-            </a:r>
-            <a:r>
-              <a:rPr lang="pt-PT" b="1" i="1" dirty="0" err="1">
-                <a:solidFill>
-                  <a:srgbClr val="E6E6FA"/>
-                </a:solidFill>
-                <a:latin typeface="Consolas" panose="020B0609020204030204" pitchFamily="49" charset="0"/>
-              </a:rPr>
-              <a:t>.</a:t>
-            </a:r>
-            <a:r>
-              <a:rPr lang="pt-PT" b="1" i="1" dirty="0" err="1">
-                <a:solidFill>
-                  <a:srgbClr val="A7EC21"/>
-                </a:solidFill>
-                <a:latin typeface="Consolas" panose="020B0609020204030204" pitchFamily="49" charset="0"/>
-              </a:rPr>
-              <a:t>println</a:t>
-            </a:r>
-            <a:r>
-              <a:rPr lang="pt-PT" b="1" i="1" dirty="0">
-                <a:solidFill>
-                  <a:srgbClr val="F9FAF4"/>
-                </a:solidFill>
-                <a:latin typeface="Consolas" panose="020B0609020204030204" pitchFamily="49" charset="0"/>
-              </a:rPr>
-              <a:t>(</a:t>
-            </a:r>
-            <a:r>
-              <a:rPr lang="pt-PT" b="1" i="1" dirty="0" err="1">
-                <a:solidFill>
-                  <a:srgbClr val="FFBF26"/>
-                </a:solidFill>
-                <a:latin typeface="Consolas" panose="020B0609020204030204" pitchFamily="49" charset="0"/>
-              </a:rPr>
-              <a:t>textoRecebido</a:t>
-            </a:r>
-            <a:r>
-              <a:rPr lang="pt-PT" b="1" i="1" dirty="0">
-                <a:solidFill>
-                  <a:srgbClr val="F9FAF4"/>
-                </a:solidFill>
-                <a:latin typeface="Consolas" panose="020B0609020204030204" pitchFamily="49" charset="0"/>
-              </a:rPr>
-              <a:t>)</a:t>
-            </a:r>
-            <a:r>
-              <a:rPr lang="pt-PT" b="1" i="1" dirty="0">
-                <a:solidFill>
-                  <a:srgbClr val="E6E6FA"/>
-                </a:solidFill>
-                <a:latin typeface="Consolas" panose="020B0609020204030204" pitchFamily="49" charset="0"/>
-              </a:rPr>
-              <a:t>;</a:t>
-            </a:r>
-          </a:p>
-          <a:p>
-            <a:r>
-              <a:rPr lang="pt-PT" dirty="0">
-                <a:solidFill>
-                  <a:srgbClr val="F9FAF4"/>
-                </a:solidFill>
-                <a:latin typeface="Consolas" panose="020B0609020204030204" pitchFamily="49" charset="0"/>
-              </a:rPr>
-              <a:t>}</a:t>
-            </a:r>
-            <a:r>
-              <a:rPr lang="pt-PT" dirty="0">
-                <a:solidFill>
-                  <a:srgbClr val="D9E8F7"/>
-                </a:solidFill>
-                <a:latin typeface="Consolas" panose="020B0609020204030204" pitchFamily="49" charset="0"/>
-              </a:rPr>
-              <a:t> </a:t>
-            </a:r>
-            <a:r>
-              <a:rPr lang="pt-PT" b="1" dirty="0" err="1">
-                <a:solidFill>
-                  <a:srgbClr val="DD2867"/>
-                </a:solidFill>
-                <a:latin typeface="Consolas" panose="020B0609020204030204" pitchFamily="49" charset="0"/>
-              </a:rPr>
-              <a:t>catch</a:t>
-            </a:r>
-            <a:r>
-              <a:rPr lang="pt-PT" b="1" dirty="0">
-                <a:solidFill>
-                  <a:srgbClr val="D9E8F7"/>
-                </a:solidFill>
-                <a:latin typeface="Consolas" panose="020B0609020204030204" pitchFamily="49" charset="0"/>
-              </a:rPr>
-              <a:t> </a:t>
-            </a:r>
-            <a:r>
-              <a:rPr lang="pt-PT" b="1" dirty="0">
-                <a:solidFill>
-                  <a:srgbClr val="F9FAF4"/>
-                </a:solidFill>
-                <a:latin typeface="Consolas" panose="020B0609020204030204" pitchFamily="49" charset="0"/>
-              </a:rPr>
-              <a:t>(</a:t>
-            </a:r>
-            <a:r>
-              <a:rPr lang="pt-PT" b="1" dirty="0" err="1">
-                <a:solidFill>
-                  <a:srgbClr val="1290C3"/>
-                </a:solidFill>
-                <a:latin typeface="Consolas" panose="020B0609020204030204" pitchFamily="49" charset="0"/>
-              </a:rPr>
-              <a:t>Exception</a:t>
-            </a:r>
-            <a:r>
-              <a:rPr lang="pt-PT" b="1" dirty="0">
-                <a:solidFill>
-                  <a:srgbClr val="D9E8F7"/>
-                </a:solidFill>
-                <a:latin typeface="Consolas" panose="020B0609020204030204" pitchFamily="49" charset="0"/>
-              </a:rPr>
-              <a:t> </a:t>
-            </a:r>
-            <a:r>
-              <a:rPr lang="pt-PT" b="1" dirty="0">
-                <a:solidFill>
-                  <a:srgbClr val="ED7F48"/>
-                </a:solidFill>
-                <a:latin typeface="Consolas" panose="020B0609020204030204" pitchFamily="49" charset="0"/>
-              </a:rPr>
-              <a:t>e</a:t>
-            </a:r>
-            <a:r>
-              <a:rPr lang="pt-PT" b="1" dirty="0">
-                <a:solidFill>
-                  <a:srgbClr val="F9FAF4"/>
-                </a:solidFill>
-                <a:latin typeface="Consolas" panose="020B0609020204030204" pitchFamily="49" charset="0"/>
-              </a:rPr>
-              <a:t>){</a:t>
-            </a:r>
-          </a:p>
-          <a:p>
-            <a:r>
-              <a:rPr lang="pt-PT" b="1" dirty="0" err="1">
-                <a:solidFill>
-                  <a:srgbClr val="1290C3"/>
-                </a:solidFill>
-                <a:latin typeface="Consolas" panose="020B0609020204030204" pitchFamily="49" charset="0"/>
-              </a:rPr>
-              <a:t>System</a:t>
-            </a:r>
-            <a:r>
-              <a:rPr lang="pt-PT" b="1" dirty="0" err="1">
-                <a:solidFill>
-                  <a:srgbClr val="E6E6FA"/>
-                </a:solidFill>
-                <a:latin typeface="Consolas" panose="020B0609020204030204" pitchFamily="49" charset="0"/>
-              </a:rPr>
-              <a:t>.</a:t>
-            </a:r>
-            <a:r>
-              <a:rPr lang="pt-PT" b="1" i="1" dirty="0" err="1">
-                <a:solidFill>
-                  <a:srgbClr val="8DDAF8"/>
-                </a:solidFill>
-                <a:latin typeface="Consolas" panose="020B0609020204030204" pitchFamily="49" charset="0"/>
-              </a:rPr>
-              <a:t>err</a:t>
-            </a:r>
-            <a:r>
-              <a:rPr lang="pt-PT" b="1" i="1" dirty="0" err="1">
-                <a:solidFill>
-                  <a:srgbClr val="E6E6FA"/>
-                </a:solidFill>
-                <a:latin typeface="Consolas" panose="020B0609020204030204" pitchFamily="49" charset="0"/>
-              </a:rPr>
-              <a:t>.</a:t>
-            </a:r>
-            <a:r>
-              <a:rPr lang="pt-PT" b="1" i="1" dirty="0" err="1">
-                <a:solidFill>
-                  <a:srgbClr val="A7EC21"/>
-                </a:solidFill>
-                <a:latin typeface="Consolas" panose="020B0609020204030204" pitchFamily="49" charset="0"/>
-              </a:rPr>
-              <a:t>println</a:t>
-            </a:r>
-            <a:r>
-              <a:rPr lang="pt-PT" b="1" i="1" dirty="0">
-                <a:solidFill>
-                  <a:srgbClr val="F9FAF4"/>
-                </a:solidFill>
-                <a:latin typeface="Consolas" panose="020B0609020204030204" pitchFamily="49" charset="0"/>
-              </a:rPr>
-              <a:t>(</a:t>
-            </a:r>
-            <a:r>
-              <a:rPr lang="pt-PT" b="1" i="1" dirty="0">
-                <a:solidFill>
-                  <a:srgbClr val="17C6A3"/>
-                </a:solidFill>
-                <a:latin typeface="Consolas" panose="020B0609020204030204" pitchFamily="49" charset="0"/>
-              </a:rPr>
-              <a:t>"Ocorreu uma </a:t>
-            </a:r>
-            <a:r>
-              <a:rPr lang="pt-PT" b="1" i="1" dirty="0" err="1">
-                <a:solidFill>
-                  <a:srgbClr val="17C6A3"/>
-                </a:solidFill>
-                <a:latin typeface="Consolas" panose="020B0609020204030204" pitchFamily="49" charset="0"/>
-              </a:rPr>
-              <a:t>excepção</a:t>
-            </a:r>
-            <a:r>
-              <a:rPr lang="pt-PT" b="1" i="1" dirty="0">
-                <a:solidFill>
-                  <a:srgbClr val="17C6A3"/>
-                </a:solidFill>
-                <a:latin typeface="Consolas" panose="020B0609020204030204" pitchFamily="49" charset="0"/>
-              </a:rPr>
-              <a:t>!\n"</a:t>
-            </a:r>
-            <a:r>
-              <a:rPr lang="pt-PT" b="1" i="1" dirty="0">
-                <a:solidFill>
-                  <a:srgbClr val="D9E8F7"/>
-                </a:solidFill>
-                <a:latin typeface="Consolas" panose="020B0609020204030204" pitchFamily="49" charset="0"/>
-              </a:rPr>
-              <a:t> </a:t>
-            </a:r>
-            <a:r>
-              <a:rPr lang="pt-PT" b="1" i="1" dirty="0">
-                <a:solidFill>
-                  <a:srgbClr val="E6E6FA"/>
-                </a:solidFill>
-                <a:latin typeface="Consolas" panose="020B0609020204030204" pitchFamily="49" charset="0"/>
-              </a:rPr>
-              <a:t>+</a:t>
-            </a:r>
-            <a:r>
-              <a:rPr lang="pt-PT" b="1" i="1" dirty="0">
-                <a:solidFill>
-                  <a:srgbClr val="D9E8F7"/>
-                </a:solidFill>
-                <a:latin typeface="Consolas" panose="020B0609020204030204" pitchFamily="49" charset="0"/>
-              </a:rPr>
-              <a:t> </a:t>
-            </a:r>
-            <a:r>
-              <a:rPr lang="pt-PT" b="1" i="1" dirty="0" err="1">
-                <a:solidFill>
-                  <a:srgbClr val="FFBF26"/>
-                </a:solidFill>
-                <a:latin typeface="Consolas" panose="020B0609020204030204" pitchFamily="49" charset="0"/>
-              </a:rPr>
-              <a:t>e</a:t>
-            </a:r>
-            <a:r>
-              <a:rPr lang="pt-PT" b="1" i="1" dirty="0" err="1">
-                <a:solidFill>
-                  <a:srgbClr val="E6E6FA"/>
-                </a:solidFill>
-                <a:latin typeface="Consolas" panose="020B0609020204030204" pitchFamily="49" charset="0"/>
-              </a:rPr>
-              <a:t>.</a:t>
-            </a:r>
-            <a:r>
-              <a:rPr lang="pt-PT" b="1" i="1" dirty="0" err="1">
-                <a:solidFill>
-                  <a:srgbClr val="A7EC21"/>
-                </a:solidFill>
-                <a:latin typeface="Consolas" panose="020B0609020204030204" pitchFamily="49" charset="0"/>
-              </a:rPr>
-              <a:t>getMessage</a:t>
-            </a:r>
-            <a:r>
-              <a:rPr lang="pt-PT" b="1" i="1" dirty="0">
-                <a:solidFill>
-                  <a:srgbClr val="F9FAF4"/>
-                </a:solidFill>
-                <a:latin typeface="Consolas" panose="020B0609020204030204" pitchFamily="49" charset="0"/>
-              </a:rPr>
-              <a:t>())</a:t>
-            </a:r>
-            <a:r>
-              <a:rPr lang="pt-PT" b="1" i="1" dirty="0">
-                <a:solidFill>
-                  <a:srgbClr val="E6E6FA"/>
-                </a:solidFill>
-                <a:latin typeface="Consolas" panose="020B0609020204030204" pitchFamily="49" charset="0"/>
-              </a:rPr>
-              <a:t>;</a:t>
-            </a:r>
-          </a:p>
-          <a:p>
-            <a:r>
-              <a:rPr lang="pt-PT" dirty="0">
-                <a:solidFill>
-                  <a:srgbClr val="F9FAF4"/>
-                </a:solidFill>
-                <a:latin typeface="Consolas" panose="020B0609020204030204" pitchFamily="49" charset="0"/>
-              </a:rPr>
-              <a:t>}</a:t>
+                <a:latin typeface="Consolas" panose="020B0609020204030204" pitchFamily="49" charset="0"/>
+              </a:rPr>
+              <a:t>&lt;!DOCTYPE html&gt;&lt;html&gt;&lt;head&gt;&lt;title&gt;Test&lt;/title&gt;&lt;/head&gt;&lt;body&gt;&lt;h1&gt;This is a header!&lt;/h1&gt;&lt;p&gt;This is some text!&lt;/p&gt;&lt;/body&gt;&lt;/html&gt;</a:t>
             </a:r>
           </a:p>
         </p:txBody>
       </p:sp>
+      <p:sp>
+        <p:nvSpPr>
+          <p:cNvPr id="2" name="Retângulo 1">
+            <a:extLst>
+              <a:ext uri="{FF2B5EF4-FFF2-40B4-BE49-F238E27FC236}">
+                <a16:creationId xmlns:a16="http://schemas.microsoft.com/office/drawing/2014/main" id="{F22E1AAB-454E-41D2-8AAF-95138220E9A7}"/>
+              </a:ext>
+            </a:extLst>
+          </p:cNvPr>
+          <p:cNvSpPr/>
+          <p:nvPr/>
+        </p:nvSpPr>
+        <p:spPr>
+          <a:xfrm>
+            <a:off x="2398644" y="1608339"/>
+            <a:ext cx="6096000" cy="646331"/>
+          </a:xfrm>
+          <a:prstGeom prst="rect">
+            <a:avLst/>
+          </a:prstGeom>
+        </p:spPr>
+        <p:txBody>
+          <a:bodyPr>
+            <a:spAutoFit/>
+          </a:bodyPr>
+          <a:lstStyle/>
+          <a:p>
+            <a:pPr algn="ctr"/>
+            <a:r>
+              <a:rPr lang="en-US" dirty="0">
+                <a:solidFill>
+                  <a:schemeClr val="accent6">
+                    <a:lumMod val="60000"/>
+                    <a:lumOff val="40000"/>
+                  </a:schemeClr>
+                </a:solidFill>
+                <a:latin typeface="Consolas" panose="020B0609020204030204" pitchFamily="49" charset="0"/>
+              </a:rPr>
+              <a:t>Mas o HTML </a:t>
+            </a:r>
+            <a:r>
+              <a:rPr lang="en-US" dirty="0" err="1">
+                <a:solidFill>
+                  <a:schemeClr val="accent6">
+                    <a:lumMod val="60000"/>
+                    <a:lumOff val="40000"/>
+                  </a:schemeClr>
+                </a:solidFill>
+                <a:latin typeface="Consolas" panose="020B0609020204030204" pitchFamily="49" charset="0"/>
+              </a:rPr>
+              <a:t>não</a:t>
+            </a:r>
+            <a:r>
+              <a:rPr lang="en-US" dirty="0">
+                <a:solidFill>
+                  <a:schemeClr val="accent6">
+                    <a:lumMod val="60000"/>
+                    <a:lumOff val="40000"/>
+                  </a:schemeClr>
+                </a:solidFill>
+                <a:latin typeface="Consolas" panose="020B0609020204030204" pitchFamily="49" charset="0"/>
+              </a:rPr>
+              <a:t> </a:t>
+            </a:r>
+            <a:r>
+              <a:rPr lang="en-US" dirty="0" err="1">
+                <a:solidFill>
+                  <a:schemeClr val="accent6">
+                    <a:lumMod val="60000"/>
+                    <a:lumOff val="40000"/>
+                  </a:schemeClr>
+                </a:solidFill>
+                <a:latin typeface="Consolas" panose="020B0609020204030204" pitchFamily="49" charset="0"/>
+              </a:rPr>
+              <a:t>foi</a:t>
+            </a:r>
+            <a:r>
+              <a:rPr lang="en-US" dirty="0">
+                <a:solidFill>
+                  <a:schemeClr val="accent6">
+                    <a:lumMod val="60000"/>
+                    <a:lumOff val="40000"/>
+                  </a:schemeClr>
+                </a:solidFill>
+                <a:latin typeface="Consolas" panose="020B0609020204030204" pitchFamily="49" charset="0"/>
+              </a:rPr>
+              <a:t> </a:t>
+            </a:r>
+            <a:r>
+              <a:rPr lang="en-US" dirty="0" err="1">
+                <a:solidFill>
+                  <a:schemeClr val="accent6">
+                    <a:lumMod val="60000"/>
+                    <a:lumOff val="40000"/>
+                  </a:schemeClr>
+                </a:solidFill>
+                <a:latin typeface="Consolas" panose="020B0609020204030204" pitchFamily="49" charset="0"/>
+              </a:rPr>
+              <a:t>criado</a:t>
+            </a:r>
+            <a:r>
+              <a:rPr lang="en-US" dirty="0">
+                <a:solidFill>
+                  <a:schemeClr val="accent6">
+                    <a:lumMod val="60000"/>
+                    <a:lumOff val="40000"/>
+                  </a:schemeClr>
+                </a:solidFill>
+                <a:latin typeface="Consolas" panose="020B0609020204030204" pitchFamily="49" charset="0"/>
+              </a:rPr>
+              <a:t> para </a:t>
+            </a:r>
+            <a:r>
+              <a:rPr lang="en-US" dirty="0" err="1">
+                <a:solidFill>
+                  <a:schemeClr val="accent6">
+                    <a:lumMod val="60000"/>
+                    <a:lumOff val="40000"/>
+                  </a:schemeClr>
+                </a:solidFill>
+                <a:latin typeface="Consolas" panose="020B0609020204030204" pitchFamily="49" charset="0"/>
+              </a:rPr>
+              <a:t>ser</a:t>
+            </a:r>
+            <a:r>
+              <a:rPr lang="en-US" dirty="0">
+                <a:solidFill>
+                  <a:schemeClr val="accent6">
+                    <a:lumMod val="60000"/>
+                    <a:lumOff val="40000"/>
+                  </a:schemeClr>
+                </a:solidFill>
+                <a:latin typeface="Consolas" panose="020B0609020204030204" pitchFamily="49" charset="0"/>
+              </a:rPr>
+              <a:t> </a:t>
+            </a:r>
+            <a:r>
+              <a:rPr lang="en-US" dirty="0" err="1">
+                <a:solidFill>
+                  <a:schemeClr val="accent6">
+                    <a:lumMod val="60000"/>
+                    <a:lumOff val="40000"/>
+                  </a:schemeClr>
+                </a:solidFill>
+                <a:latin typeface="Consolas" panose="020B0609020204030204" pitchFamily="49" charset="0"/>
+              </a:rPr>
+              <a:t>utilizado</a:t>
+            </a:r>
+            <a:r>
+              <a:rPr lang="en-US" dirty="0">
+                <a:solidFill>
+                  <a:schemeClr val="accent6">
+                    <a:lumMod val="60000"/>
+                    <a:lumOff val="40000"/>
+                  </a:schemeClr>
+                </a:solidFill>
+                <a:latin typeface="Consolas" panose="020B0609020204030204" pitchFamily="49" charset="0"/>
+              </a:rPr>
+              <a:t> </a:t>
+            </a:r>
+            <a:r>
+              <a:rPr lang="en-US" dirty="0" err="1">
+                <a:solidFill>
+                  <a:schemeClr val="accent6">
+                    <a:lumMod val="60000"/>
+                    <a:lumOff val="40000"/>
+                  </a:schemeClr>
+                </a:solidFill>
+                <a:latin typeface="Consolas" panose="020B0609020204030204" pitchFamily="49" charset="0"/>
+              </a:rPr>
+              <a:t>desta</a:t>
+            </a:r>
+            <a:r>
+              <a:rPr lang="en-US" dirty="0">
+                <a:solidFill>
+                  <a:schemeClr val="accent6">
+                    <a:lumMod val="60000"/>
+                    <a:lumOff val="40000"/>
+                  </a:schemeClr>
+                </a:solidFill>
+                <a:latin typeface="Consolas" panose="020B0609020204030204" pitchFamily="49" charset="0"/>
+              </a:rPr>
+              <a:t> forma!</a:t>
+            </a:r>
+          </a:p>
+        </p:txBody>
+      </p:sp>
+      <p:sp>
+        <p:nvSpPr>
+          <p:cNvPr id="4" name="Retângulo 3">
+            <a:extLst>
+              <a:ext uri="{FF2B5EF4-FFF2-40B4-BE49-F238E27FC236}">
+                <a16:creationId xmlns:a16="http://schemas.microsoft.com/office/drawing/2014/main" id="{9316BAD3-082B-4780-B193-97A6159C05F9}"/>
+              </a:ext>
+            </a:extLst>
+          </p:cNvPr>
+          <p:cNvSpPr/>
+          <p:nvPr/>
+        </p:nvSpPr>
+        <p:spPr>
+          <a:xfrm>
+            <a:off x="2398644" y="2873560"/>
+            <a:ext cx="6096000" cy="369332"/>
+          </a:xfrm>
+          <a:prstGeom prst="rect">
+            <a:avLst/>
+          </a:prstGeom>
+        </p:spPr>
+        <p:txBody>
+          <a:bodyPr>
+            <a:spAutoFit/>
+          </a:bodyPr>
+          <a:lstStyle/>
+          <a:p>
+            <a:pPr algn="ctr"/>
+            <a:r>
+              <a:rPr lang="en-US" b="1" dirty="0" err="1">
+                <a:solidFill>
+                  <a:schemeClr val="accent6">
+                    <a:lumMod val="60000"/>
+                    <a:lumOff val="40000"/>
+                  </a:schemeClr>
+                </a:solidFill>
+                <a:latin typeface="Consolas" panose="020B0609020204030204" pitchFamily="49" charset="0"/>
+              </a:rPr>
+              <a:t>Alternativas</a:t>
+            </a:r>
+            <a:r>
+              <a:rPr lang="en-US" b="1" dirty="0">
+                <a:solidFill>
+                  <a:schemeClr val="accent6">
+                    <a:lumMod val="60000"/>
+                    <a:lumOff val="40000"/>
+                  </a:schemeClr>
+                </a:solidFill>
+                <a:latin typeface="Consolas" panose="020B0609020204030204" pitchFamily="49" charset="0"/>
+              </a:rPr>
+              <a:t>?</a:t>
+            </a:r>
+          </a:p>
+        </p:txBody>
+      </p:sp>
+      <p:sp>
+        <p:nvSpPr>
+          <p:cNvPr id="3" name="CaixaDeTexto 2">
+            <a:extLst>
+              <a:ext uri="{FF2B5EF4-FFF2-40B4-BE49-F238E27FC236}">
+                <a16:creationId xmlns:a16="http://schemas.microsoft.com/office/drawing/2014/main" id="{EBE819DE-2375-4A68-9AA1-9BE2CD615C39}"/>
+              </a:ext>
+            </a:extLst>
+          </p:cNvPr>
+          <p:cNvSpPr txBox="1"/>
+          <p:nvPr/>
+        </p:nvSpPr>
+        <p:spPr>
+          <a:xfrm>
+            <a:off x="3681123" y="3861782"/>
+            <a:ext cx="3531041" cy="646331"/>
+          </a:xfrm>
+          <a:prstGeom prst="rect">
+            <a:avLst/>
+          </a:prstGeom>
+        </p:spPr>
+        <p:txBody>
+          <a:bodyPr wrap="square">
+            <a:spAutoFit/>
+          </a:bodyPr>
+          <a:lstStyle>
+            <a:defPPr>
+              <a:defRPr lang="en-US"/>
+            </a:defPPr>
+            <a:lvl1pPr algn="ctr">
+              <a:defRPr b="1">
+                <a:solidFill>
+                  <a:schemeClr val="accent6">
+                    <a:lumMod val="60000"/>
+                    <a:lumOff val="40000"/>
+                  </a:schemeClr>
+                </a:solidFill>
+                <a:latin typeface="Consolas" panose="020B0609020204030204" pitchFamily="49" charset="0"/>
+              </a:defRPr>
+            </a:lvl1pPr>
+          </a:lstStyle>
+          <a:p>
+            <a:r>
+              <a:rPr lang="pt-PT" sz="3600" dirty="0">
+                <a:effectLst>
+                  <a:outerShdw blurRad="38100" dist="38100" dir="2700000" algn="tl">
+                    <a:srgbClr val="000000">
+                      <a:alpha val="43137"/>
+                    </a:srgbClr>
+                  </a:outerShdw>
+                </a:effectLst>
+              </a:rPr>
+              <a:t>XML e JSON!</a:t>
+            </a:r>
+          </a:p>
+        </p:txBody>
+      </p:sp>
+      <p:pic>
+        <p:nvPicPr>
+          <p:cNvPr id="1026" name="Picture 2" descr="File:Text-xml.svg">
+            <a:extLst>
+              <a:ext uri="{FF2B5EF4-FFF2-40B4-BE49-F238E27FC236}">
+                <a16:creationId xmlns:a16="http://schemas.microsoft.com/office/drawing/2014/main" id="{52587E74-C8D0-4C30-B76B-327E4F87F471}"/>
+              </a:ext>
+            </a:extLst>
+          </p:cNvPr>
+          <p:cNvPicPr>
+            <a:picLocks noChangeAspect="1" noChangeArrowheads="1"/>
+          </p:cNvPicPr>
+          <p:nvPr/>
+        </p:nvPicPr>
+        <p:blipFill>
+          <a:blip r:embed="rId2">
+            <a:extLst>
+              <a:ext uri="{28A0092B-C50C-407E-A947-70E740481C1C}">
+                <a14:useLocalDpi xmlns:a14="http://schemas.microsoft.com/office/drawing/2010/main" val="0"/>
+              </a:ext>
+            </a:extLst>
+          </a:blip>
+          <a:srcRect/>
+          <a:stretch>
+            <a:fillRect/>
+          </a:stretch>
+        </p:blipFill>
+        <p:spPr bwMode="auto">
+          <a:xfrm>
+            <a:off x="1475953" y="4184947"/>
+            <a:ext cx="2129527" cy="1953695"/>
+          </a:xfrm>
+          <a:prstGeom prst="rect">
+            <a:avLst/>
+          </a:prstGeom>
+          <a:noFill/>
+          <a:extLst>
+            <a:ext uri="{909E8E84-426E-40DD-AFC4-6F175D3DCCD1}">
+              <a14:hiddenFill xmlns:a14="http://schemas.microsoft.com/office/drawing/2010/main">
+                <a:solidFill>
+                  <a:srgbClr val="FFFFFF"/>
+                </a:solidFill>
+              </a14:hiddenFill>
+            </a:ext>
+          </a:extLst>
+        </p:spPr>
+      </p:pic>
+      <p:pic>
+        <p:nvPicPr>
+          <p:cNvPr id="1030" name="Picture 6" descr="Resultado de imagem para json">
+            <a:extLst>
+              <a:ext uri="{FF2B5EF4-FFF2-40B4-BE49-F238E27FC236}">
+                <a16:creationId xmlns:a16="http://schemas.microsoft.com/office/drawing/2014/main" id="{C9EB2081-1294-4604-9937-950FC81A172F}"/>
+              </a:ext>
+            </a:extLst>
+          </p:cNvPr>
+          <p:cNvPicPr>
+            <a:picLocks noChangeAspect="1" noChangeArrowheads="1"/>
+          </p:cNvPicPr>
+          <p:nvPr/>
+        </p:nvPicPr>
+        <p:blipFill>
+          <a:blip r:embed="rId3">
+            <a:extLst>
+              <a:ext uri="{28A0092B-C50C-407E-A947-70E740481C1C}">
+                <a14:useLocalDpi xmlns:a14="http://schemas.microsoft.com/office/drawing/2010/main" val="0"/>
+              </a:ext>
+            </a:extLst>
+          </a:blip>
+          <a:srcRect/>
+          <a:stretch>
+            <a:fillRect/>
+          </a:stretch>
+        </p:blipFill>
+        <p:spPr bwMode="auto">
+          <a:xfrm>
+            <a:off x="7429880" y="3936666"/>
+            <a:ext cx="2129527" cy="2129527"/>
+          </a:xfrm>
+          <a:prstGeom prst="rect">
+            <a:avLst/>
+          </a:prstGeom>
+          <a:noFill/>
+          <a:extLst>
+            <a:ext uri="{909E8E84-426E-40DD-AFC4-6F175D3DCCD1}">
+              <a14:hiddenFill xmlns:a14="http://schemas.microsoft.com/office/drawing/2010/main">
+                <a:solidFill>
+                  <a:srgbClr val="FFFFFF"/>
+                </a:solidFill>
+              </a14:hiddenFill>
+            </a:ext>
+          </a:extLst>
+        </p:spPr>
+      </p:pic>
     </p:spTree>
     <p:extLst>
       <p:ext uri="{BB962C8B-B14F-4D97-AF65-F5344CB8AC3E}">
@@ -6374,10 +9433,187 @@
   <p:clrMapOvr>
     <a:masterClrMapping/>
   </p:clrMapOvr>
+  <p:timing>
+    <p:tnLst>
+      <p:par>
+        <p:cTn id="1" dur="indefinite" restart="never" nodeType="tmRoot">
+          <p:childTnLst>
+            <p:seq concurrent="1" nextAc="seek">
+              <p:cTn id="2" dur="indefinite" nodeType="mainSeq">
+                <p:childTnLst>
+                  <p:par>
+                    <p:cTn id="3" fill="hold">
+                      <p:stCondLst>
+                        <p:cond delay="indefinite"/>
+                      </p:stCondLst>
+                      <p:childTnLst>
+                        <p:par>
+                          <p:cTn id="4" fill="hold">
+                            <p:stCondLst>
+                              <p:cond delay="0"/>
+                            </p:stCondLst>
+                            <p:childTnLst>
+                              <p:par>
+                                <p:cTn id="5" presetID="10" presetClass="entr" presetSubtype="0" fill="hold" grpId="0" nodeType="clickEffect">
+                                  <p:stCondLst>
+                                    <p:cond delay="0"/>
+                                  </p:stCondLst>
+                                  <p:childTnLst>
+                                    <p:set>
+                                      <p:cBhvr>
+                                        <p:cTn id="6" dur="1" fill="hold">
+                                          <p:stCondLst>
+                                            <p:cond delay="0"/>
+                                          </p:stCondLst>
+                                        </p:cTn>
+                                        <p:tgtEl>
+                                          <p:spTgt spid="4"/>
+                                        </p:tgtEl>
+                                        <p:attrNameLst>
+                                          <p:attrName>style.visibility</p:attrName>
+                                        </p:attrNameLst>
+                                      </p:cBhvr>
+                                      <p:to>
+                                        <p:strVal val="visible"/>
+                                      </p:to>
+                                    </p:set>
+                                    <p:animEffect transition="in" filter="fade">
+                                      <p:cBhvr>
+                                        <p:cTn id="7" dur="500"/>
+                                        <p:tgtEl>
+                                          <p:spTgt spid="4"/>
+                                        </p:tgtEl>
+                                      </p:cBhvr>
+                                    </p:animEffect>
+                                  </p:childTnLst>
+                                </p:cTn>
+                              </p:par>
+                            </p:childTnLst>
+                          </p:cTn>
+                        </p:par>
+                        <p:par>
+                          <p:cTn id="8" fill="hold">
+                            <p:stCondLst>
+                              <p:cond delay="500"/>
+                            </p:stCondLst>
+                            <p:childTnLst>
+                              <p:par>
+                                <p:cTn id="9" presetID="42" presetClass="entr" presetSubtype="0" fill="hold" grpId="0" nodeType="afterEffect">
+                                  <p:stCondLst>
+                                    <p:cond delay="0"/>
+                                  </p:stCondLst>
+                                  <p:childTnLst>
+                                    <p:set>
+                                      <p:cBhvr>
+                                        <p:cTn id="10" dur="1" fill="hold">
+                                          <p:stCondLst>
+                                            <p:cond delay="0"/>
+                                          </p:stCondLst>
+                                        </p:cTn>
+                                        <p:tgtEl>
+                                          <p:spTgt spid="3"/>
+                                        </p:tgtEl>
+                                        <p:attrNameLst>
+                                          <p:attrName>style.visibility</p:attrName>
+                                        </p:attrNameLst>
+                                      </p:cBhvr>
+                                      <p:to>
+                                        <p:strVal val="visible"/>
+                                      </p:to>
+                                    </p:set>
+                                    <p:animEffect transition="in" filter="fade">
+                                      <p:cBhvr>
+                                        <p:cTn id="11" dur="1000"/>
+                                        <p:tgtEl>
+                                          <p:spTgt spid="3"/>
+                                        </p:tgtEl>
+                                      </p:cBhvr>
+                                    </p:animEffect>
+                                    <p:anim calcmode="lin" valueType="num">
+                                      <p:cBhvr>
+                                        <p:cTn id="12" dur="1000" fill="hold"/>
+                                        <p:tgtEl>
+                                          <p:spTgt spid="3"/>
+                                        </p:tgtEl>
+                                        <p:attrNameLst>
+                                          <p:attrName>ppt_x</p:attrName>
+                                        </p:attrNameLst>
+                                      </p:cBhvr>
+                                      <p:tavLst>
+                                        <p:tav tm="0">
+                                          <p:val>
+                                            <p:strVal val="#ppt_x"/>
+                                          </p:val>
+                                        </p:tav>
+                                        <p:tav tm="100000">
+                                          <p:val>
+                                            <p:strVal val="#ppt_x"/>
+                                          </p:val>
+                                        </p:tav>
+                                      </p:tavLst>
+                                    </p:anim>
+                                    <p:anim calcmode="lin" valueType="num">
+                                      <p:cBhvr>
+                                        <p:cTn id="13" dur="1000" fill="hold"/>
+                                        <p:tgtEl>
+                                          <p:spTgt spid="3"/>
+                                        </p:tgtEl>
+                                        <p:attrNameLst>
+                                          <p:attrName>ppt_y</p:attrName>
+                                        </p:attrNameLst>
+                                      </p:cBhvr>
+                                      <p:tavLst>
+                                        <p:tav tm="0">
+                                          <p:val>
+                                            <p:strVal val="#ppt_y+.1"/>
+                                          </p:val>
+                                        </p:tav>
+                                        <p:tav tm="100000">
+                                          <p:val>
+                                            <p:strVal val="#ppt_y"/>
+                                          </p:val>
+                                        </p:tav>
+                                      </p:tavLst>
+                                    </p:anim>
+                                  </p:childTnLst>
+                                </p:cTn>
+                              </p:par>
+                            </p:childTnLst>
+                          </p:cTn>
+                        </p:par>
+                      </p:childTnLst>
+                    </p:cTn>
+                  </p:par>
+                </p:childTnLst>
+              </p:cTn>
+              <p:prevCondLst>
+                <p:cond evt="onPrev" delay="0">
+                  <p:tgtEl>
+                    <p:sldTgt/>
+                  </p:tgtEl>
+                </p:cond>
+              </p:prevCondLst>
+              <p:nextCondLst>
+                <p:cond evt="onNext" delay="0">
+                  <p:tgtEl>
+                    <p:sldTgt/>
+                  </p:tgtEl>
+                </p:cond>
+              </p:nextCondLst>
+            </p:seq>
+          </p:childTnLst>
+        </p:cTn>
+      </p:par>
+    </p:tnLst>
+    <p:bldLst>
+      <p:bldP spid="4" grpId="0"/>
+      <p:bldP spid="3" grpId="0"/>
+    </p:bldLst>
+  </p:timing>
 </p:sld>
 </file>
 
-<file path=ppt/slides/slide5.xml><?xml version="1.0" encoding="utf-8"?>
+<file path=ppt/slides/slide7.xml><?xml version="1.0" encoding="utf-8"?>
 <p:sld xmlns:a="http://schemas.openxmlformats.org/drawingml/2006/main" xmlns:r="http://schemas.openxmlformats.org/officeDocument/2006/relationships" xmlns:p="http://schemas.openxmlformats.org/presentationml/2006/main">
   <p:cSld>
     <p:spTree>
@@ -6399,7 +9635,7 @@
           <p:cNvPr id="2" name="Título 1">
             <a:extLst>
               <a:ext uri="{FF2B5EF4-FFF2-40B4-BE49-F238E27FC236}">
-                <a16:creationId xmlns:a16="http://schemas.microsoft.com/office/drawing/2014/main" id="{193E8C97-4C99-4B04-AA4D-8FD1EA82F020}"/>
+                <a16:creationId xmlns:a16="http://schemas.microsoft.com/office/drawing/2014/main" id="{68084EA3-29C4-41B7-8242-BC0D7B82525A}"/>
               </a:ext>
             </a:extLst>
           </p:cNvPr>
@@ -6415,7 +9651,17 @@
           <a:bodyPr/>
           <a:lstStyle/>
           <a:p>
-            <a:endParaRPr lang="pt-PT"/>
+            <a:r>
+              <a:rPr lang="pt-PT" b="1" dirty="0">
+                <a:solidFill>
+                  <a:schemeClr val="accent4">
+                    <a:lumMod val="60000"/>
+                    <a:lumOff val="40000"/>
+                  </a:schemeClr>
+                </a:solidFill>
+              </a:rPr>
+              <a:t>Exercício:</a:t>
+            </a:r>
           </a:p>
         </p:txBody>
       </p:sp>
@@ -6424,7 +9670,7 @@
           <p:cNvPr id="3" name="Marcador de Posição de Conteúdo 2">
             <a:extLst>
               <a:ext uri="{FF2B5EF4-FFF2-40B4-BE49-F238E27FC236}">
-                <a16:creationId xmlns:a16="http://schemas.microsoft.com/office/drawing/2014/main" id="{80BF457D-EBEA-41A3-8500-0A4B8490152D}"/>
+                <a16:creationId xmlns:a16="http://schemas.microsoft.com/office/drawing/2014/main" id="{90EA3F8F-AF5E-470B-8328-E9086464833E}"/>
               </a:ext>
             </a:extLst>
           </p:cNvPr>
@@ -6435,24 +9681,143 @@
             <p:ph idx="1"/>
           </p:nvPr>
         </p:nvSpPr>
-        <p:spPr>
-          <a:xfrm>
-            <a:off x="838200" y="1825625"/>
-            <a:ext cx="10515600" cy="4351338"/>
-          </a:xfrm>
-        </p:spPr>
+        <p:spPr/>
         <p:txBody>
           <a:bodyPr/>
           <a:lstStyle/>
           <a:p>
-            <a:endParaRPr lang="pt-PT" dirty="0"/>
+            <a:r>
+              <a:rPr lang="pt-PT" sz="1800" dirty="0">
+                <a:latin typeface="Consolas" panose="020B0609020204030204" pitchFamily="49" charset="0"/>
+              </a:rPr>
+              <a:t>Ir buscar guardar todas as imagens da página: </a:t>
+            </a:r>
+            <a:r>
+              <a:rPr lang="pt-PT" sz="1800" b="1" dirty="0">
+                <a:solidFill>
+                  <a:srgbClr val="17C6A3"/>
+                </a:solidFill>
+                <a:latin typeface="Consolas" panose="020B0609020204030204" pitchFamily="49" charset="0"/>
+                <a:hlinkClick r:id="rId2"/>
+              </a:rPr>
+              <a:t>https://java-mooc.github.io/Advanced-Java/ex2.html</a:t>
+            </a:r>
+            <a:endParaRPr lang="pt-PT" sz="1800" b="1" dirty="0">
+              <a:solidFill>
+                <a:srgbClr val="17C6A3"/>
+              </a:solidFill>
+              <a:latin typeface="Consolas" panose="020B0609020204030204" pitchFamily="49" charset="0"/>
+            </a:endParaRPr>
+          </a:p>
+          <a:p>
+            <a:r>
+              <a:rPr lang="pt-PT" sz="1800" dirty="0">
+                <a:latin typeface="Consolas" panose="020B0609020204030204" pitchFamily="49" charset="0"/>
+              </a:rPr>
+              <a:t>Hiperligações para imagens incluídas!</a:t>
+            </a:r>
           </a:p>
         </p:txBody>
       </p:sp>
     </p:spTree>
     <p:extLst>
       <p:ext uri="{BB962C8B-B14F-4D97-AF65-F5344CB8AC3E}">
-        <p14:creationId xmlns:p14="http://schemas.microsoft.com/office/powerpoint/2010/main" val="2949759734"/>
+        <p14:creationId xmlns:p14="http://schemas.microsoft.com/office/powerpoint/2010/main" val="2089519232"/>
+      </p:ext>
+    </p:extLst>
+  </p:cSld>
+  <p:clrMapOvr>
+    <a:masterClrMapping/>
+  </p:clrMapOvr>
+</p:sld>
+</file>
+
+<file path=ppt/slides/slide8.xml><?xml version="1.0" encoding="utf-8"?>
+<p:sld xmlns:a="http://schemas.openxmlformats.org/drawingml/2006/main" xmlns:r="http://schemas.openxmlformats.org/officeDocument/2006/relationships" xmlns:p="http://schemas.openxmlformats.org/presentationml/2006/main">
+  <p:cSld>
+    <p:spTree>
+      <p:nvGrpSpPr>
+        <p:cNvPr id="1" name=""/>
+        <p:cNvGrpSpPr/>
+        <p:nvPr/>
+      </p:nvGrpSpPr>
+      <p:grpSpPr>
+        <a:xfrm>
+          <a:off x="0" y="0"/>
+          <a:ext cx="0" cy="0"/>
+          <a:chOff x="0" y="0"/>
+          <a:chExt cx="0" cy="0"/>
+        </a:xfrm>
+      </p:grpSpPr>
+      <p:sp>
+        <p:nvSpPr>
+          <p:cNvPr id="2" name="Título 1">
+            <a:extLst>
+              <a:ext uri="{FF2B5EF4-FFF2-40B4-BE49-F238E27FC236}">
+                <a16:creationId xmlns:a16="http://schemas.microsoft.com/office/drawing/2014/main" id="{68084EA3-29C4-41B7-8242-BC0D7B82525A}"/>
+              </a:ext>
+            </a:extLst>
+          </p:cNvPr>
+          <p:cNvSpPr>
+            <a:spLocks noGrp="1"/>
+          </p:cNvSpPr>
+          <p:nvPr>
+            <p:ph type="title"/>
+          </p:nvPr>
+        </p:nvSpPr>
+        <p:spPr/>
+        <p:txBody>
+          <a:bodyPr/>
+          <a:lstStyle/>
+          <a:p>
+            <a:r>
+              <a:rPr lang="pt-PT" b="1" dirty="0">
+                <a:solidFill>
+                  <a:schemeClr val="accent4">
+                    <a:lumMod val="60000"/>
+                    <a:lumOff val="40000"/>
+                  </a:schemeClr>
+                </a:solidFill>
+              </a:rPr>
+              <a:t>Título</a:t>
+            </a:r>
+          </a:p>
+        </p:txBody>
+      </p:sp>
+      <p:sp>
+        <p:nvSpPr>
+          <p:cNvPr id="3" name="Marcador de Posição de Conteúdo 2">
+            <a:extLst>
+              <a:ext uri="{FF2B5EF4-FFF2-40B4-BE49-F238E27FC236}">
+                <a16:creationId xmlns:a16="http://schemas.microsoft.com/office/drawing/2014/main" id="{90EA3F8F-AF5E-470B-8328-E9086464833E}"/>
+              </a:ext>
+            </a:extLst>
+          </p:cNvPr>
+          <p:cNvSpPr>
+            <a:spLocks noGrp="1"/>
+          </p:cNvSpPr>
+          <p:nvPr>
+            <p:ph idx="1"/>
+          </p:nvPr>
+        </p:nvSpPr>
+        <p:spPr/>
+        <p:txBody>
+          <a:bodyPr/>
+          <a:lstStyle/>
+          <a:p>
+            <a:r>
+              <a:rPr lang="pt-PT" sz="1800" dirty="0">
+                <a:latin typeface="Consolas" panose="020B0609020204030204" pitchFamily="49" charset="0"/>
+              </a:rPr>
+              <a:t>Texto</a:t>
+            </a:r>
+          </a:p>
+        </p:txBody>
+      </p:sp>
+    </p:spTree>
+    <p:extLst>
+      <p:ext uri="{BB962C8B-B14F-4D97-AF65-F5344CB8AC3E}">
+        <p14:creationId xmlns:p14="http://schemas.microsoft.com/office/powerpoint/2010/main" val="2685226226"/>
       </p:ext>
     </p:extLst>
   </p:cSld>

--- a/PPT1 - Ligacao a internet.pptx
+++ b/PPT1 - Ligacao a internet.pptx
@@ -12,7 +12,6 @@
     <p:sldId id="258" r:id="rId6"/>
     <p:sldId id="260" r:id="rId7"/>
     <p:sldId id="264" r:id="rId8"/>
-    <p:sldId id="262" r:id="rId9"/>
   </p:sldIdLst>
   <p:sldSz cx="12192000" cy="6858000"/>
   <p:notesSz cx="6858000" cy="9144000"/>
@@ -250,7 +249,7 @@
           <a:p>
             <a:fld id="{A8056B92-FCDB-4810-8779-64E0CAC2F787}" type="datetimeFigureOut">
               <a:rPr lang="pt-PT" smtClean="0"/>
-              <a:t>19/04/2018</a:t>
+              <a:t>24/04/2018</a:t>
             </a:fld>
             <a:endParaRPr lang="pt-PT"/>
           </a:p>
@@ -420,7 +419,7 @@
           <a:p>
             <a:fld id="{A8056B92-FCDB-4810-8779-64E0CAC2F787}" type="datetimeFigureOut">
               <a:rPr lang="pt-PT" smtClean="0"/>
-              <a:t>19/04/2018</a:t>
+              <a:t>24/04/2018</a:t>
             </a:fld>
             <a:endParaRPr lang="pt-PT"/>
           </a:p>
@@ -600,7 +599,7 @@
           <a:p>
             <a:fld id="{A8056B92-FCDB-4810-8779-64E0CAC2F787}" type="datetimeFigureOut">
               <a:rPr lang="pt-PT" smtClean="0"/>
-              <a:t>19/04/2018</a:t>
+              <a:t>24/04/2018</a:t>
             </a:fld>
             <a:endParaRPr lang="pt-PT"/>
           </a:p>
@@ -770,7 +769,7 @@
           <a:p>
             <a:fld id="{A8056B92-FCDB-4810-8779-64E0CAC2F787}" type="datetimeFigureOut">
               <a:rPr lang="pt-PT" smtClean="0"/>
-              <a:t>19/04/2018</a:t>
+              <a:t>24/04/2018</a:t>
             </a:fld>
             <a:endParaRPr lang="pt-PT"/>
           </a:p>
@@ -1016,7 +1015,7 @@
           <a:p>
             <a:fld id="{A8056B92-FCDB-4810-8779-64E0CAC2F787}" type="datetimeFigureOut">
               <a:rPr lang="pt-PT" smtClean="0"/>
-              <a:t>19/04/2018</a:t>
+              <a:t>24/04/2018</a:t>
             </a:fld>
             <a:endParaRPr lang="pt-PT"/>
           </a:p>
@@ -1248,7 +1247,7 @@
           <a:p>
             <a:fld id="{A8056B92-FCDB-4810-8779-64E0CAC2F787}" type="datetimeFigureOut">
               <a:rPr lang="pt-PT" smtClean="0"/>
-              <a:t>19/04/2018</a:t>
+              <a:t>24/04/2018</a:t>
             </a:fld>
             <a:endParaRPr lang="pt-PT"/>
           </a:p>
@@ -1615,7 +1614,7 @@
           <a:p>
             <a:fld id="{A8056B92-FCDB-4810-8779-64E0CAC2F787}" type="datetimeFigureOut">
               <a:rPr lang="pt-PT" smtClean="0"/>
-              <a:t>19/04/2018</a:t>
+              <a:t>24/04/2018</a:t>
             </a:fld>
             <a:endParaRPr lang="pt-PT"/>
           </a:p>
@@ -1733,7 +1732,7 @@
           <a:p>
             <a:fld id="{A8056B92-FCDB-4810-8779-64E0CAC2F787}" type="datetimeFigureOut">
               <a:rPr lang="pt-PT" smtClean="0"/>
-              <a:t>19/04/2018</a:t>
+              <a:t>24/04/2018</a:t>
             </a:fld>
             <a:endParaRPr lang="pt-PT"/>
           </a:p>
@@ -1828,7 +1827,7 @@
           <a:p>
             <a:fld id="{A8056B92-FCDB-4810-8779-64E0CAC2F787}" type="datetimeFigureOut">
               <a:rPr lang="pt-PT" smtClean="0"/>
-              <a:t>19/04/2018</a:t>
+              <a:t>24/04/2018</a:t>
             </a:fld>
             <a:endParaRPr lang="pt-PT"/>
           </a:p>
@@ -2105,7 +2104,7 @@
           <a:p>
             <a:fld id="{A8056B92-FCDB-4810-8779-64E0CAC2F787}" type="datetimeFigureOut">
               <a:rPr lang="pt-PT" smtClean="0"/>
-              <a:t>19/04/2018</a:t>
+              <a:t>24/04/2018</a:t>
             </a:fld>
             <a:endParaRPr lang="pt-PT"/>
           </a:p>
@@ -2362,7 +2361,7 @@
           <a:p>
             <a:fld id="{A8056B92-FCDB-4810-8779-64E0CAC2F787}" type="datetimeFigureOut">
               <a:rPr lang="pt-PT" smtClean="0"/>
-              <a:t>19/04/2018</a:t>
+              <a:t>24/04/2018</a:t>
             </a:fld>
             <a:endParaRPr lang="pt-PT"/>
           </a:p>
@@ -2575,7 +2574,7 @@
           <a:p>
             <a:fld id="{A8056B92-FCDB-4810-8779-64E0CAC2F787}" type="datetimeFigureOut">
               <a:rPr lang="pt-PT" smtClean="0"/>
-              <a:t>19/04/2018</a:t>
+              <a:t>24/04/2018</a:t>
             </a:fld>
             <a:endParaRPr lang="pt-PT"/>
           </a:p>
@@ -9717,107 +9716,68 @@
               <a:t>Hiperligações para imagens incluídas!</a:t>
             </a:r>
           </a:p>
+          <a:p>
+            <a:endParaRPr lang="pt-PT" sz="1800" dirty="0">
+              <a:latin typeface="Consolas" panose="020B0609020204030204" pitchFamily="49" charset="0"/>
+            </a:endParaRPr>
+          </a:p>
+          <a:p>
+            <a:endParaRPr lang="pt-PT" sz="1800" dirty="0">
+              <a:latin typeface="Consolas" panose="020B0609020204030204" pitchFamily="49" charset="0"/>
+            </a:endParaRPr>
+          </a:p>
+          <a:p>
+            <a:endParaRPr lang="pt-PT" sz="1800" dirty="0">
+              <a:latin typeface="Consolas" panose="020B0609020204030204" pitchFamily="49" charset="0"/>
+            </a:endParaRPr>
+          </a:p>
+          <a:p>
+            <a:endParaRPr lang="pt-PT" sz="1800" dirty="0">
+              <a:latin typeface="Consolas" panose="020B0609020204030204" pitchFamily="49" charset="0"/>
+            </a:endParaRPr>
+          </a:p>
+          <a:p>
+            <a:r>
+              <a:rPr lang="pt-PT" sz="1800" dirty="0">
+                <a:latin typeface="Consolas" panose="020B0609020204030204" pitchFamily="49" charset="0"/>
+              </a:rPr>
+              <a:t>Pause o vídeo agora, e tente resolver este exercício</a:t>
+            </a:r>
+          </a:p>
+          <a:p>
+            <a:r>
+              <a:rPr lang="pt-PT" sz="1800" dirty="0" err="1">
+                <a:latin typeface="Consolas" panose="020B0609020204030204" pitchFamily="49" charset="0"/>
+              </a:rPr>
+              <a:t>Pssst</a:t>
+            </a:r>
+            <a:r>
+              <a:rPr lang="pt-PT" sz="1800" dirty="0">
+                <a:latin typeface="Consolas" panose="020B0609020204030204" pitchFamily="49" charset="0"/>
+              </a:rPr>
+              <a:t>! Tem disponíveis alguns materiais para o auxiliar!</a:t>
+            </a:r>
+          </a:p>
+          <a:p>
+            <a:r>
+              <a:rPr lang="pt-PT" sz="1800">
+                <a:latin typeface="Consolas" panose="020B0609020204030204" pitchFamily="49" charset="0"/>
+              </a:rPr>
+              <a:t>Caso </a:t>
+            </a:r>
+            <a:r>
+              <a:rPr lang="pt-PT" sz="1800" dirty="0">
+                <a:latin typeface="Consolas" panose="020B0609020204030204" pitchFamily="49" charset="0"/>
+              </a:rPr>
+              <a:t>tenha dificuldades no próximo vídeos apresentamos a resolução do exercício.</a:t>
+            </a:r>
+          </a:p>
         </p:txBody>
       </p:sp>
     </p:spTree>
     <p:extLst>
       <p:ext uri="{BB962C8B-B14F-4D97-AF65-F5344CB8AC3E}">
         <p14:creationId xmlns:p14="http://schemas.microsoft.com/office/powerpoint/2010/main" val="2089519232"/>
-      </p:ext>
-    </p:extLst>
-  </p:cSld>
-  <p:clrMapOvr>
-    <a:masterClrMapping/>
-  </p:clrMapOvr>
-</p:sld>
-</file>
-
-<file path=ppt/slides/slide8.xml><?xml version="1.0" encoding="utf-8"?>
-<p:sld xmlns:a="http://schemas.openxmlformats.org/drawingml/2006/main" xmlns:r="http://schemas.openxmlformats.org/officeDocument/2006/relationships" xmlns:p="http://schemas.openxmlformats.org/presentationml/2006/main">
-  <p:cSld>
-    <p:spTree>
-      <p:nvGrpSpPr>
-        <p:cNvPr id="1" name=""/>
-        <p:cNvGrpSpPr/>
-        <p:nvPr/>
-      </p:nvGrpSpPr>
-      <p:grpSpPr>
-        <a:xfrm>
-          <a:off x="0" y="0"/>
-          <a:ext cx="0" cy="0"/>
-          <a:chOff x="0" y="0"/>
-          <a:chExt cx="0" cy="0"/>
-        </a:xfrm>
-      </p:grpSpPr>
-      <p:sp>
-        <p:nvSpPr>
-          <p:cNvPr id="2" name="Título 1">
-            <a:extLst>
-              <a:ext uri="{FF2B5EF4-FFF2-40B4-BE49-F238E27FC236}">
-                <a16:creationId xmlns:a16="http://schemas.microsoft.com/office/drawing/2014/main" id="{68084EA3-29C4-41B7-8242-BC0D7B82525A}"/>
-              </a:ext>
-            </a:extLst>
-          </p:cNvPr>
-          <p:cNvSpPr>
-            <a:spLocks noGrp="1"/>
-          </p:cNvSpPr>
-          <p:nvPr>
-            <p:ph type="title"/>
-          </p:nvPr>
-        </p:nvSpPr>
-        <p:spPr/>
-        <p:txBody>
-          <a:bodyPr/>
-          <a:lstStyle/>
-          <a:p>
-            <a:r>
-              <a:rPr lang="pt-PT" b="1" dirty="0">
-                <a:solidFill>
-                  <a:schemeClr val="accent4">
-                    <a:lumMod val="60000"/>
-                    <a:lumOff val="40000"/>
-                  </a:schemeClr>
-                </a:solidFill>
-              </a:rPr>
-              <a:t>Título</a:t>
-            </a:r>
-          </a:p>
-        </p:txBody>
-      </p:sp>
-      <p:sp>
-        <p:nvSpPr>
-          <p:cNvPr id="3" name="Marcador de Posição de Conteúdo 2">
-            <a:extLst>
-              <a:ext uri="{FF2B5EF4-FFF2-40B4-BE49-F238E27FC236}">
-                <a16:creationId xmlns:a16="http://schemas.microsoft.com/office/drawing/2014/main" id="{90EA3F8F-AF5E-470B-8328-E9086464833E}"/>
-              </a:ext>
-            </a:extLst>
-          </p:cNvPr>
-          <p:cNvSpPr>
-            <a:spLocks noGrp="1"/>
-          </p:cNvSpPr>
-          <p:nvPr>
-            <p:ph idx="1"/>
-          </p:nvPr>
-        </p:nvSpPr>
-        <p:spPr/>
-        <p:txBody>
-          <a:bodyPr/>
-          <a:lstStyle/>
-          <a:p>
-            <a:r>
-              <a:rPr lang="pt-PT" sz="1800" dirty="0">
-                <a:latin typeface="Consolas" panose="020B0609020204030204" pitchFamily="49" charset="0"/>
-              </a:rPr>
-              <a:t>Texto</a:t>
-            </a:r>
-          </a:p>
-        </p:txBody>
-      </p:sp>
-    </p:spTree>
-    <p:extLst>
-      <p:ext uri="{BB962C8B-B14F-4D97-AF65-F5344CB8AC3E}">
-        <p14:creationId xmlns:p14="http://schemas.microsoft.com/office/powerpoint/2010/main" val="2685226226"/>
       </p:ext>
     </p:extLst>
   </p:cSld>
